--- a/회귀분석.pptx
+++ b/회귀분석.pptx
@@ -1,6 +1,6 @@
 
 <file path=ppt/presentation.xml><?xml version="1.0" encoding="utf-8"?>
-<p:presentation xmlns:a="http://schemas.openxmlformats.org/drawingml/2006/main" xmlns:r="http://schemas.openxmlformats.org/officeDocument/2006/relationships" xmlns:p="http://schemas.openxmlformats.org/presentationml/2006/main" showSpecialPlsOnTitleSld="0" embedTrueTypeFonts="1" saveSubsetFonts="1">
+<p:presentation xmlns:a="http://schemas.openxmlformats.org/drawingml/2006/main" xmlns:r="http://schemas.openxmlformats.org/officeDocument/2006/relationships" xmlns:p="http://schemas.openxmlformats.org/presentationml/2006/main" embedTrueTypeFonts="1" saveSubsetFonts="1">
   <p:sldMasterIdLst>
     <p:sldMasterId id="2147483660" r:id="rId1"/>
   </p:sldMasterIdLst>
@@ -33,36 +33,36 @@
   <p:notesSz cx="6858000" cy="9144000"/>
   <p:embeddedFontLst>
     <p:embeddedFont>
-      <p:font typeface="HY나무L" panose="02030600000101010101" pitchFamily="18" charset="-127"/>
+      <p:font typeface="D2Coding" panose="020B0609020101020101" pitchFamily="49" charset="-127"/>
       <p:regular r:id="rId23"/>
+      <p:bold r:id="rId24"/>
+    </p:embeddedFont>
+    <p:embeddedFont>
+      <p:font typeface="a옛날목욕탕L" panose="02020600000000000000" pitchFamily="18" charset="-127"/>
+      <p:regular r:id="rId25"/>
     </p:embeddedFont>
     <p:embeddedFont>
       <p:font typeface="Cambria Math" panose="02040503050406030204" pitchFamily="18" charset="0"/>
-      <p:regular r:id="rId24"/>
+      <p:regular r:id="rId26"/>
     </p:embeddedFont>
     <p:embeddedFont>
       <p:font typeface="Calibri" panose="020F0502020204030204" pitchFamily="34" charset="0"/>
-      <p:regular r:id="rId25"/>
-      <p:bold r:id="rId26"/>
-      <p:italic r:id="rId27"/>
-      <p:boldItalic r:id="rId28"/>
+      <p:regular r:id="rId27"/>
+      <p:bold r:id="rId28"/>
+      <p:italic r:id="rId29"/>
+      <p:boldItalic r:id="rId30"/>
     </p:embeddedFont>
     <p:embeddedFont>
-      <p:font typeface="D2Coding" panose="020B0609020101020101" pitchFamily="49" charset="-127"/>
-      <p:regular r:id="rId29"/>
-      <p:bold r:id="rId30"/>
+      <p:font typeface="a옛날목욕탕B" panose="02020600000000000000" pitchFamily="18" charset="-127"/>
+      <p:regular r:id="rId31"/>
     </p:embeddedFont>
     <p:embeddedFont>
       <p:font typeface="맑은 고딕" panose="020B0503020000020004" pitchFamily="50" charset="-127"/>
-      <p:regular r:id="rId31"/>
-      <p:bold r:id="rId32"/>
+      <p:regular r:id="rId32"/>
+      <p:bold r:id="rId33"/>
     </p:embeddedFont>
     <p:embeddedFont>
-      <p:font typeface="a옛날목욕탕B" panose="02020600000000000000" pitchFamily="18" charset="-127"/>
-      <p:regular r:id="rId33"/>
-    </p:embeddedFont>
-    <p:embeddedFont>
-      <p:font typeface="a옛날목욕탕L" panose="02020600000000000000" pitchFamily="18" charset="-127"/>
+      <p:font typeface="HY나무L" panose="02030600000101010101" pitchFamily="18" charset="-127"/>
       <p:regular r:id="rId34"/>
     </p:embeddedFont>
     <p:embeddedFont>
@@ -656,7 +656,7 @@
           <a:bodyPr/>
           <a:lstStyle/>
           <a:p>
-            <a:fld id="{D5135F81-B312-4655-9D0D-889A6C9D6ED8}" type="datetime1">
+            <a:fld id="{D13D84E8-490A-494C-A51B-3CB29F6E8F28}" type="datetime1">
               <a:rPr lang="ko-KR" altLang="en-US" smtClean="0"/>
               <a:t>2017-12-01</a:t>
             </a:fld>
@@ -826,7 +826,7 @@
           <a:bodyPr/>
           <a:lstStyle/>
           <a:p>
-            <a:fld id="{F72F3016-D1F9-4A2F-ADD5-7772EE0D0B55}" type="datetime1">
+            <a:fld id="{E8C1B339-AE9E-480A-8A86-D74EE189DCB2}" type="datetime1">
               <a:rPr lang="ko-KR" altLang="en-US" smtClean="0"/>
               <a:t>2017-12-01</a:t>
             </a:fld>
@@ -1006,7 +1006,7 @@
           <a:bodyPr/>
           <a:lstStyle/>
           <a:p>
-            <a:fld id="{5521C171-EAB0-4DF8-9A61-B01E54EABC35}" type="datetime1">
+            <a:fld id="{4E098F8C-B03F-4494-AB2D-C58B812ECF2A}" type="datetime1">
               <a:rPr lang="ko-KR" altLang="en-US" smtClean="0"/>
               <a:t>2017-12-01</a:t>
             </a:fld>
@@ -1176,7 +1176,7 @@
           <a:bodyPr/>
           <a:lstStyle/>
           <a:p>
-            <a:fld id="{E77A22BC-B82F-4859-BD6E-86CE1CCB3E48}" type="datetime1">
+            <a:fld id="{746A297D-CFF4-41B5-B1F5-1F4384898086}" type="datetime1">
               <a:rPr lang="ko-KR" altLang="en-US" smtClean="0"/>
               <a:t>2017-12-01</a:t>
             </a:fld>
@@ -1420,7 +1420,7 @@
           <a:bodyPr/>
           <a:lstStyle/>
           <a:p>
-            <a:fld id="{15D5FE96-5C39-4F0E-8C7A-7F8DA8144B41}" type="datetime1">
+            <a:fld id="{6D84917B-AFF3-46AA-9768-7370E59B614A}" type="datetime1">
               <a:rPr lang="ko-KR" altLang="en-US" smtClean="0"/>
               <a:t>2017-12-01</a:t>
             </a:fld>
@@ -1652,7 +1652,7 @@
           <a:bodyPr/>
           <a:lstStyle/>
           <a:p>
-            <a:fld id="{BDA300D2-B64A-4AB2-A3D0-8B711A38A36B}" type="datetime1">
+            <a:fld id="{C9DF45AA-934E-4632-9D6F-10AA2DCFDAC3}" type="datetime1">
               <a:rPr lang="ko-KR" altLang="en-US" smtClean="0"/>
               <a:t>2017-12-01</a:t>
             </a:fld>
@@ -2019,7 +2019,7 @@
           <a:bodyPr/>
           <a:lstStyle/>
           <a:p>
-            <a:fld id="{B4428ACF-D3C5-4BF8-A228-66534E0316C3}" type="datetime1">
+            <a:fld id="{73C7E3EB-C9B8-4C92-83F6-8F9CFB049C64}" type="datetime1">
               <a:rPr lang="ko-KR" altLang="en-US" smtClean="0"/>
               <a:t>2017-12-01</a:t>
             </a:fld>
@@ -2137,7 +2137,7 @@
           <a:bodyPr/>
           <a:lstStyle/>
           <a:p>
-            <a:fld id="{40D5B77F-B43E-4181-9F3E-B77FF5A00A6F}" type="datetime1">
+            <a:fld id="{6C2034E9-3C43-4CAA-A83E-795D384A1525}" type="datetime1">
               <a:rPr lang="ko-KR" altLang="en-US" smtClean="0"/>
               <a:t>2017-12-01</a:t>
             </a:fld>
@@ -2232,7 +2232,7 @@
           <a:bodyPr/>
           <a:lstStyle/>
           <a:p>
-            <a:fld id="{18058BA9-AE90-42EC-A6E0-3959797680A3}" type="datetime1">
+            <a:fld id="{8ECF140B-51D7-4AC2-87F2-873E0FD6587C}" type="datetime1">
               <a:rPr lang="ko-KR" altLang="en-US" smtClean="0"/>
               <a:t>2017-12-01</a:t>
             </a:fld>
@@ -2509,7 +2509,7 @@
           <a:bodyPr/>
           <a:lstStyle/>
           <a:p>
-            <a:fld id="{8EF58440-FB2D-4C3B-A3B7-009051387030}" type="datetime1">
+            <a:fld id="{F07A9845-E692-4FF1-A001-5F82D764B7BB}" type="datetime1">
               <a:rPr lang="ko-KR" altLang="en-US" smtClean="0"/>
               <a:t>2017-12-01</a:t>
             </a:fld>
@@ -2766,7 +2766,7 @@
           <a:bodyPr/>
           <a:lstStyle/>
           <a:p>
-            <a:fld id="{619E2C3E-8ADA-46CC-B6EA-BAC55996707D}" type="datetime1">
+            <a:fld id="{2AF59435-18FE-46C7-8D2E-E9CFB224D3D7}" type="datetime1">
               <a:rPr lang="ko-KR" altLang="en-US" smtClean="0"/>
               <a:t>2017-12-01</a:t>
             </a:fld>
@@ -2979,7 +2979,7 @@
             </a:lvl1pPr>
           </a:lstStyle>
           <a:p>
-            <a:fld id="{D2B86B70-614A-4172-9DCE-BB84EB8C80A0}" type="datetime1">
+            <a:fld id="{F75A63E4-12D2-40E2-B744-7484FF47405B}" type="datetime1">
               <a:rPr lang="ko-KR" altLang="en-US" smtClean="0"/>
               <a:t>2017-12-01</a:t>
             </a:fld>
@@ -3086,7 +3086,7 @@
     <p:sldLayoutId id="2147483670" r:id="rId10"/>
     <p:sldLayoutId id="2147483671" r:id="rId11"/>
   </p:sldLayoutIdLst>
-  <p:hf hdr="0" ftr="0" dt="0"/>
+  <p:hf sldNum="0" hdr="0" ftr="0" dt="0"/>
   <p:txStyles>
     <p:titleStyle>
       <a:lvl1pPr algn="l" defTabSz="914400" rtl="0" eaLnBrk="1" latinLnBrk="1" hangingPunct="1">
@@ -17886,30 +17886,191 @@
       </p:sp>
       <p:sp>
         <p:nvSpPr>
-          <p:cNvPr id="3" name="슬라이드 번호 개체 틀 2">
+          <p:cNvPr id="2" name="TextBox 1">
             <a:extLst>
               <a:ext uri="{FF2B5EF4-FFF2-40B4-BE49-F238E27FC236}">
-                <a16:creationId xmlns:a16="http://schemas.microsoft.com/office/drawing/2014/main" id="{F90797DE-CB4A-4E5A-BEA7-EED5300E1EE3}"/>
+                <a16:creationId xmlns:a16="http://schemas.microsoft.com/office/drawing/2014/main" id="{9B69C796-6AAF-4E96-9B2D-18A14A3918F1}"/>
               </a:ext>
             </a:extLst>
           </p:cNvPr>
-          <p:cNvSpPr>
-            <a:spLocks noGrp="1"/>
-          </p:cNvSpPr>
-          <p:nvPr>
-            <p:ph type="sldNum" sz="quarter" idx="12"/>
-          </p:nvPr>
-        </p:nvSpPr>
-        <p:spPr/>
-        <p:txBody>
-          <a:bodyPr/>
+          <p:cNvSpPr txBox="1"/>
+          <p:nvPr/>
+        </p:nvSpPr>
+        <p:spPr>
+          <a:xfrm>
+            <a:off x="437320" y="4913174"/>
+            <a:ext cx="8269357" cy="1754326"/>
+          </a:xfrm>
+          <a:prstGeom prst="rect">
+            <a:avLst/>
+          </a:prstGeom>
+          <a:noFill/>
+        </p:spPr>
+        <p:txBody>
+          <a:bodyPr wrap="square" rtlCol="0">
+            <a:spAutoFit/>
+          </a:bodyPr>
           <a:lstStyle/>
           <a:p>
-            <a:fld id="{22F4FDD6-9EA6-4EEA-BA9D-34CD7F99FEA7}" type="slidenum">
-              <a:rPr lang="ko-KR" altLang="en-US" smtClean="0"/>
-              <a:t>20</a:t>
-            </a:fld>
-            <a:endParaRPr lang="ko-KR" altLang="en-US"/>
+            <a:pPr fontAlgn="base"/>
+            <a:r>
+              <a:rPr lang="en-US" altLang="ko-KR" sz="1200" dirty="0"/>
+              <a:t>1.  </a:t>
+            </a:r>
+            <a:r>
+              <a:rPr lang="ko-KR" altLang="en-US" sz="1200" dirty="0" err="1"/>
+              <a:t>김명중</a:t>
+            </a:r>
+            <a:r>
+              <a:rPr lang="en-US" altLang="ko-KR" sz="1200" dirty="0"/>
+              <a:t>, </a:t>
+            </a:r>
+            <a:r>
+              <a:rPr lang="ko-KR" altLang="en-US" sz="1200" dirty="0" err="1"/>
+              <a:t>박범조</a:t>
+            </a:r>
+            <a:r>
+              <a:rPr lang="en-US" altLang="ko-KR" sz="1200" dirty="0"/>
+              <a:t>. R</a:t>
+            </a:r>
+            <a:r>
+              <a:rPr lang="ko-KR" altLang="en-US" sz="1200" dirty="0"/>
+              <a:t>을 이용한 </a:t>
+            </a:r>
+            <a:r>
+              <a:rPr lang="ko-KR" altLang="en-US" sz="1200" dirty="0" err="1"/>
+              <a:t>분위수회귀</a:t>
+            </a:r>
+            <a:r>
+              <a:rPr lang="ko-KR" altLang="en-US" sz="1200" dirty="0"/>
+              <a:t> 분석： 경제외적 요인이 기대수명에 미치는 영향</a:t>
+            </a:r>
+            <a:r>
+              <a:rPr lang="en-US" altLang="ko-KR" sz="1200" dirty="0"/>
+              <a:t>,</a:t>
+            </a:r>
+            <a:endParaRPr lang="ko-KR" altLang="en-US" sz="1200" dirty="0"/>
+          </a:p>
+          <a:p>
+            <a:pPr fontAlgn="base"/>
+            <a:r>
+              <a:rPr lang="ko-KR" altLang="en-US" sz="1200" dirty="0"/>
+              <a:t>	 </a:t>
+            </a:r>
+            <a:r>
+              <a:rPr lang="en-US" altLang="ko-KR" sz="1200" dirty="0"/>
+              <a:t>DKU </a:t>
+            </a:r>
+            <a:r>
+              <a:rPr lang="ko-KR" altLang="en-US" sz="1200" dirty="0"/>
+              <a:t>미래산업연구소</a:t>
+            </a:r>
+            <a:r>
+              <a:rPr lang="en-US" altLang="ko-KR" sz="1200" dirty="0"/>
+              <a:t>_ </a:t>
+            </a:r>
+            <a:r>
+              <a:rPr lang="ko-KR" altLang="en-US" sz="1200" dirty="0"/>
+              <a:t>단국대학교 산업연구 </a:t>
+            </a:r>
+            <a:r>
+              <a:rPr lang="en-US" altLang="ko-KR" sz="1200" dirty="0"/>
+              <a:t>37</a:t>
+            </a:r>
+            <a:r>
+              <a:rPr lang="ko-KR" altLang="en-US" sz="1200" dirty="0"/>
+              <a:t>권 </a:t>
+            </a:r>
+            <a:r>
+              <a:rPr lang="en-US" altLang="ko-KR" sz="1200" dirty="0"/>
+              <a:t>2</a:t>
+            </a:r>
+            <a:r>
+              <a:rPr lang="ko-KR" altLang="en-US" sz="1200" dirty="0"/>
+              <a:t>호</a:t>
+            </a:r>
+            <a:r>
+              <a:rPr lang="en-US" altLang="ko-KR" sz="1200" dirty="0"/>
+              <a:t>, 2013, p33-68.</a:t>
+            </a:r>
+            <a:endParaRPr lang="ko-KR" altLang="en-US" sz="1200" dirty="0"/>
+          </a:p>
+          <a:p>
+            <a:pPr marL="228600" indent="-228600" fontAlgn="base">
+              <a:buAutoNum type="arabicPeriod" startAt="2"/>
+            </a:pPr>
+            <a:r>
+              <a:rPr lang="ko-KR" altLang="en-US" sz="1200" dirty="0" err="1"/>
+              <a:t>최용옥</a:t>
+            </a:r>
+            <a:r>
+              <a:rPr lang="en-US" altLang="ko-KR" sz="1200" dirty="0"/>
+              <a:t>, </a:t>
+            </a:r>
+            <a:r>
+              <a:rPr lang="ko-KR" altLang="en-US" sz="1200" dirty="0"/>
+              <a:t>급속한 기대수명 증가의 함의</a:t>
+            </a:r>
+            <a:r>
+              <a:rPr lang="en-US" altLang="ko-KR" sz="1200" dirty="0"/>
+              <a:t>(Longevity Risk in Korea), KDI FOCUS, NO.69, </a:t>
+            </a:r>
+            <a:r>
+              <a:rPr lang="ko-KR" altLang="en-US" sz="1200" dirty="0"/>
+              <a:t>	</a:t>
+            </a:r>
+            <a:r>
+              <a:rPr lang="en-US" altLang="ko-KR" sz="1200" dirty="0"/>
+              <a:t>(Korea Development Institute), 2016, p3</a:t>
+            </a:r>
+          </a:p>
+          <a:p>
+            <a:pPr marL="228600" indent="-228600" fontAlgn="base">
+              <a:buAutoNum type="arabicPeriod" startAt="2"/>
+            </a:pPr>
+            <a:r>
+              <a:rPr lang="en-US" altLang="ko-KR" sz="1200" dirty="0"/>
+              <a:t>https://data.worldbank.org</a:t>
+            </a:r>
+          </a:p>
+          <a:p>
+            <a:pPr marL="228600" indent="-228600" fontAlgn="base">
+              <a:buAutoNum type="arabicPeriod" startAt="2"/>
+            </a:pPr>
+            <a:r>
+              <a:rPr lang="en-US" altLang="ko-KR" sz="1200" dirty="0"/>
+              <a:t>https://data.humdata.org/dataset/prevalence_of_hiv_total_of_population_aged_15-49/resource/c5f56338-471b-4aaf-b5b9-b1f7db160bc1</a:t>
+            </a:r>
+          </a:p>
+          <a:p>
+            <a:pPr marL="228600" indent="-228600" fontAlgn="base">
+              <a:buAutoNum type="arabicPeriod" startAt="2"/>
+            </a:pPr>
+            <a:r>
+              <a:rPr lang="en-US" altLang="ko-KR" sz="1200" dirty="0"/>
+              <a:t>http://www.datamarket.kr/xe/board_BoGi29/9880</a:t>
+            </a:r>
+            <a:r>
+              <a:rPr lang="ko-KR" altLang="en-US" sz="1200" dirty="0"/>
+              <a:t> </a:t>
+            </a:r>
+            <a:endParaRPr lang="en-US" altLang="ko-KR" sz="1200" dirty="0"/>
+          </a:p>
+          <a:p>
+            <a:pPr marL="228600" indent="-228600" fontAlgn="base">
+              <a:buAutoNum type="arabicPeriod" startAt="2"/>
+            </a:pPr>
+            <a:r>
+              <a:rPr lang="en-US" altLang="ko-KR" sz="1200" dirty="0"/>
+              <a:t>http://www.saedsayad.com/k_nearest_neighbors_reg.htm</a:t>
+            </a:r>
+            <a:r>
+              <a:rPr lang="ko-KR" altLang="en-US" sz="1200" dirty="0"/>
+              <a:t> </a:t>
+            </a:r>
+          </a:p>
+          <a:p>
+            <a:endParaRPr lang="ko-KR" altLang="en-US" sz="1200" dirty="0"/>
           </a:p>
         </p:txBody>
       </p:sp>

--- a/회귀분석.pptx
+++ b/회귀분석.pptx
@@ -33,42 +33,42 @@
   <p:notesSz cx="6858000" cy="9144000"/>
   <p:embeddedFontLst>
     <p:embeddedFont>
+      <p:font typeface="Calibri Light" panose="020F0302020204030204" pitchFamily="34" charset="0"/>
+      <p:regular r:id="rId23"/>
+      <p:italic r:id="rId24"/>
+    </p:embeddedFont>
+    <p:embeddedFont>
       <p:font typeface="D2Coding" panose="020B0609020101020101" pitchFamily="49" charset="-127"/>
-      <p:regular r:id="rId23"/>
-      <p:bold r:id="rId24"/>
+      <p:regular r:id="rId25"/>
+      <p:bold r:id="rId26"/>
+    </p:embeddedFont>
+    <p:embeddedFont>
+      <p:font typeface="HY나무L" panose="02030600000101010101" pitchFamily="18" charset="-127"/>
+      <p:regular r:id="rId27"/>
+    </p:embeddedFont>
+    <p:embeddedFont>
+      <p:font typeface="a옛날목욕탕B" panose="02020600000000000000" pitchFamily="18" charset="-127"/>
+      <p:regular r:id="rId28"/>
     </p:embeddedFont>
     <p:embeddedFont>
       <p:font typeface="a옛날목욕탕L" panose="02020600000000000000" pitchFamily="18" charset="-127"/>
-      <p:regular r:id="rId25"/>
+      <p:regular r:id="rId29"/>
     </p:embeddedFont>
     <p:embeddedFont>
       <p:font typeface="Cambria Math" panose="02040503050406030204" pitchFamily="18" charset="0"/>
-      <p:regular r:id="rId26"/>
+      <p:regular r:id="rId30"/>
     </p:embeddedFont>
     <p:embeddedFont>
       <p:font typeface="Calibri" panose="020F0502020204030204" pitchFamily="34" charset="0"/>
-      <p:regular r:id="rId27"/>
-      <p:bold r:id="rId28"/>
-      <p:italic r:id="rId29"/>
-      <p:boldItalic r:id="rId30"/>
-    </p:embeddedFont>
-    <p:embeddedFont>
-      <p:font typeface="a옛날목욕탕B" panose="02020600000000000000" pitchFamily="18" charset="-127"/>
       <p:regular r:id="rId31"/>
+      <p:bold r:id="rId32"/>
+      <p:italic r:id="rId33"/>
+      <p:boldItalic r:id="rId34"/>
     </p:embeddedFont>
     <p:embeddedFont>
       <p:font typeface="맑은 고딕" panose="020B0503020000020004" pitchFamily="50" charset="-127"/>
-      <p:regular r:id="rId32"/>
-      <p:bold r:id="rId33"/>
-    </p:embeddedFont>
-    <p:embeddedFont>
-      <p:font typeface="HY나무L" panose="02030600000101010101" pitchFamily="18" charset="-127"/>
-      <p:regular r:id="rId34"/>
-    </p:embeddedFont>
-    <p:embeddedFont>
-      <p:font typeface="Calibri Light" panose="020F0302020204030204" pitchFamily="34" charset="0"/>
       <p:regular r:id="rId35"/>
-      <p:italic r:id="rId36"/>
+      <p:bold r:id="rId36"/>
     </p:embeddedFont>
   </p:embeddedFontLst>
   <p:defaultTextStyle>
@@ -260,7 +260,7 @@
           <a:p>
             <a:fld id="{2A4E46DD-D013-4E33-BAB2-00903CD576EF}" type="datetimeFigureOut">
               <a:rPr lang="ko-KR" altLang="en-US" smtClean="0"/>
-              <a:t>2017-12-01</a:t>
+              <a:t>2017-12-02</a:t>
             </a:fld>
             <a:endParaRPr lang="ko-KR" altLang="en-US"/>
           </a:p>
@@ -658,7 +658,7 @@
           <a:p>
             <a:fld id="{D13D84E8-490A-494C-A51B-3CB29F6E8F28}" type="datetime1">
               <a:rPr lang="ko-KR" altLang="en-US" smtClean="0"/>
-              <a:t>2017-12-01</a:t>
+              <a:t>2017-12-02</a:t>
             </a:fld>
             <a:endParaRPr lang="ko-KR" altLang="en-US"/>
           </a:p>
@@ -828,7 +828,7 @@
           <a:p>
             <a:fld id="{E8C1B339-AE9E-480A-8A86-D74EE189DCB2}" type="datetime1">
               <a:rPr lang="ko-KR" altLang="en-US" smtClean="0"/>
-              <a:t>2017-12-01</a:t>
+              <a:t>2017-12-02</a:t>
             </a:fld>
             <a:endParaRPr lang="ko-KR" altLang="en-US"/>
           </a:p>
@@ -1008,7 +1008,7 @@
           <a:p>
             <a:fld id="{4E098F8C-B03F-4494-AB2D-C58B812ECF2A}" type="datetime1">
               <a:rPr lang="ko-KR" altLang="en-US" smtClean="0"/>
-              <a:t>2017-12-01</a:t>
+              <a:t>2017-12-02</a:t>
             </a:fld>
             <a:endParaRPr lang="ko-KR" altLang="en-US"/>
           </a:p>
@@ -1178,7 +1178,7 @@
           <a:p>
             <a:fld id="{746A297D-CFF4-41B5-B1F5-1F4384898086}" type="datetime1">
               <a:rPr lang="ko-KR" altLang="en-US" smtClean="0"/>
-              <a:t>2017-12-01</a:t>
+              <a:t>2017-12-02</a:t>
             </a:fld>
             <a:endParaRPr lang="ko-KR" altLang="en-US"/>
           </a:p>
@@ -1422,7 +1422,7 @@
           <a:p>
             <a:fld id="{6D84917B-AFF3-46AA-9768-7370E59B614A}" type="datetime1">
               <a:rPr lang="ko-KR" altLang="en-US" smtClean="0"/>
-              <a:t>2017-12-01</a:t>
+              <a:t>2017-12-02</a:t>
             </a:fld>
             <a:endParaRPr lang="ko-KR" altLang="en-US"/>
           </a:p>
@@ -1654,7 +1654,7 @@
           <a:p>
             <a:fld id="{C9DF45AA-934E-4632-9D6F-10AA2DCFDAC3}" type="datetime1">
               <a:rPr lang="ko-KR" altLang="en-US" smtClean="0"/>
-              <a:t>2017-12-01</a:t>
+              <a:t>2017-12-02</a:t>
             </a:fld>
             <a:endParaRPr lang="ko-KR" altLang="en-US"/>
           </a:p>
@@ -2021,7 +2021,7 @@
           <a:p>
             <a:fld id="{73C7E3EB-C9B8-4C92-83F6-8F9CFB049C64}" type="datetime1">
               <a:rPr lang="ko-KR" altLang="en-US" smtClean="0"/>
-              <a:t>2017-12-01</a:t>
+              <a:t>2017-12-02</a:t>
             </a:fld>
             <a:endParaRPr lang="ko-KR" altLang="en-US"/>
           </a:p>
@@ -2139,7 +2139,7 @@
           <a:p>
             <a:fld id="{6C2034E9-3C43-4CAA-A83E-795D384A1525}" type="datetime1">
               <a:rPr lang="ko-KR" altLang="en-US" smtClean="0"/>
-              <a:t>2017-12-01</a:t>
+              <a:t>2017-12-02</a:t>
             </a:fld>
             <a:endParaRPr lang="ko-KR" altLang="en-US"/>
           </a:p>
@@ -2234,7 +2234,7 @@
           <a:p>
             <a:fld id="{8ECF140B-51D7-4AC2-87F2-873E0FD6587C}" type="datetime1">
               <a:rPr lang="ko-KR" altLang="en-US" smtClean="0"/>
-              <a:t>2017-12-01</a:t>
+              <a:t>2017-12-02</a:t>
             </a:fld>
             <a:endParaRPr lang="ko-KR" altLang="en-US"/>
           </a:p>
@@ -2511,7 +2511,7 @@
           <a:p>
             <a:fld id="{F07A9845-E692-4FF1-A001-5F82D764B7BB}" type="datetime1">
               <a:rPr lang="ko-KR" altLang="en-US" smtClean="0"/>
-              <a:t>2017-12-01</a:t>
+              <a:t>2017-12-02</a:t>
             </a:fld>
             <a:endParaRPr lang="ko-KR" altLang="en-US"/>
           </a:p>
@@ -2768,7 +2768,7 @@
           <a:p>
             <a:fld id="{2AF59435-18FE-46C7-8D2E-E9CFB224D3D7}" type="datetime1">
               <a:rPr lang="ko-KR" altLang="en-US" smtClean="0"/>
-              <a:t>2017-12-01</a:t>
+              <a:t>2017-12-02</a:t>
             </a:fld>
             <a:endParaRPr lang="ko-KR" altLang="en-US"/>
           </a:p>
@@ -2981,7 +2981,7 @@
           <a:p>
             <a:fld id="{F75A63E4-12D2-40E2-B744-7484FF47405B}" type="datetime1">
               <a:rPr lang="ko-KR" altLang="en-US" smtClean="0"/>
-              <a:t>2017-12-01</a:t>
+              <a:t>2017-12-02</a:t>
             </a:fld>
             <a:endParaRPr lang="ko-KR" altLang="en-US"/>
           </a:p>
@@ -16308,7 +16308,7 @@
                             </p:stCondLst>
                             <p:childTnLst>
                               <p:par>
-                                <p:cTn id="5" presetID="1" presetClass="entr" presetSubtype="0" fill="hold" nodeType="clickEffect">
+                                <p:cTn id="5" presetID="1" presetClass="entr" presetSubtype="0" fill="hold" grpId="0" nodeType="clickEffect">
                                   <p:stCondLst>
                                     <p:cond delay="0"/>
                                   </p:stCondLst>
@@ -16316,6 +16316,96 @@
                                     <p:set>
                                       <p:cBhvr>
                                         <p:cTn id="6" dur="1" fill="hold">
+                                          <p:stCondLst>
+                                            <p:cond delay="0"/>
+                                          </p:stCondLst>
+                                        </p:cTn>
+                                        <p:tgtEl>
+                                          <p:spTgt spid="21"/>
+                                        </p:tgtEl>
+                                        <p:attrNameLst>
+                                          <p:attrName>style.visibility</p:attrName>
+                                        </p:attrNameLst>
+                                      </p:cBhvr>
+                                      <p:to>
+                                        <p:strVal val="visible"/>
+                                      </p:to>
+                                    </p:set>
+                                  </p:childTnLst>
+                                </p:cTn>
+                              </p:par>
+                            </p:childTnLst>
+                          </p:cTn>
+                        </p:par>
+                      </p:childTnLst>
+                    </p:cTn>
+                  </p:par>
+                  <p:par>
+                    <p:cTn id="7" fill="hold">
+                      <p:stCondLst>
+                        <p:cond delay="indefinite"/>
+                      </p:stCondLst>
+                      <p:childTnLst>
+                        <p:par>
+                          <p:cTn id="8" fill="hold">
+                            <p:stCondLst>
+                              <p:cond delay="0"/>
+                            </p:stCondLst>
+                            <p:childTnLst>
+                              <p:par>
+                                <p:cTn id="9" presetID="1" presetClass="entr" presetSubtype="0" fill="hold" grpId="0" nodeType="clickEffect">
+                                  <p:stCondLst>
+                                    <p:cond delay="0"/>
+                                  </p:stCondLst>
+                                  <p:childTnLst>
+                                    <p:set>
+                                      <p:cBhvr>
+                                        <p:cTn id="10" dur="1" fill="hold">
+                                          <p:stCondLst>
+                                            <p:cond delay="0"/>
+                                          </p:stCondLst>
+                                        </p:cTn>
+                                        <p:tgtEl>
+                                          <p:spTgt spid="22"/>
+                                        </p:tgtEl>
+                                        <p:attrNameLst>
+                                          <p:attrName>style.visibility</p:attrName>
+                                        </p:attrNameLst>
+                                      </p:cBhvr>
+                                      <p:to>
+                                        <p:strVal val="visible"/>
+                                      </p:to>
+                                    </p:set>
+                                  </p:childTnLst>
+                                </p:cTn>
+                              </p:par>
+                            </p:childTnLst>
+                          </p:cTn>
+                        </p:par>
+                      </p:childTnLst>
+                    </p:cTn>
+                  </p:par>
+                  <p:par>
+                    <p:cTn id="11" fill="hold">
+                      <p:stCondLst>
+                        <p:cond delay="indefinite"/>
+                      </p:stCondLst>
+                      <p:childTnLst>
+                        <p:par>
+                          <p:cTn id="12" fill="hold">
+                            <p:stCondLst>
+                              <p:cond delay="0"/>
+                            </p:stCondLst>
+                            <p:childTnLst>
+                              <p:par>
+                                <p:cTn id="13" presetID="1" presetClass="entr" presetSubtype="0" fill="hold" nodeType="clickEffect">
+                                  <p:stCondLst>
+                                    <p:cond delay="0"/>
+                                  </p:stCondLst>
+                                  <p:childTnLst>
+                                    <p:set>
+                                      <p:cBhvr>
+                                        <p:cTn id="14" dur="1" fill="hold">
                                           <p:stCondLst>
                                             <p:cond delay="0"/>
                                           </p:stCondLst>
@@ -16335,14 +16425,14 @@
                                 </p:cTn>
                               </p:par>
                               <p:par>
-                                <p:cTn id="7" presetID="1" presetClass="entr" presetSubtype="0" fill="hold" nodeType="withEffect">
+                                <p:cTn id="15" presetID="1" presetClass="entr" presetSubtype="0" fill="hold" nodeType="withEffect">
                                   <p:stCondLst>
                                     <p:cond delay="0"/>
                                   </p:stCondLst>
                                   <p:childTnLst>
                                     <p:set>
                                       <p:cBhvr>
-                                        <p:cTn id="8" dur="1" fill="hold">
+                                        <p:cTn id="16" dur="1" fill="hold">
                                           <p:stCondLst>
                                             <p:cond delay="0"/>
                                           </p:stCondLst>
@@ -16368,26 +16458,53 @@
                     </p:cTn>
                   </p:par>
                   <p:par>
-                    <p:cTn id="9" fill="hold">
+                    <p:cTn id="17" fill="hold">
                       <p:stCondLst>
                         <p:cond delay="indefinite"/>
                       </p:stCondLst>
                       <p:childTnLst>
                         <p:par>
-                          <p:cTn id="10" fill="hold">
+                          <p:cTn id="18" fill="hold">
                             <p:stCondLst>
                               <p:cond delay="0"/>
                             </p:stCondLst>
                             <p:childTnLst>
                               <p:par>
-                                <p:cTn id="11" presetID="1" presetClass="exit" presetSubtype="0" fill="hold" nodeType="clickEffect">
+                                <p:cTn id="19" presetID="1" presetClass="entr" presetSubtype="0" fill="hold" grpId="0" nodeType="clickEffect">
                                   <p:stCondLst>
                                     <p:cond delay="0"/>
                                   </p:stCondLst>
                                   <p:childTnLst>
                                     <p:set>
                                       <p:cBhvr>
-                                        <p:cTn id="12" dur="1" fill="hold">
+                                        <p:cTn id="20" dur="1" fill="hold">
+                                          <p:stCondLst>
+                                            <p:cond delay="0"/>
+                                          </p:stCondLst>
+                                        </p:cTn>
+                                        <p:tgtEl>
+                                          <p:spTgt spid="24"/>
+                                        </p:tgtEl>
+                                        <p:attrNameLst>
+                                          <p:attrName>style.visibility</p:attrName>
+                                        </p:attrNameLst>
+                                      </p:cBhvr>
+                                      <p:to>
+                                        <p:strVal val="visible"/>
+                                      </p:to>
+                                    </p:set>
+                                  </p:childTnLst>
+                                </p:cTn>
+                              </p:par>
+                              <p:par>
+                                <p:cTn id="21" presetID="1" presetClass="exit" presetSubtype="0" fill="hold" nodeType="withEffect">
+                                  <p:stCondLst>
+                                    <p:cond delay="0"/>
+                                  </p:stCondLst>
+                                  <p:childTnLst>
+                                    <p:set>
+                                      <p:cBhvr>
+                                        <p:cTn id="22" dur="1" fill="hold">
                                           <p:stCondLst>
                                             <p:cond delay="0"/>
                                           </p:stCondLst>
@@ -16407,14 +16524,14 @@
                                 </p:cTn>
                               </p:par>
                               <p:par>
-                                <p:cTn id="13" presetID="1" presetClass="exit" presetSubtype="0" fill="hold" nodeType="withEffect">
+                                <p:cTn id="23" presetID="1" presetClass="exit" presetSubtype="0" fill="hold" nodeType="withEffect">
                                   <p:stCondLst>
                                     <p:cond delay="0"/>
                                   </p:stCondLst>
                                   <p:childTnLst>
                                     <p:set>
                                       <p:cBhvr>
-                                        <p:cTn id="14" dur="1" fill="hold">
+                                        <p:cTn id="24" dur="1" fill="hold">
                                           <p:stCondLst>
                                             <p:cond delay="0"/>
                                           </p:stCondLst>
@@ -16440,26 +16557,98 @@
                     </p:cTn>
                   </p:par>
                   <p:par>
-                    <p:cTn id="15" fill="hold">
+                    <p:cTn id="25" fill="hold">
                       <p:stCondLst>
                         <p:cond delay="indefinite"/>
                       </p:stCondLst>
                       <p:childTnLst>
                         <p:par>
-                          <p:cTn id="16" fill="hold">
+                          <p:cTn id="26" fill="hold">
                             <p:stCondLst>
                               <p:cond delay="0"/>
                             </p:stCondLst>
                             <p:childTnLst>
                               <p:par>
-                                <p:cTn id="17" presetID="63" presetClass="path" presetSubtype="0" accel="50000" decel="50000" fill="hold" nodeType="clickEffect">
+                                <p:cTn id="27" presetID="1" presetClass="entr" presetSubtype="0" fill="hold" grpId="0" nodeType="clickEffect">
+                                  <p:stCondLst>
+                                    <p:cond delay="0"/>
+                                  </p:stCondLst>
+                                  <p:childTnLst>
+                                    <p:set>
+                                      <p:cBhvr>
+                                        <p:cTn id="28" dur="1" fill="hold">
+                                          <p:stCondLst>
+                                            <p:cond delay="0"/>
+                                          </p:stCondLst>
+                                        </p:cTn>
+                                        <p:tgtEl>
+                                          <p:spTgt spid="25"/>
+                                        </p:tgtEl>
+                                        <p:attrNameLst>
+                                          <p:attrName>style.visibility</p:attrName>
+                                        </p:attrNameLst>
+                                      </p:cBhvr>
+                                      <p:to>
+                                        <p:strVal val="visible"/>
+                                      </p:to>
+                                    </p:set>
+                                  </p:childTnLst>
+                                </p:cTn>
+                              </p:par>
+                            </p:childTnLst>
+                          </p:cTn>
+                        </p:par>
+                      </p:childTnLst>
+                    </p:cTn>
+                  </p:par>
+                  <p:par>
+                    <p:cTn id="29" fill="hold">
+                      <p:stCondLst>
+                        <p:cond delay="indefinite"/>
+                      </p:stCondLst>
+                      <p:childTnLst>
+                        <p:par>
+                          <p:cTn id="30" fill="hold">
+                            <p:stCondLst>
+                              <p:cond delay="0"/>
+                            </p:stCondLst>
+                            <p:childTnLst>
+                              <p:par>
+                                <p:cTn id="31" presetID="1" presetClass="entr" presetSubtype="0" fill="hold" grpId="0" nodeType="clickEffect">
+                                  <p:stCondLst>
+                                    <p:cond delay="0"/>
+                                  </p:stCondLst>
+                                  <p:childTnLst>
+                                    <p:set>
+                                      <p:cBhvr>
+                                        <p:cTn id="32" dur="1" fill="hold">
+                                          <p:stCondLst>
+                                            <p:cond delay="0"/>
+                                          </p:stCondLst>
+                                        </p:cTn>
+                                        <p:tgtEl>
+                                          <p:spTgt spid="26"/>
+                                        </p:tgtEl>
+                                        <p:attrNameLst>
+                                          <p:attrName>style.visibility</p:attrName>
+                                        </p:attrNameLst>
+                                      </p:cBhvr>
+                                      <p:to>
+                                        <p:strVal val="visible"/>
+                                      </p:to>
+                                    </p:set>
+                                  </p:childTnLst>
+                                </p:cTn>
+                              </p:par>
+                              <p:par>
+                                <p:cTn id="33" presetID="63" presetClass="path" presetSubtype="0" accel="50000" decel="50000" fill="hold" nodeType="withEffect">
                                   <p:stCondLst>
                                     <p:cond delay="0"/>
                                   </p:stCondLst>
                                   <p:childTnLst>
                                     <p:animMotion origin="layout" path="M 4.72222E-6 4.07407E-6 L 0.92673 -0.00139 " pathEditMode="relative" rAng="0" ptsTypes="AA">
                                       <p:cBhvr>
-                                        <p:cTn id="18" dur="10" fill="hold"/>
+                                        <p:cTn id="34" dur="10" fill="hold"/>
                                         <p:tgtEl>
                                           <p:spTgt spid="8"/>
                                         </p:tgtEl>
@@ -16480,26 +16669,26 @@
                     </p:cTn>
                   </p:par>
                   <p:par>
-                    <p:cTn id="19" fill="hold">
+                    <p:cTn id="35" fill="hold">
                       <p:stCondLst>
                         <p:cond delay="indefinite"/>
                       </p:stCondLst>
                       <p:childTnLst>
                         <p:par>
-                          <p:cTn id="20" fill="hold">
+                          <p:cTn id="36" fill="hold">
                             <p:stCondLst>
                               <p:cond delay="0"/>
                             </p:stCondLst>
                             <p:childTnLst>
                               <p:par>
-                                <p:cTn id="21" presetID="1" presetClass="exit" presetSubtype="0" fill="hold" nodeType="clickEffect">
+                                <p:cTn id="37" presetID="1" presetClass="exit" presetSubtype="0" fill="hold" nodeType="clickEffect">
                                   <p:stCondLst>
                                     <p:cond delay="0"/>
                                   </p:stCondLst>
                                   <p:childTnLst>
                                     <p:set>
                                       <p:cBhvr>
-                                        <p:cTn id="22" dur="1" fill="hold">
+                                        <p:cTn id="38" dur="1" fill="hold">
                                           <p:stCondLst>
                                             <p:cond delay="0"/>
                                           </p:stCondLst>
@@ -16525,26 +16714,26 @@
                     </p:cTn>
                   </p:par>
                   <p:par>
-                    <p:cTn id="23" fill="hold">
+                    <p:cTn id="39" fill="hold">
                       <p:stCondLst>
                         <p:cond delay="indefinite"/>
                       </p:stCondLst>
                       <p:childTnLst>
                         <p:par>
-                          <p:cTn id="24" fill="hold">
+                          <p:cTn id="40" fill="hold">
                             <p:stCondLst>
                               <p:cond delay="0"/>
                             </p:stCondLst>
                             <p:childTnLst>
                               <p:par>
-                                <p:cTn id="25" presetID="1" presetClass="entr" presetSubtype="0" fill="hold" nodeType="clickEffect">
+                                <p:cTn id="41" presetID="1" presetClass="entr" presetSubtype="0" fill="hold" nodeType="clickEffect">
                                   <p:stCondLst>
                                     <p:cond delay="0"/>
                                   </p:stCondLst>
                                   <p:childTnLst>
                                     <p:set>
                                       <p:cBhvr>
-                                        <p:cTn id="26" dur="1" fill="hold">
+                                        <p:cTn id="42" dur="1" fill="hold">
                                           <p:stCondLst>
                                             <p:cond delay="0"/>
                                           </p:stCondLst>
@@ -16564,14 +16753,14 @@
                                 </p:cTn>
                               </p:par>
                               <p:par>
-                                <p:cTn id="27" presetID="63" presetClass="path" presetSubtype="0" accel="50000" decel="50000" fill="hold" nodeType="withEffect">
+                                <p:cTn id="43" presetID="63" presetClass="path" presetSubtype="0" accel="50000" decel="50000" fill="hold" nodeType="withEffect">
                                   <p:stCondLst>
                                     <p:cond delay="0"/>
                                   </p:stCondLst>
                                   <p:childTnLst>
                                     <p:animMotion origin="layout" path="M 2.22222E-6 1.48148E-6 L 0.62361 -0.00093 " pathEditMode="relative" rAng="0" ptsTypes="AA">
                                       <p:cBhvr>
-                                        <p:cTn id="28" dur="10" fill="hold"/>
+                                        <p:cTn id="44" dur="10" fill="hold"/>
                                         <p:tgtEl>
                                           <p:spTgt spid="94"/>
                                         </p:tgtEl>
@@ -16592,26 +16781,26 @@
                     </p:cTn>
                   </p:par>
                   <p:par>
-                    <p:cTn id="29" fill="hold">
+                    <p:cTn id="45" fill="hold">
                       <p:stCondLst>
                         <p:cond delay="indefinite"/>
                       </p:stCondLst>
                       <p:childTnLst>
                         <p:par>
-                          <p:cTn id="30" fill="hold">
+                          <p:cTn id="46" fill="hold">
                             <p:stCondLst>
                               <p:cond delay="0"/>
                             </p:stCondLst>
                             <p:childTnLst>
                               <p:par>
-                                <p:cTn id="31" presetID="1" presetClass="exit" presetSubtype="0" fill="hold" nodeType="clickEffect">
+                                <p:cTn id="47" presetID="1" presetClass="exit" presetSubtype="0" fill="hold" nodeType="clickEffect">
                                   <p:stCondLst>
                                     <p:cond delay="0"/>
                                   </p:stCondLst>
                                   <p:childTnLst>
                                     <p:set>
                                       <p:cBhvr>
-                                        <p:cTn id="32" dur="1" fill="hold">
+                                        <p:cTn id="48" dur="1" fill="hold">
                                           <p:stCondLst>
                                             <p:cond delay="0"/>
                                           </p:stCondLst>
@@ -16631,14 +16820,14 @@
                                 </p:cTn>
                               </p:par>
                               <p:par>
-                                <p:cTn id="33" presetID="1" presetClass="exit" presetSubtype="0" fill="hold" nodeType="withEffect">
+                                <p:cTn id="49" presetID="1" presetClass="exit" presetSubtype="0" fill="hold" nodeType="withEffect">
                                   <p:stCondLst>
                                     <p:cond delay="0"/>
                                   </p:stCondLst>
                                   <p:childTnLst>
                                     <p:set>
                                       <p:cBhvr>
-                                        <p:cTn id="34" dur="1" fill="hold">
+                                        <p:cTn id="50" dur="1" fill="hold">
                                           <p:stCondLst>
                                             <p:cond delay="0"/>
                                           </p:stCondLst>
@@ -16652,6 +16841,33 @@
                                       </p:cBhvr>
                                       <p:to>
                                         <p:strVal val="hidden"/>
+                                      </p:to>
+                                    </p:set>
+                                  </p:childTnLst>
+                                </p:cTn>
+                              </p:par>
+                              <p:par>
+                                <p:cTn id="51" presetID="1" presetClass="entr" presetSubtype="0" fill="hold" grpId="0" nodeType="withEffect">
+                                  <p:stCondLst>
+                                    <p:cond delay="0"/>
+                                  </p:stCondLst>
+                                  <p:childTnLst>
+                                    <p:set>
+                                      <p:cBhvr>
+                                        <p:cTn id="52" dur="1" fill="hold">
+                                          <p:stCondLst>
+                                            <p:cond delay="0"/>
+                                          </p:stCondLst>
+                                        </p:cTn>
+                                        <p:tgtEl>
+                                          <p:spTgt spid="27"/>
+                                        </p:tgtEl>
+                                        <p:attrNameLst>
+                                          <p:attrName>style.visibility</p:attrName>
+                                        </p:attrNameLst>
+                                      </p:cBhvr>
+                                      <p:to>
+                                        <p:strVal val="visible"/>
                                       </p:to>
                                     </p:set>
                                   </p:childTnLst>
@@ -16684,6 +16900,14 @@
         </p:cTn>
       </p:par>
     </p:tnLst>
+    <p:bldLst>
+      <p:bldP spid="21" grpId="0"/>
+      <p:bldP spid="22" grpId="0"/>
+      <p:bldP spid="24" grpId="0"/>
+      <p:bldP spid="25" grpId="0"/>
+      <p:bldP spid="26" grpId="0"/>
+      <p:bldP spid="27" grpId="0"/>
+    </p:bldLst>
   </p:timing>
 </p:sld>
 </file>
@@ -16885,7 +17109,7 @@
                 <a:latin typeface="a옛날목욕탕B" panose="02020600000000000000" pitchFamily="18" charset="-127"/>
                 <a:ea typeface="a옛날목욕탕B" panose="02020600000000000000" pitchFamily="18" charset="-127"/>
               </a:rPr>
-              <a:t>01.</a:t>
+              <a:t>01</a:t>
             </a:r>
             <a:r>
               <a:rPr lang="en-US" altLang="ko-KR" sz="2800" dirty="0">
@@ -17021,7 +17245,7 @@
                 <a:latin typeface="a옛날목욕탕B" panose="02020600000000000000" pitchFamily="18" charset="-127"/>
                 <a:ea typeface="a옛날목욕탕B" panose="02020600000000000000" pitchFamily="18" charset="-127"/>
               </a:rPr>
-              <a:t>2. </a:t>
+              <a:t>3. </a:t>
             </a:r>
             <a:r>
               <a:rPr lang="en-US" altLang="ko-KR" dirty="0">
@@ -18678,8 +18902,8 @@
           </a:p>
         </p:txBody>
       </p:sp>
-      <mc:AlternateContent xmlns:mc="http://schemas.openxmlformats.org/markup-compatibility/2006" xmlns:a14="http://schemas.microsoft.com/office/drawing/2010/main">
-        <mc:Choice Requires="a14">
+      <mc:AlternateContent xmlns:mc="http://schemas.openxmlformats.org/markup-compatibility/2006">
+        <mc:Choice xmlns:a14="http://schemas.microsoft.com/office/drawing/2010/main" Requires="a14">
           <p:sp>
             <p:nvSpPr>
               <p:cNvPr id="16" name="TextBox 15">
@@ -18694,7 +18918,7 @@
             </p:nvSpPr>
             <p:spPr>
               <a:xfrm>
-                <a:off x="669295" y="3348924"/>
+                <a:off x="654626" y="3104254"/>
                 <a:ext cx="7426905" cy="738664"/>
               </a:xfrm>
               <a:prstGeom prst="rect">
@@ -19416,7 +19640,7 @@
             </p:txBody>
           </p:sp>
         </mc:Choice>
-        <mc:Fallback xmlns="">
+        <mc:Fallback>
           <p:sp>
             <p:nvSpPr>
               <p:cNvPr id="16" name="TextBox 15">
@@ -19433,7 +19657,7 @@
             </p:nvSpPr>
             <p:spPr>
               <a:xfrm>
-                <a:off x="669295" y="3348924"/>
+                <a:off x="654626" y="3104254"/>
                 <a:ext cx="7426905" cy="738664"/>
               </a:xfrm>
               <a:prstGeom prst="rect">
@@ -19442,7 +19666,7 @@
               <a:blipFill>
                 <a:blip r:embed="rId2"/>
                 <a:stretch>
-                  <a:fillRect l="-1970" t="-12295" b="-23770"/>
+                  <a:fillRect l="-1887" t="-12397" b="-24793"/>
                 </a:stretch>
               </a:blipFill>
             </p:spPr>
@@ -19494,21 +19718,7 @@
                 <a:latin typeface="a옛날목욕탕L" panose="02020600000000000000" pitchFamily="18" charset="-127"/>
                 <a:ea typeface="a옛날목욕탕L" panose="02020600000000000000" pitchFamily="18" charset="-127"/>
               </a:rPr>
-              <a:t>기대 수명과 </a:t>
-            </a:r>
-            <a:r>
-              <a:rPr lang="ko-KR" altLang="en-US" dirty="0" err="1">
-                <a:latin typeface="a옛날목욕탕L" panose="02020600000000000000" pitchFamily="18" charset="-127"/>
-                <a:ea typeface="a옛날목욕탕L" panose="02020600000000000000" pitchFamily="18" charset="-127"/>
-              </a:rPr>
-              <a:t>웅앵웅앵웅</a:t>
-            </a:r>
-            <a:r>
-              <a:rPr lang="ko-KR" altLang="en-US" dirty="0">
-                <a:latin typeface="a옛날목욕탕L" panose="02020600000000000000" pitchFamily="18" charset="-127"/>
-                <a:ea typeface="a옛날목욕탕L" panose="02020600000000000000" pitchFamily="18" charset="-127"/>
-              </a:rPr>
-              <a:t> 간의 관계</a:t>
+              <a:t>기대 수명과 사회적 요인 간의 관계 모델 적합</a:t>
             </a:r>
             <a:r>
               <a:rPr lang="en-US" altLang="ko-KR" dirty="0">

--- a/회귀분석.pptx
+++ b/회귀분석.pptx
@@ -38,32 +38,32 @@
       <p:italic r:id="rId24"/>
     </p:embeddedFont>
     <p:embeddedFont>
-      <p:font typeface="D2Coding" panose="020B0609020101020101" pitchFamily="49" charset="-127"/>
+      <p:font typeface="HY나무L" panose="02030600000101010101" pitchFamily="18" charset="-127"/>
       <p:regular r:id="rId25"/>
-      <p:bold r:id="rId26"/>
     </p:embeddedFont>
     <p:embeddedFont>
-      <p:font typeface="HY나무L" panose="02030600000101010101" pitchFamily="18" charset="-127"/>
+      <p:font typeface="a옛날목욕탕L" panose="02020600000000000000" pitchFamily="18" charset="-127"/>
+      <p:regular r:id="rId26"/>
+    </p:embeddedFont>
+    <p:embeddedFont>
+      <p:font typeface="a옛날목욕탕B" panose="02020600000000000000" pitchFamily="18" charset="-127"/>
       <p:regular r:id="rId27"/>
     </p:embeddedFont>
     <p:embeddedFont>
-      <p:font typeface="a옛날목욕탕B" panose="02020600000000000000" pitchFamily="18" charset="-127"/>
+      <p:font typeface="Cambria Math" panose="02040503050406030204" pitchFamily="18" charset="0"/>
       <p:regular r:id="rId28"/>
     </p:embeddedFont>
     <p:embeddedFont>
-      <p:font typeface="a옛날목욕탕L" panose="02020600000000000000" pitchFamily="18" charset="-127"/>
+      <p:font typeface="Calibri" panose="020F0502020204030204" pitchFamily="34" charset="0"/>
       <p:regular r:id="rId29"/>
+      <p:bold r:id="rId30"/>
+      <p:italic r:id="rId31"/>
+      <p:boldItalic r:id="rId32"/>
     </p:embeddedFont>
     <p:embeddedFont>
-      <p:font typeface="Cambria Math" panose="02040503050406030204" pitchFamily="18" charset="0"/>
-      <p:regular r:id="rId30"/>
-    </p:embeddedFont>
-    <p:embeddedFont>
-      <p:font typeface="Calibri" panose="020F0502020204030204" pitchFamily="34" charset="0"/>
-      <p:regular r:id="rId31"/>
-      <p:bold r:id="rId32"/>
-      <p:italic r:id="rId33"/>
-      <p:boldItalic r:id="rId34"/>
+      <p:font typeface="D2Coding" panose="020B0609020101020101" pitchFamily="49" charset="-127"/>
+      <p:regular r:id="rId33"/>
+      <p:bold r:id="rId34"/>
     </p:embeddedFont>
     <p:embeddedFont>
       <p:font typeface="맑은 고딕" panose="020B0503020000020004" pitchFamily="50" charset="-127"/>
@@ -4586,81 +4586,6 @@
   <p:clrMapOvr>
     <a:masterClrMapping/>
   </p:clrMapOvr>
-  <p:timing>
-    <p:tnLst>
-      <p:par>
-        <p:cTn id="1" dur="indefinite" restart="never" nodeType="tmRoot">
-          <p:childTnLst>
-            <p:seq concurrent="1" nextAc="seek">
-              <p:cTn id="2" dur="indefinite" nodeType="mainSeq">
-                <p:childTnLst>
-                  <p:par>
-                    <p:cTn id="3" fill="hold">
-                      <p:stCondLst>
-                        <p:cond delay="indefinite"/>
-                      </p:stCondLst>
-                      <p:childTnLst>
-                        <p:par>
-                          <p:cTn id="4" fill="hold">
-                            <p:stCondLst>
-                              <p:cond delay="0"/>
-                            </p:stCondLst>
-                            <p:childTnLst>
-                              <p:par>
-                                <p:cTn id="5" presetID="1" presetClass="entr" presetSubtype="0" fill="hold" nodeType="clickEffect">
-                                  <p:stCondLst>
-                                    <p:cond delay="0"/>
-                                  </p:stCondLst>
-                                  <p:childTnLst>
-                                    <p:set>
-                                      <p:cBhvr>
-                                        <p:cTn id="6" dur="1" fill="hold">
-                                          <p:stCondLst>
-                                            <p:cond delay="0"/>
-                                          </p:stCondLst>
-                                        </p:cTn>
-                                        <p:tgtEl>
-                                          <p:spTgt spid="6"/>
-                                        </p:tgtEl>
-                                        <p:attrNameLst>
-                                          <p:attrName>style.visibility</p:attrName>
-                                        </p:attrNameLst>
-                                      </p:cBhvr>
-                                      <p:to>
-                                        <p:strVal val="visible"/>
-                                      </p:to>
-                                    </p:set>
-                                  </p:childTnLst>
-                                </p:cTn>
-                              </p:par>
-                            </p:childTnLst>
-                          </p:cTn>
-                        </p:par>
-                      </p:childTnLst>
-                    </p:cTn>
-                  </p:par>
-                </p:childTnLst>
-              </p:cTn>
-              <p:prevCondLst>
-                <p:cond evt="onPrev" delay="0">
-                  <p:tgtEl>
-                    <p:sldTgt/>
-                  </p:tgtEl>
-                </p:cond>
-              </p:prevCondLst>
-              <p:nextCondLst>
-                <p:cond evt="onNext" delay="0">
-                  <p:tgtEl>
-                    <p:sldTgt/>
-                  </p:tgtEl>
-                </p:cond>
-              </p:nextCondLst>
-            </p:seq>
-          </p:childTnLst>
-        </p:cTn>
-      </p:par>
-    </p:tnLst>
-  </p:timing>
 </p:sld>
 </file>
 
@@ -18902,8 +18827,8 @@
           </a:p>
         </p:txBody>
       </p:sp>
-      <mc:AlternateContent xmlns:mc="http://schemas.openxmlformats.org/markup-compatibility/2006">
-        <mc:Choice xmlns:a14="http://schemas.microsoft.com/office/drawing/2010/main" Requires="a14">
+      <mc:AlternateContent xmlns:mc="http://schemas.openxmlformats.org/markup-compatibility/2006" xmlns:a14="http://schemas.microsoft.com/office/drawing/2010/main">
+        <mc:Choice Requires="a14">
           <p:sp>
             <p:nvSpPr>
               <p:cNvPr id="16" name="TextBox 15">
@@ -19640,7 +19565,7 @@
             </p:txBody>
           </p:sp>
         </mc:Choice>
-        <mc:Fallback>
+        <mc:Fallback xmlns="">
           <p:sp>
             <p:nvSpPr>
               <p:cNvPr id="16" name="TextBox 15">

--- a/회귀분석.pptx
+++ b/회귀분석.pptx
@@ -18827,8 +18827,8 @@
           </a:p>
         </p:txBody>
       </p:sp>
-      <mc:AlternateContent xmlns:mc="http://schemas.openxmlformats.org/markup-compatibility/2006" xmlns:a14="http://schemas.microsoft.com/office/drawing/2010/main">
-        <mc:Choice Requires="a14">
+      <mc:AlternateContent xmlns:mc="http://schemas.openxmlformats.org/markup-compatibility/2006">
+        <mc:Choice xmlns:a14="http://schemas.microsoft.com/office/drawing/2010/main" Requires="a14">
           <p:sp>
             <p:nvSpPr>
               <p:cNvPr id="16" name="TextBox 15">
@@ -18843,7 +18843,7 @@
             </p:nvSpPr>
             <p:spPr>
               <a:xfrm>
-                <a:off x="654626" y="3104254"/>
+                <a:off x="669295" y="1307267"/>
                 <a:ext cx="7426905" cy="738664"/>
               </a:xfrm>
               <a:prstGeom prst="rect">
@@ -19565,7 +19565,7 @@
             </p:txBody>
           </p:sp>
         </mc:Choice>
-        <mc:Fallback xmlns="">
+        <mc:Fallback>
           <p:sp>
             <p:nvSpPr>
               <p:cNvPr id="16" name="TextBox 15">
@@ -19582,7 +19582,7 @@
             </p:nvSpPr>
             <p:spPr>
               <a:xfrm>
-                <a:off x="654626" y="3104254"/>
+                <a:off x="669295" y="1307267"/>
                 <a:ext cx="7426905" cy="738664"/>
               </a:xfrm>
               <a:prstGeom prst="rect">
@@ -19591,7 +19591,7 @@
               <a:blipFill>
                 <a:blip r:embed="rId2"/>
                 <a:stretch>
-                  <a:fillRect l="-1887" t="-12397" b="-24793"/>
+                  <a:fillRect l="-1970" t="-12295" b="-23770"/>
                 </a:stretch>
               </a:blipFill>
             </p:spPr>
@@ -19624,7 +19624,7 @@
         </p:nvSpPr>
         <p:spPr>
           <a:xfrm>
-            <a:off x="669295" y="1285987"/>
+            <a:off x="669295" y="822166"/>
             <a:ext cx="7072679" cy="369332"/>
           </a:xfrm>
           <a:prstGeom prst="rect">
@@ -19656,6 +19656,472 @@
               <a:latin typeface="a옛날목욕탕L" panose="02020600000000000000" pitchFamily="18" charset="-127"/>
               <a:ea typeface="a옛날목욕탕L" panose="02020600000000000000" pitchFamily="18" charset="-127"/>
             </a:endParaRPr>
+          </a:p>
+        </p:txBody>
+      </p:sp>
+      <p:sp>
+        <p:nvSpPr>
+          <p:cNvPr id="4" name="TextBox 3">
+            <a:extLst>
+              <a:ext uri="{FF2B5EF4-FFF2-40B4-BE49-F238E27FC236}">
+                <a16:creationId xmlns:a16="http://schemas.microsoft.com/office/drawing/2014/main" id="{EAD9494A-D080-4813-A70A-82E0B5A163E0}"/>
+              </a:ext>
+            </a:extLst>
+          </p:cNvPr>
+          <p:cNvSpPr txBox="1"/>
+          <p:nvPr/>
+        </p:nvSpPr>
+        <p:spPr>
+          <a:xfrm>
+            <a:off x="669295" y="2504376"/>
+            <a:ext cx="7076661" cy="3554819"/>
+          </a:xfrm>
+          <a:prstGeom prst="rect">
+            <a:avLst/>
+          </a:prstGeom>
+          <a:noFill/>
+        </p:spPr>
+        <p:txBody>
+          <a:bodyPr wrap="square" rtlCol="0">
+            <a:spAutoFit/>
+          </a:bodyPr>
+          <a:lstStyle/>
+          <a:p>
+            <a:pPr fontAlgn="base">
+              <a:lnSpc>
+                <a:spcPct val="125000"/>
+              </a:lnSpc>
+            </a:pPr>
+            <a:r>
+              <a:rPr lang="en-US" altLang="ko-KR" sz="1400" b="1" dirty="0">
+                <a:latin typeface="a옛날목욕탕L" panose="02020600000000000000" pitchFamily="18" charset="-127"/>
+                <a:ea typeface="a옛날목욕탕L" panose="02020600000000000000" pitchFamily="18" charset="-127"/>
+              </a:rPr>
+              <a:t>A. life : </a:t>
+            </a:r>
+            <a:r>
+              <a:rPr lang="en-US" altLang="ko-KR" sz="1200" dirty="0">
+                <a:latin typeface="a옛날목욕탕L" panose="02020600000000000000" pitchFamily="18" charset="-127"/>
+                <a:ea typeface="a옛날목욕탕L" panose="02020600000000000000" pitchFamily="18" charset="-127"/>
+              </a:rPr>
+              <a:t>Life expectancy at birth, total(year) / 2015</a:t>
+            </a:r>
+            <a:endParaRPr lang="en-US" altLang="ko-KR" sz="1400" dirty="0">
+              <a:latin typeface="a옛날목욕탕L" panose="02020600000000000000" pitchFamily="18" charset="-127"/>
+              <a:ea typeface="a옛날목욕탕L" panose="02020600000000000000" pitchFamily="18" charset="-127"/>
+            </a:endParaRPr>
+          </a:p>
+          <a:p>
+            <a:pPr fontAlgn="base">
+              <a:lnSpc>
+                <a:spcPct val="125000"/>
+              </a:lnSpc>
+            </a:pPr>
+            <a:r>
+              <a:rPr lang="en-US" altLang="ko-KR" sz="1400" b="1" dirty="0">
+                <a:latin typeface="a옛날목욕탕L" panose="02020600000000000000" pitchFamily="18" charset="-127"/>
+                <a:ea typeface="a옛날목욕탕L" panose="02020600000000000000" pitchFamily="18" charset="-127"/>
+              </a:rPr>
+              <a:t>B. </a:t>
+            </a:r>
+            <a:r>
+              <a:rPr lang="en-US" altLang="ko-KR" sz="1400" b="1" dirty="0" err="1">
+                <a:latin typeface="a옛날목욕탕L" panose="02020600000000000000" pitchFamily="18" charset="-127"/>
+                <a:ea typeface="a옛날목욕탕L" panose="02020600000000000000" pitchFamily="18" charset="-127"/>
+              </a:rPr>
+              <a:t>gdp</a:t>
+            </a:r>
+            <a:r>
+              <a:rPr lang="en-US" altLang="ko-KR" sz="1400" dirty="0">
+                <a:latin typeface="a옛날목욕탕L" panose="02020600000000000000" pitchFamily="18" charset="-127"/>
+                <a:ea typeface="a옛날목욕탕L" panose="02020600000000000000" pitchFamily="18" charset="-127"/>
+              </a:rPr>
+              <a:t> : </a:t>
+            </a:r>
+            <a:r>
+              <a:rPr lang="en-US" altLang="ko-KR" sz="1200" dirty="0">
+                <a:latin typeface="a옛날목욕탕L" panose="02020600000000000000" pitchFamily="18" charset="-127"/>
+                <a:ea typeface="a옛날목욕탕L" panose="02020600000000000000" pitchFamily="18" charset="-127"/>
+              </a:rPr>
+              <a:t>GDP per capita (current US$) / 2016</a:t>
+            </a:r>
+            <a:endParaRPr lang="ko-KR" altLang="en-US" sz="1200" dirty="0">
+              <a:latin typeface="a옛날목욕탕L" panose="02020600000000000000" pitchFamily="18" charset="-127"/>
+              <a:ea typeface="a옛날목욕탕L" panose="02020600000000000000" pitchFamily="18" charset="-127"/>
+            </a:endParaRPr>
+          </a:p>
+          <a:p>
+            <a:pPr fontAlgn="base">
+              <a:lnSpc>
+                <a:spcPct val="125000"/>
+              </a:lnSpc>
+            </a:pPr>
+            <a:r>
+              <a:rPr lang="en-US" altLang="ko-KR" sz="1400" b="1" dirty="0">
+                <a:latin typeface="a옛날목욕탕L" panose="02020600000000000000" pitchFamily="18" charset="-127"/>
+                <a:ea typeface="a옛날목욕탕L" panose="02020600000000000000" pitchFamily="18" charset="-127"/>
+              </a:rPr>
+              <a:t>C. </a:t>
+            </a:r>
+            <a:r>
+              <a:rPr lang="en-US" altLang="ko-KR" sz="1400" b="1" dirty="0" err="1">
+                <a:latin typeface="a옛날목욕탕L" panose="02020600000000000000" pitchFamily="18" charset="-127"/>
+                <a:ea typeface="a옛날목욕탕L" panose="02020600000000000000" pitchFamily="18" charset="-127"/>
+              </a:rPr>
+              <a:t>sani</a:t>
+            </a:r>
+            <a:r>
+              <a:rPr lang="en-US" altLang="ko-KR" sz="1400" dirty="0">
+                <a:latin typeface="a옛날목욕탕L" panose="02020600000000000000" pitchFamily="18" charset="-127"/>
+                <a:ea typeface="a옛날목욕탕L" panose="02020600000000000000" pitchFamily="18" charset="-127"/>
+              </a:rPr>
+              <a:t> : </a:t>
+            </a:r>
+            <a:r>
+              <a:rPr lang="en-US" altLang="ko-KR" sz="1200" dirty="0">
+                <a:latin typeface="a옛날목욕탕L" panose="02020600000000000000" pitchFamily="18" charset="-127"/>
+                <a:ea typeface="a옛날목욕탕L" panose="02020600000000000000" pitchFamily="18" charset="-127"/>
+              </a:rPr>
+              <a:t>Improved sanitation facilities (% of population with access) / 2015</a:t>
+            </a:r>
+            <a:endParaRPr lang="ko-KR" altLang="en-US" sz="1400" dirty="0">
+              <a:latin typeface="a옛날목욕탕L" panose="02020600000000000000" pitchFamily="18" charset="-127"/>
+              <a:ea typeface="a옛날목욕탕L" panose="02020600000000000000" pitchFamily="18" charset="-127"/>
+            </a:endParaRPr>
+          </a:p>
+          <a:p>
+            <a:pPr fontAlgn="base">
+              <a:lnSpc>
+                <a:spcPct val="125000"/>
+              </a:lnSpc>
+            </a:pPr>
+            <a:r>
+              <a:rPr lang="en-US" altLang="ko-KR" sz="1400" b="1" dirty="0">
+                <a:latin typeface="a옛날목욕탕L" panose="02020600000000000000" pitchFamily="18" charset="-127"/>
+                <a:ea typeface="a옛날목욕탕L" panose="02020600000000000000" pitchFamily="18" charset="-127"/>
+              </a:rPr>
+              <a:t>D. pre</a:t>
+            </a:r>
+            <a:r>
+              <a:rPr lang="en-US" altLang="ko-KR" sz="1400" dirty="0">
+                <a:latin typeface="a옛날목욕탕L" panose="02020600000000000000" pitchFamily="18" charset="-127"/>
+                <a:ea typeface="a옛날목욕탕L" panose="02020600000000000000" pitchFamily="18" charset="-127"/>
+              </a:rPr>
+              <a:t> : </a:t>
+            </a:r>
+            <a:r>
+              <a:rPr lang="en-US" altLang="ko-KR" sz="1200" dirty="0">
+                <a:latin typeface="a옛날목욕탕L" panose="02020600000000000000" pitchFamily="18" charset="-127"/>
+                <a:ea typeface="a옛날목욕탕L" panose="02020600000000000000" pitchFamily="18" charset="-127"/>
+              </a:rPr>
+              <a:t>Gross enrollment ratio, pre-primary, both sex (%) / 2015</a:t>
+            </a:r>
+            <a:endParaRPr lang="ko-KR" altLang="en-US" sz="1200" dirty="0">
+              <a:latin typeface="a옛날목욕탕L" panose="02020600000000000000" pitchFamily="18" charset="-127"/>
+              <a:ea typeface="a옛날목욕탕L" panose="02020600000000000000" pitchFamily="18" charset="-127"/>
+            </a:endParaRPr>
+          </a:p>
+          <a:p>
+            <a:pPr fontAlgn="base">
+              <a:lnSpc>
+                <a:spcPct val="125000"/>
+              </a:lnSpc>
+            </a:pPr>
+            <a:r>
+              <a:rPr lang="en-US" altLang="ko-KR" sz="1400" b="1" dirty="0">
+                <a:latin typeface="a옛날목욕탕L" panose="02020600000000000000" pitchFamily="18" charset="-127"/>
+                <a:ea typeface="a옛날목욕탕L" panose="02020600000000000000" pitchFamily="18" charset="-127"/>
+              </a:rPr>
+              <a:t>E. </a:t>
+            </a:r>
+            <a:r>
+              <a:rPr lang="en-US" altLang="ko-KR" sz="1400" b="1" dirty="0" err="1">
+                <a:latin typeface="a옛날목욕탕L" panose="02020600000000000000" pitchFamily="18" charset="-127"/>
+                <a:ea typeface="a옛날목욕탕L" panose="02020600000000000000" pitchFamily="18" charset="-127"/>
+              </a:rPr>
+              <a:t>pri</a:t>
+            </a:r>
+            <a:r>
+              <a:rPr lang="en-US" altLang="ko-KR" sz="1400" dirty="0">
+                <a:latin typeface="a옛날목욕탕L" panose="02020600000000000000" pitchFamily="18" charset="-127"/>
+                <a:ea typeface="a옛날목욕탕L" panose="02020600000000000000" pitchFamily="18" charset="-127"/>
+              </a:rPr>
+              <a:t> : </a:t>
+            </a:r>
+            <a:r>
+              <a:rPr lang="en-US" altLang="ko-KR" sz="1200" dirty="0">
+                <a:latin typeface="a옛날목욕탕L" panose="02020600000000000000" pitchFamily="18" charset="-127"/>
+                <a:ea typeface="a옛날목욕탕L" panose="02020600000000000000" pitchFamily="18" charset="-127"/>
+              </a:rPr>
+              <a:t>Gross enrollment ratio, primary, both sex (%) / 2015</a:t>
+            </a:r>
+            <a:endParaRPr lang="ko-KR" altLang="en-US" sz="1200" dirty="0">
+              <a:latin typeface="a옛날목욕탕L" panose="02020600000000000000" pitchFamily="18" charset="-127"/>
+              <a:ea typeface="a옛날목욕탕L" panose="02020600000000000000" pitchFamily="18" charset="-127"/>
+            </a:endParaRPr>
+          </a:p>
+          <a:p>
+            <a:pPr fontAlgn="base">
+              <a:lnSpc>
+                <a:spcPct val="125000"/>
+              </a:lnSpc>
+            </a:pPr>
+            <a:r>
+              <a:rPr lang="en-US" altLang="ko-KR" sz="1400" b="1" dirty="0">
+                <a:latin typeface="a옛날목욕탕L" panose="02020600000000000000" pitchFamily="18" charset="-127"/>
+                <a:ea typeface="a옛날목욕탕L" panose="02020600000000000000" pitchFamily="18" charset="-127"/>
+              </a:rPr>
+              <a:t>F. sec</a:t>
+            </a:r>
+            <a:r>
+              <a:rPr lang="en-US" altLang="ko-KR" sz="1400" dirty="0">
+                <a:latin typeface="a옛날목욕탕L" panose="02020600000000000000" pitchFamily="18" charset="-127"/>
+                <a:ea typeface="a옛날목욕탕L" panose="02020600000000000000" pitchFamily="18" charset="-127"/>
+              </a:rPr>
+              <a:t> : </a:t>
+            </a:r>
+            <a:r>
+              <a:rPr lang="en-US" altLang="ko-KR" sz="1200" dirty="0">
+                <a:latin typeface="a옛날목욕탕L" panose="02020600000000000000" pitchFamily="18" charset="-127"/>
+                <a:ea typeface="a옛날목욕탕L" panose="02020600000000000000" pitchFamily="18" charset="-127"/>
+              </a:rPr>
+              <a:t>Gross enrollment ratio. secondary, both sex (%) / 2015</a:t>
+            </a:r>
+            <a:endParaRPr lang="ko-KR" altLang="en-US" sz="1200" dirty="0">
+              <a:latin typeface="a옛날목욕탕L" panose="02020600000000000000" pitchFamily="18" charset="-127"/>
+              <a:ea typeface="a옛날목욕탕L" panose="02020600000000000000" pitchFamily="18" charset="-127"/>
+            </a:endParaRPr>
+          </a:p>
+          <a:p>
+            <a:pPr fontAlgn="base">
+              <a:lnSpc>
+                <a:spcPct val="125000"/>
+              </a:lnSpc>
+            </a:pPr>
+            <a:r>
+              <a:rPr lang="en-US" altLang="ko-KR" sz="1400" b="1" dirty="0">
+                <a:latin typeface="a옛날목욕탕L" panose="02020600000000000000" pitchFamily="18" charset="-127"/>
+                <a:ea typeface="a옛날목욕탕L" panose="02020600000000000000" pitchFamily="18" charset="-127"/>
+              </a:rPr>
+              <a:t>G. </a:t>
+            </a:r>
+            <a:r>
+              <a:rPr lang="en-US" altLang="ko-KR" sz="1400" b="1" dirty="0" err="1">
+                <a:latin typeface="a옛날목욕탕L" panose="02020600000000000000" pitchFamily="18" charset="-127"/>
+                <a:ea typeface="a옛날목욕탕L" panose="02020600000000000000" pitchFamily="18" charset="-127"/>
+              </a:rPr>
+              <a:t>ter</a:t>
+            </a:r>
+            <a:r>
+              <a:rPr lang="en-US" altLang="ko-KR" sz="1400" dirty="0">
+                <a:latin typeface="a옛날목욕탕L" panose="02020600000000000000" pitchFamily="18" charset="-127"/>
+                <a:ea typeface="a옛날목욕탕L" panose="02020600000000000000" pitchFamily="18" charset="-127"/>
+              </a:rPr>
+              <a:t> : </a:t>
+            </a:r>
+            <a:r>
+              <a:rPr lang="en-US" altLang="ko-KR" sz="1200" dirty="0">
+                <a:latin typeface="a옛날목욕탕L" panose="02020600000000000000" pitchFamily="18" charset="-127"/>
+                <a:ea typeface="a옛날목욕탕L" panose="02020600000000000000" pitchFamily="18" charset="-127"/>
+              </a:rPr>
+              <a:t>Gross enrollment ratio. tertiary, both sex (%) / 2015</a:t>
+            </a:r>
+            <a:endParaRPr lang="ko-KR" altLang="en-US" sz="1200" dirty="0">
+              <a:latin typeface="a옛날목욕탕L" panose="02020600000000000000" pitchFamily="18" charset="-127"/>
+              <a:ea typeface="a옛날목욕탕L" panose="02020600000000000000" pitchFamily="18" charset="-127"/>
+            </a:endParaRPr>
+          </a:p>
+          <a:p>
+            <a:pPr fontAlgn="base">
+              <a:lnSpc>
+                <a:spcPct val="125000"/>
+              </a:lnSpc>
+            </a:pPr>
+            <a:r>
+              <a:rPr lang="en-US" altLang="ko-KR" sz="1400" b="1" dirty="0">
+                <a:latin typeface="a옛날목욕탕L" panose="02020600000000000000" pitchFamily="18" charset="-127"/>
+                <a:ea typeface="a옛날목욕탕L" panose="02020600000000000000" pitchFamily="18" charset="-127"/>
+              </a:rPr>
+              <a:t>H. </a:t>
+            </a:r>
+            <a:r>
+              <a:rPr lang="en-US" altLang="ko-KR" sz="1400" b="1" dirty="0" err="1">
+                <a:latin typeface="a옛날목욕탕L" panose="02020600000000000000" pitchFamily="18" charset="-127"/>
+                <a:ea typeface="a옛날목욕탕L" panose="02020600000000000000" pitchFamily="18" charset="-127"/>
+              </a:rPr>
+              <a:t>smo</a:t>
+            </a:r>
+            <a:r>
+              <a:rPr lang="en-US" altLang="ko-KR" sz="1400" dirty="0">
+                <a:latin typeface="a옛날목욕탕L" panose="02020600000000000000" pitchFamily="18" charset="-127"/>
+                <a:ea typeface="a옛날목욕탕L" panose="02020600000000000000" pitchFamily="18" charset="-127"/>
+              </a:rPr>
+              <a:t> : </a:t>
+            </a:r>
+            <a:r>
+              <a:rPr lang="en-US" altLang="ko-KR" sz="1200" dirty="0">
+                <a:latin typeface="a옛날목욕탕L" panose="02020600000000000000" pitchFamily="18" charset="-127"/>
+                <a:ea typeface="a옛날목욕탕L" panose="02020600000000000000" pitchFamily="18" charset="-127"/>
+              </a:rPr>
+              <a:t>smoking 2013 daily cigarette, both sexed, aged-standardized rate / 2013</a:t>
+            </a:r>
+            <a:endParaRPr lang="ko-KR" altLang="en-US" sz="1200" dirty="0">
+              <a:latin typeface="a옛날목욕탕L" panose="02020600000000000000" pitchFamily="18" charset="-127"/>
+              <a:ea typeface="a옛날목욕탕L" panose="02020600000000000000" pitchFamily="18" charset="-127"/>
+            </a:endParaRPr>
+          </a:p>
+          <a:p>
+            <a:pPr fontAlgn="base">
+              <a:lnSpc>
+                <a:spcPct val="125000"/>
+              </a:lnSpc>
+            </a:pPr>
+            <a:r>
+              <a:rPr lang="en-US" altLang="ko-KR" sz="1400" b="1" dirty="0">
+                <a:latin typeface="a옛날목욕탕L" panose="02020600000000000000" pitchFamily="18" charset="-127"/>
+                <a:ea typeface="a옛날목욕탕L" panose="02020600000000000000" pitchFamily="18" charset="-127"/>
+              </a:rPr>
+              <a:t>I. </a:t>
+            </a:r>
+            <a:r>
+              <a:rPr lang="en-US" altLang="ko-KR" sz="1400" b="1" dirty="0" err="1">
+                <a:latin typeface="a옛날목욕탕L" panose="02020600000000000000" pitchFamily="18" charset="-127"/>
+                <a:ea typeface="a옛날목욕탕L" panose="02020600000000000000" pitchFamily="18" charset="-127"/>
+              </a:rPr>
+              <a:t>ob</a:t>
+            </a:r>
+            <a:r>
+              <a:rPr lang="en-US" altLang="ko-KR" sz="1400" dirty="0">
+                <a:latin typeface="a옛날목욕탕L" panose="02020600000000000000" pitchFamily="18" charset="-127"/>
+                <a:ea typeface="a옛날목욕탕L" panose="02020600000000000000" pitchFamily="18" charset="-127"/>
+              </a:rPr>
+              <a:t> : </a:t>
+            </a:r>
+            <a:r>
+              <a:rPr lang="en-US" altLang="ko-KR" sz="1200" dirty="0">
+                <a:latin typeface="a옛날목욕탕L" panose="02020600000000000000" pitchFamily="18" charset="-127"/>
+                <a:ea typeface="a옛날목욕탕L" panose="02020600000000000000" pitchFamily="18" charset="-127"/>
+              </a:rPr>
+              <a:t>prevalence of obesity, BMI &gt;= 25, 18+, age-standardized estimate / 2016</a:t>
+            </a:r>
+            <a:endParaRPr lang="ko-KR" altLang="en-US" sz="1200" dirty="0">
+              <a:latin typeface="a옛날목욕탕L" panose="02020600000000000000" pitchFamily="18" charset="-127"/>
+              <a:ea typeface="a옛날목욕탕L" panose="02020600000000000000" pitchFamily="18" charset="-127"/>
+            </a:endParaRPr>
+          </a:p>
+          <a:p>
+            <a:pPr fontAlgn="base">
+              <a:lnSpc>
+                <a:spcPct val="125000"/>
+              </a:lnSpc>
+            </a:pPr>
+            <a:r>
+              <a:rPr lang="en-US" altLang="ko-KR" sz="1400" b="1" dirty="0">
+                <a:latin typeface="a옛날목욕탕L" panose="02020600000000000000" pitchFamily="18" charset="-127"/>
+                <a:ea typeface="a옛날목욕탕L" panose="02020600000000000000" pitchFamily="18" charset="-127"/>
+              </a:rPr>
+              <a:t>J. al</a:t>
+            </a:r>
+            <a:r>
+              <a:rPr lang="en-US" altLang="ko-KR" sz="1400" dirty="0">
+                <a:latin typeface="a옛날목욕탕L" panose="02020600000000000000" pitchFamily="18" charset="-127"/>
+                <a:ea typeface="a옛날목욕탕L" panose="02020600000000000000" pitchFamily="18" charset="-127"/>
+              </a:rPr>
+              <a:t> : </a:t>
+            </a:r>
+            <a:r>
+              <a:rPr lang="en-US" altLang="ko-KR" sz="1200" dirty="0">
+                <a:latin typeface="a옛날목욕탕L" panose="02020600000000000000" pitchFamily="18" charset="-127"/>
+                <a:ea typeface="a옛날목욕탕L" panose="02020600000000000000" pitchFamily="18" charset="-127"/>
+              </a:rPr>
+              <a:t>Total alcohol consumption per capita </a:t>
+            </a:r>
+          </a:p>
+          <a:p>
+            <a:pPr fontAlgn="base">
+              <a:lnSpc>
+                <a:spcPct val="125000"/>
+              </a:lnSpc>
+            </a:pPr>
+            <a:r>
+              <a:rPr lang="en-US" altLang="ko-KR" sz="1200" dirty="0">
+                <a:latin typeface="a옛날목욕탕L" panose="02020600000000000000" pitchFamily="18" charset="-127"/>
+                <a:ea typeface="a옛날목욕탕L" panose="02020600000000000000" pitchFamily="18" charset="-127"/>
+              </a:rPr>
+              <a:t>	(liters of pure alcohol, projected estimates, 15+ years of age) / 2015</a:t>
+            </a:r>
+            <a:endParaRPr lang="ko-KR" altLang="en-US" sz="1200" dirty="0">
+              <a:latin typeface="a옛날목욕탕L" panose="02020600000000000000" pitchFamily="18" charset="-127"/>
+              <a:ea typeface="a옛날목욕탕L" panose="02020600000000000000" pitchFamily="18" charset="-127"/>
+            </a:endParaRPr>
+          </a:p>
+          <a:p>
+            <a:pPr fontAlgn="base">
+              <a:lnSpc>
+                <a:spcPct val="125000"/>
+              </a:lnSpc>
+            </a:pPr>
+            <a:r>
+              <a:rPr lang="en-US" altLang="ko-KR" sz="1400" b="1" dirty="0">
+                <a:latin typeface="a옛날목욕탕L" panose="02020600000000000000" pitchFamily="18" charset="-127"/>
+                <a:ea typeface="a옛날목욕탕L" panose="02020600000000000000" pitchFamily="18" charset="-127"/>
+              </a:rPr>
+              <a:t>K. co2</a:t>
+            </a:r>
+            <a:r>
+              <a:rPr lang="en-US" altLang="ko-KR" sz="1400" dirty="0">
+                <a:latin typeface="a옛날목욕탕L" panose="02020600000000000000" pitchFamily="18" charset="-127"/>
+                <a:ea typeface="a옛날목욕탕L" panose="02020600000000000000" pitchFamily="18" charset="-127"/>
+              </a:rPr>
+              <a:t> : </a:t>
+            </a:r>
+            <a:r>
+              <a:rPr lang="en-US" altLang="ko-KR" sz="1200" dirty="0">
+                <a:latin typeface="a옛날목욕탕L" panose="02020600000000000000" pitchFamily="18" charset="-127"/>
+                <a:ea typeface="a옛날목욕탕L" panose="02020600000000000000" pitchFamily="18" charset="-127"/>
+              </a:rPr>
+              <a:t>CO2 emissions (metric tons per capita) / 2014</a:t>
+            </a:r>
+            <a:endParaRPr lang="ko-KR" altLang="en-US" sz="1200" dirty="0">
+              <a:latin typeface="a옛날목욕탕L" panose="02020600000000000000" pitchFamily="18" charset="-127"/>
+              <a:ea typeface="a옛날목욕탕L" panose="02020600000000000000" pitchFamily="18" charset="-127"/>
+            </a:endParaRPr>
+          </a:p>
+          <a:p>
+            <a:pPr fontAlgn="base">
+              <a:lnSpc>
+                <a:spcPct val="125000"/>
+              </a:lnSpc>
+            </a:pPr>
+            <a:r>
+              <a:rPr lang="en-US" altLang="ko-KR" sz="1400" b="1" dirty="0">
+                <a:latin typeface="a옛날목욕탕L" panose="02020600000000000000" pitchFamily="18" charset="-127"/>
+                <a:ea typeface="a옛날목욕탕L" panose="02020600000000000000" pitchFamily="18" charset="-127"/>
+              </a:rPr>
+              <a:t>L. </a:t>
+            </a:r>
+            <a:r>
+              <a:rPr lang="en-US" altLang="ko-KR" sz="1400" b="1" dirty="0" err="1">
+                <a:latin typeface="a옛날목욕탕L" panose="02020600000000000000" pitchFamily="18" charset="-127"/>
+                <a:ea typeface="a옛날목욕탕L" panose="02020600000000000000" pitchFamily="18" charset="-127"/>
+              </a:rPr>
+              <a:t>hiv</a:t>
+            </a:r>
+            <a:r>
+              <a:rPr lang="en-US" altLang="ko-KR" sz="1400" dirty="0">
+                <a:latin typeface="a옛날목욕탕L" panose="02020600000000000000" pitchFamily="18" charset="-127"/>
+                <a:ea typeface="a옛날목욕탕L" panose="02020600000000000000" pitchFamily="18" charset="-127"/>
+              </a:rPr>
+              <a:t> : </a:t>
+            </a:r>
+            <a:r>
+              <a:rPr lang="en-US" altLang="ko-KR" sz="1200" dirty="0">
+                <a:latin typeface="a옛날목욕탕L" panose="02020600000000000000" pitchFamily="18" charset="-127"/>
+                <a:ea typeface="a옛날목욕탕L" panose="02020600000000000000" pitchFamily="18" charset="-127"/>
+              </a:rPr>
+              <a:t>Prevalence of HIV, total (% of population ages 15-49) / 2016</a:t>
+            </a:r>
+            <a:endParaRPr lang="ko-KR" altLang="en-US" sz="1600" dirty="0"/>
           </a:p>
         </p:txBody>
       </p:sp>
@@ -29620,113 +30086,48 @@
           </a:p>
         </p:txBody>
       </p:sp>
-      <p:grpSp>
-        <p:nvGrpSpPr>
-          <p:cNvPr id="21" name="그룹 20">
-            <a:extLst>
-              <a:ext uri="{FF2B5EF4-FFF2-40B4-BE49-F238E27FC236}">
-                <a16:creationId xmlns:a16="http://schemas.microsoft.com/office/drawing/2014/main" id="{A7F3B6F2-2199-44BE-8C98-0BB531A395B3}"/>
-              </a:ext>
-            </a:extLst>
-          </p:cNvPr>
-          <p:cNvGrpSpPr/>
-          <p:nvPr/>
-        </p:nvGrpSpPr>
-        <p:grpSpPr>
-          <a:xfrm>
-            <a:off x="294327" y="1263666"/>
-            <a:ext cx="8243248" cy="4496791"/>
-            <a:chOff x="360589" y="1257300"/>
-            <a:chExt cx="8023913" cy="4255633"/>
-          </a:xfrm>
-        </p:grpSpPr>
-        <p:pic>
-          <p:nvPicPr>
-            <p:cNvPr id="22" name="그림 21">
-              <a:extLst>
-                <a:ext uri="{FF2B5EF4-FFF2-40B4-BE49-F238E27FC236}">
-                  <a16:creationId xmlns:a16="http://schemas.microsoft.com/office/drawing/2014/main" id="{92663938-3826-4AB6-81CF-96F13AA3E719}"/>
-                </a:ext>
-              </a:extLst>
-            </p:cNvPr>
-            <p:cNvPicPr>
-              <a:picLocks noChangeAspect="1"/>
-            </p:cNvPicPr>
-            <p:nvPr/>
-          </p:nvPicPr>
-          <p:blipFill>
-            <a:blip r:embed="rId2">
-              <a:extLst>
-                <a:ext uri="{28A0092B-C50C-407E-A947-70E740481C1C}">
-                  <a14:useLocalDpi xmlns:a14="http://schemas.microsoft.com/office/drawing/2010/main" val="0"/>
-                </a:ext>
-              </a:extLst>
-            </a:blip>
-            <a:stretch>
-              <a:fillRect/>
-            </a:stretch>
-          </p:blipFill>
-          <p:spPr>
-            <a:xfrm>
-              <a:off x="360589" y="1257300"/>
-              <a:ext cx="8023913" cy="4255633"/>
-            </a:xfrm>
-            <a:prstGeom prst="rect">
-              <a:avLst/>
-            </a:prstGeom>
-          </p:spPr>
-        </p:pic>
-        <p:cxnSp>
-          <p:nvCxnSpPr>
-            <p:cNvPr id="23" name="직선 연결선 22">
-              <a:extLst>
-                <a:ext uri="{FF2B5EF4-FFF2-40B4-BE49-F238E27FC236}">
-                  <a16:creationId xmlns:a16="http://schemas.microsoft.com/office/drawing/2014/main" id="{E718BC28-7782-4C7A-A789-90FA5A5C5DD5}"/>
-                </a:ext>
-              </a:extLst>
-            </p:cNvPr>
-            <p:cNvCxnSpPr>
-              <a:cxnSpLocks/>
-            </p:cNvCxnSpPr>
-            <p:nvPr/>
-          </p:nvCxnSpPr>
-          <p:spPr>
-            <a:xfrm flipV="1">
-              <a:off x="5210615" y="1497496"/>
-              <a:ext cx="3045489" cy="3018486"/>
-            </a:xfrm>
-            <a:prstGeom prst="line">
-              <a:avLst/>
-            </a:prstGeom>
-            <a:ln>
-              <a:solidFill>
-                <a:srgbClr val="FF0000"/>
-              </a:solidFill>
-              <a:prstDash val="dash"/>
-            </a:ln>
-          </p:spPr>
-          <p:style>
-            <a:lnRef idx="1">
-              <a:schemeClr val="accent1"/>
-            </a:lnRef>
-            <a:fillRef idx="0">
-              <a:schemeClr val="accent1"/>
-            </a:fillRef>
-            <a:effectRef idx="0">
-              <a:schemeClr val="accent1"/>
-            </a:effectRef>
-            <a:fontRef idx="minor">
-              <a:schemeClr val="tx1"/>
-            </a:fontRef>
-          </p:style>
-        </p:cxnSp>
-      </p:grpSp>
       <p:pic>
         <p:nvPicPr>
           <p:cNvPr id="13" name="그림 12">
             <a:extLst>
               <a:ext uri="{FF2B5EF4-FFF2-40B4-BE49-F238E27FC236}">
                 <a16:creationId xmlns:a16="http://schemas.microsoft.com/office/drawing/2014/main" id="{F9252C4C-D37A-42A4-875F-D779031AC925}"/>
+              </a:ext>
+            </a:extLst>
+          </p:cNvPr>
+          <p:cNvPicPr>
+            <a:picLocks noChangeAspect="1"/>
+          </p:cNvPicPr>
+          <p:nvPr/>
+        </p:nvPicPr>
+        <p:blipFill>
+          <a:blip r:embed="rId2">
+            <a:extLst>
+              <a:ext uri="{28A0092B-C50C-407E-A947-70E740481C1C}">
+                <a14:useLocalDpi xmlns:a14="http://schemas.microsoft.com/office/drawing/2010/main" val="0"/>
+              </a:ext>
+            </a:extLst>
+          </a:blip>
+          <a:stretch>
+            <a:fillRect/>
+          </a:stretch>
+        </p:blipFill>
+        <p:spPr>
+          <a:xfrm>
+            <a:off x="4374806" y="1254678"/>
+            <a:ext cx="4162768" cy="4490824"/>
+          </a:xfrm>
+          <a:prstGeom prst="rect">
+            <a:avLst/>
+          </a:prstGeom>
+        </p:spPr>
+      </p:pic>
+      <p:pic>
+        <p:nvPicPr>
+          <p:cNvPr id="19" name="그림 18">
+            <a:extLst>
+              <a:ext uri="{FF2B5EF4-FFF2-40B4-BE49-F238E27FC236}">
+                <a16:creationId xmlns:a16="http://schemas.microsoft.com/office/drawing/2014/main" id="{8780BB83-9B8D-483F-A5D3-8B950688152B}"/>
               </a:ext>
             </a:extLst>
           </p:cNvPr>
@@ -29749,42 +30150,6 @@
         </p:blipFill>
         <p:spPr>
           <a:xfrm>
-            <a:off x="4374807" y="1254678"/>
-            <a:ext cx="4162768" cy="4490824"/>
-          </a:xfrm>
-          <a:prstGeom prst="rect">
-            <a:avLst/>
-          </a:prstGeom>
-        </p:spPr>
-      </p:pic>
-      <p:pic>
-        <p:nvPicPr>
-          <p:cNvPr id="19" name="그림 18">
-            <a:extLst>
-              <a:ext uri="{FF2B5EF4-FFF2-40B4-BE49-F238E27FC236}">
-                <a16:creationId xmlns:a16="http://schemas.microsoft.com/office/drawing/2014/main" id="{8780BB83-9B8D-483F-A5D3-8B950688152B}"/>
-              </a:ext>
-            </a:extLst>
-          </p:cNvPr>
-          <p:cNvPicPr>
-            <a:picLocks noChangeAspect="1"/>
-          </p:cNvPicPr>
-          <p:nvPr/>
-        </p:nvPicPr>
-        <p:blipFill>
-          <a:blip r:embed="rId4">
-            <a:extLst>
-              <a:ext uri="{28A0092B-C50C-407E-A947-70E740481C1C}">
-                <a14:useLocalDpi xmlns:a14="http://schemas.microsoft.com/office/drawing/2010/main" val="0"/>
-              </a:ext>
-            </a:extLst>
-          </a:blip>
-          <a:stretch>
-            <a:fillRect/>
-          </a:stretch>
-        </p:blipFill>
-        <p:spPr>
-          <a:xfrm>
             <a:off x="285781" y="1254678"/>
             <a:ext cx="4089025" cy="4490824"/>
           </a:xfrm>
@@ -29846,135 +30211,6 @@
   <p:clrMapOvr>
     <a:masterClrMapping/>
   </p:clrMapOvr>
-  <p:timing>
-    <p:tnLst>
-      <p:par>
-        <p:cTn id="1" dur="indefinite" restart="never" nodeType="tmRoot">
-          <p:childTnLst>
-            <p:seq concurrent="1" nextAc="seek">
-              <p:cTn id="2" dur="indefinite" nodeType="mainSeq">
-                <p:childTnLst>
-                  <p:par>
-                    <p:cTn id="3" fill="hold">
-                      <p:stCondLst>
-                        <p:cond delay="indefinite"/>
-                      </p:stCondLst>
-                      <p:childTnLst>
-                        <p:par>
-                          <p:cTn id="4" fill="hold">
-                            <p:stCondLst>
-                              <p:cond delay="0"/>
-                            </p:stCondLst>
-                            <p:childTnLst>
-                              <p:par>
-                                <p:cTn id="5" presetID="1" presetClass="exit" presetSubtype="0" fill="hold" nodeType="clickEffect">
-                                  <p:stCondLst>
-                                    <p:cond delay="0"/>
-                                  </p:stCondLst>
-                                  <p:childTnLst>
-                                    <p:set>
-                                      <p:cBhvr>
-                                        <p:cTn id="6" dur="1" fill="hold">
-                                          <p:stCondLst>
-                                            <p:cond delay="0"/>
-                                          </p:stCondLst>
-                                        </p:cTn>
-                                        <p:tgtEl>
-                                          <p:spTgt spid="13"/>
-                                        </p:tgtEl>
-                                        <p:attrNameLst>
-                                          <p:attrName>style.visibility</p:attrName>
-                                        </p:attrNameLst>
-                                      </p:cBhvr>
-                                      <p:to>
-                                        <p:strVal val="hidden"/>
-                                      </p:to>
-                                    </p:set>
-                                  </p:childTnLst>
-                                </p:cTn>
-                              </p:par>
-                              <p:par>
-                                <p:cTn id="7" presetID="1" presetClass="exit" presetSubtype="0" fill="hold" nodeType="withEffect">
-                                  <p:stCondLst>
-                                    <p:cond delay="0"/>
-                                  </p:stCondLst>
-                                  <p:childTnLst>
-                                    <p:set>
-                                      <p:cBhvr>
-                                        <p:cTn id="8" dur="1" fill="hold">
-                                          <p:stCondLst>
-                                            <p:cond delay="0"/>
-                                          </p:stCondLst>
-                                        </p:cTn>
-                                        <p:tgtEl>
-                                          <p:spTgt spid="19"/>
-                                        </p:tgtEl>
-                                        <p:attrNameLst>
-                                          <p:attrName>style.visibility</p:attrName>
-                                        </p:attrNameLst>
-                                      </p:cBhvr>
-                                      <p:to>
-                                        <p:strVal val="hidden"/>
-                                      </p:to>
-                                    </p:set>
-                                  </p:childTnLst>
-                                </p:cTn>
-                              </p:par>
-                              <p:par>
-                                <p:cTn id="9" presetID="1" presetClass="entr" presetSubtype="0" fill="hold" nodeType="withEffect">
-                                  <p:stCondLst>
-                                    <p:cond delay="0"/>
-                                  </p:stCondLst>
-                                  <p:childTnLst>
-                                    <p:set>
-                                      <p:cBhvr>
-                                        <p:cTn id="10" dur="1" fill="hold">
-                                          <p:stCondLst>
-                                            <p:cond delay="0"/>
-                                          </p:stCondLst>
-                                        </p:cTn>
-                                        <p:tgtEl>
-                                          <p:spTgt spid="21"/>
-                                        </p:tgtEl>
-                                        <p:attrNameLst>
-                                          <p:attrName>style.visibility</p:attrName>
-                                        </p:attrNameLst>
-                                      </p:cBhvr>
-                                      <p:to>
-                                        <p:strVal val="visible"/>
-                                      </p:to>
-                                    </p:set>
-                                  </p:childTnLst>
-                                </p:cTn>
-                              </p:par>
-                            </p:childTnLst>
-                          </p:cTn>
-                        </p:par>
-                      </p:childTnLst>
-                    </p:cTn>
-                  </p:par>
-                </p:childTnLst>
-              </p:cTn>
-              <p:prevCondLst>
-                <p:cond evt="onPrev" delay="0">
-                  <p:tgtEl>
-                    <p:sldTgt/>
-                  </p:tgtEl>
-                </p:cond>
-              </p:prevCondLst>
-              <p:nextCondLst>
-                <p:cond evt="onNext" delay="0">
-                  <p:tgtEl>
-                    <p:sldTgt/>
-                  </p:tgtEl>
-                </p:cond>
-              </p:nextCondLst>
-            </p:seq>
-          </p:childTnLst>
-        </p:cTn>
-      </p:par>
-    </p:tnLst>
-  </p:timing>
 </p:sld>
 </file>
 

--- a/회귀분석.pptx
+++ b/회귀분석.pptx
@@ -17,9 +17,9 @@
     <p:sldId id="264" r:id="rId8"/>
     <p:sldId id="267" r:id="rId9"/>
     <p:sldId id="275" r:id="rId10"/>
-    <p:sldId id="268" r:id="rId11"/>
-    <p:sldId id="276" r:id="rId12"/>
-    <p:sldId id="277" r:id="rId13"/>
+    <p:sldId id="276" r:id="rId11"/>
+    <p:sldId id="277" r:id="rId12"/>
+    <p:sldId id="268" r:id="rId13"/>
     <p:sldId id="269" r:id="rId14"/>
     <p:sldId id="279" r:id="rId15"/>
     <p:sldId id="278" r:id="rId16"/>
@@ -4083,744 +4083,6 @@
         <p:spPr>
           <a:xfrm>
             <a:off x="-1" y="89172"/>
-            <a:ext cx="6776358" cy="523220"/>
-          </a:xfrm>
-          <a:prstGeom prst="rect">
-            <a:avLst/>
-          </a:prstGeom>
-          <a:noFill/>
-        </p:spPr>
-        <p:txBody>
-          <a:bodyPr wrap="square" rtlCol="0">
-            <a:spAutoFit/>
-          </a:bodyPr>
-          <a:lstStyle/>
-          <a:p>
-            <a:r>
-              <a:rPr lang="en-US" altLang="ko-KR" sz="2800" dirty="0">
-                <a:solidFill>
-                  <a:srgbClr val="901910"/>
-                </a:solidFill>
-                <a:latin typeface="a옛날목욕탕B" panose="02020600000000000000" pitchFamily="18" charset="-127"/>
-                <a:ea typeface="a옛날목욕탕B" panose="02020600000000000000" pitchFamily="18" charset="-127"/>
-              </a:rPr>
-              <a:t>02</a:t>
-            </a:r>
-            <a:r>
-              <a:rPr lang="en-US" altLang="ko-KR" sz="2800" dirty="0">
-                <a:solidFill>
-                  <a:srgbClr val="2D2E2D"/>
-                </a:solidFill>
-                <a:latin typeface="a옛날목욕탕B" panose="02020600000000000000" pitchFamily="18" charset="-127"/>
-                <a:ea typeface="a옛날목욕탕B" panose="02020600000000000000" pitchFamily="18" charset="-127"/>
-              </a:rPr>
-              <a:t> </a:t>
-            </a:r>
-            <a:r>
-              <a:rPr lang="ko-KR" altLang="en-US" sz="2800" dirty="0">
-                <a:solidFill>
-                  <a:srgbClr val="2D2E2D"/>
-                </a:solidFill>
-                <a:latin typeface="a옛날목욕탕B" panose="02020600000000000000" pitchFamily="18" charset="-127"/>
-                <a:ea typeface="a옛날목욕탕B" panose="02020600000000000000" pitchFamily="18" charset="-127"/>
-              </a:rPr>
-              <a:t>데이터 분석</a:t>
-            </a:r>
-            <a:r>
-              <a:rPr lang="en-US" altLang="ko-KR" sz="2800" dirty="0">
-                <a:solidFill>
-                  <a:srgbClr val="2D2E2D"/>
-                </a:solidFill>
-                <a:latin typeface="a옛날목욕탕B" panose="02020600000000000000" pitchFamily="18" charset="-127"/>
-                <a:ea typeface="a옛날목욕탕B" panose="02020600000000000000" pitchFamily="18" charset="-127"/>
-              </a:rPr>
-              <a:t>_</a:t>
-            </a:r>
-            <a:r>
-              <a:rPr lang="en-US" altLang="ko-KR" sz="2000" dirty="0">
-                <a:solidFill>
-                  <a:srgbClr val="2D2E2D"/>
-                </a:solidFill>
-                <a:latin typeface="a옛날목욕탕B" panose="02020600000000000000" pitchFamily="18" charset="-127"/>
-                <a:ea typeface="a옛날목욕탕B" panose="02020600000000000000" pitchFamily="18" charset="-127"/>
-              </a:rPr>
-              <a:t>Influential observation </a:t>
-            </a:r>
-            <a:r>
-              <a:rPr lang="ko-KR" altLang="en-US" sz="2000" dirty="0">
-                <a:solidFill>
-                  <a:srgbClr val="2D2E2D"/>
-                </a:solidFill>
-                <a:latin typeface="a옛날목욕탕B" panose="02020600000000000000" pitchFamily="18" charset="-127"/>
-                <a:ea typeface="a옛날목욕탕B" panose="02020600000000000000" pitchFamily="18" charset="-127"/>
-              </a:rPr>
-              <a:t>제거</a:t>
-            </a:r>
-            <a:endParaRPr lang="en-US" altLang="ko-KR" sz="2000" dirty="0">
-              <a:solidFill>
-                <a:srgbClr val="2D2E2D"/>
-              </a:solidFill>
-              <a:latin typeface="a옛날목욕탕B" panose="02020600000000000000" pitchFamily="18" charset="-127"/>
-              <a:ea typeface="a옛날목욕탕B" panose="02020600000000000000" pitchFamily="18" charset="-127"/>
-            </a:endParaRPr>
-          </a:p>
-        </p:txBody>
-      </p:sp>
-      <p:sp>
-        <p:nvSpPr>
-          <p:cNvPr id="17" name="직사각형 16">
-            <a:extLst>
-              <a:ext uri="{FF2B5EF4-FFF2-40B4-BE49-F238E27FC236}">
-                <a16:creationId xmlns:a16="http://schemas.microsoft.com/office/drawing/2014/main" id="{DD6206AC-F6B2-48CA-9D07-1586EC5E4729}"/>
-              </a:ext>
-            </a:extLst>
-          </p:cNvPr>
-          <p:cNvSpPr/>
-          <p:nvPr/>
-        </p:nvSpPr>
-        <p:spPr>
-          <a:xfrm rot="5400000">
-            <a:off x="5775508" y="3120940"/>
-            <a:ext cx="6329139" cy="407843"/>
-          </a:xfrm>
-          <a:prstGeom prst="rect">
-            <a:avLst/>
-          </a:prstGeom>
-          <a:solidFill>
-            <a:srgbClr val="901910"/>
-          </a:solidFill>
-          <a:ln>
-            <a:noFill/>
-          </a:ln>
-        </p:spPr>
-        <p:style>
-          <a:lnRef idx="2">
-            <a:schemeClr val="accent1">
-              <a:shade val="50000"/>
-            </a:schemeClr>
-          </a:lnRef>
-          <a:fillRef idx="1">
-            <a:schemeClr val="accent1"/>
-          </a:fillRef>
-          <a:effectRef idx="0">
-            <a:schemeClr val="accent1"/>
-          </a:effectRef>
-          <a:fontRef idx="minor">
-            <a:schemeClr val="lt1"/>
-          </a:fontRef>
-        </p:style>
-        <p:txBody>
-          <a:bodyPr rtlCol="0" anchor="ctr"/>
-          <a:lstStyle/>
-          <a:p>
-            <a:pPr algn="ctr"/>
-            <a:endParaRPr lang="ko-KR" altLang="en-US" dirty="0"/>
-          </a:p>
-        </p:txBody>
-      </p:sp>
-      <p:sp>
-        <p:nvSpPr>
-          <p:cNvPr id="59" name="TextBox 58">
-            <a:extLst>
-              <a:ext uri="{FF2B5EF4-FFF2-40B4-BE49-F238E27FC236}">
-                <a16:creationId xmlns:a16="http://schemas.microsoft.com/office/drawing/2014/main" id="{79AEF6C8-0252-4D6C-BAC7-775957E1CDB2}"/>
-              </a:ext>
-            </a:extLst>
-          </p:cNvPr>
-          <p:cNvSpPr txBox="1"/>
-          <p:nvPr/>
-        </p:nvSpPr>
-        <p:spPr>
-          <a:xfrm>
-            <a:off x="6997148" y="6540500"/>
-            <a:ext cx="1815552" cy="317499"/>
-          </a:xfrm>
-          <a:prstGeom prst="rect">
-            <a:avLst/>
-          </a:prstGeom>
-          <a:noFill/>
-        </p:spPr>
-        <p:txBody>
-          <a:bodyPr wrap="square" rtlCol="0">
-            <a:spAutoFit/>
-          </a:bodyPr>
-          <a:lstStyle/>
-          <a:p>
-            <a:pPr algn="r"/>
-            <a:r>
-              <a:rPr lang="en-US" altLang="ko-KR" sz="1400" dirty="0">
-                <a:solidFill>
-                  <a:schemeClr val="bg2">
-                    <a:lumMod val="50000"/>
-                  </a:schemeClr>
-                </a:solidFill>
-                <a:latin typeface="a옛날목욕탕B" panose="02020600000000000000" pitchFamily="18" charset="-127"/>
-                <a:ea typeface="a옛날목욕탕B" panose="02020600000000000000" pitchFamily="18" charset="-127"/>
-              </a:rPr>
-              <a:t>Life Expectancy</a:t>
-            </a:r>
-            <a:endParaRPr lang="ko-KR" altLang="en-US" sz="1400" dirty="0">
-              <a:solidFill>
-                <a:schemeClr val="bg2">
-                  <a:lumMod val="50000"/>
-                </a:schemeClr>
-              </a:solidFill>
-              <a:latin typeface="a옛날목욕탕B" panose="02020600000000000000" pitchFamily="18" charset="-127"/>
-              <a:ea typeface="a옛날목욕탕B" panose="02020600000000000000" pitchFamily="18" charset="-127"/>
-            </a:endParaRPr>
-          </a:p>
-        </p:txBody>
-      </p:sp>
-      <p:sp>
-        <p:nvSpPr>
-          <p:cNvPr id="19" name="TextBox 18">
-            <a:extLst>
-              <a:ext uri="{FF2B5EF4-FFF2-40B4-BE49-F238E27FC236}">
-                <a16:creationId xmlns:a16="http://schemas.microsoft.com/office/drawing/2014/main" id="{6418A3C2-132E-4D20-BAFB-2CF8DDDD29F8}"/>
-              </a:ext>
-            </a:extLst>
-          </p:cNvPr>
-          <p:cNvSpPr txBox="1"/>
-          <p:nvPr/>
-        </p:nvSpPr>
-        <p:spPr>
-          <a:xfrm>
-            <a:off x="8726283" y="337314"/>
-            <a:ext cx="479834" cy="5940088"/>
-          </a:xfrm>
-          <a:prstGeom prst="rect">
-            <a:avLst/>
-          </a:prstGeom>
-          <a:noFill/>
-        </p:spPr>
-        <p:txBody>
-          <a:bodyPr wrap="square" rtlCol="0">
-            <a:spAutoFit/>
-          </a:bodyPr>
-          <a:lstStyle/>
-          <a:p>
-            <a:r>
-              <a:rPr lang="en-US" altLang="ko-KR" sz="1900" b="1" dirty="0">
-                <a:solidFill>
-                  <a:srgbClr val="460000"/>
-                </a:solidFill>
-                <a:latin typeface="HY나무L" panose="02030600000101010101" pitchFamily="18" charset="-127"/>
-                <a:ea typeface="HY나무L" panose="02030600000101010101" pitchFamily="18" charset="-127"/>
-              </a:rPr>
-              <a:t>01 </a:t>
-            </a:r>
-            <a:r>
-              <a:rPr lang="ko-KR" altLang="en-US" sz="1900" b="1" dirty="0" err="1">
-                <a:solidFill>
-                  <a:srgbClr val="460000"/>
-                </a:solidFill>
-                <a:latin typeface="HY나무L" panose="02030600000101010101" pitchFamily="18" charset="-127"/>
-                <a:ea typeface="HY나무L" panose="02030600000101010101" pitchFamily="18" charset="-127"/>
-              </a:rPr>
-              <a:t>전처리</a:t>
-            </a:r>
-            <a:endParaRPr lang="en-US" altLang="ko-KR" sz="1900" b="1" dirty="0">
-              <a:solidFill>
-                <a:srgbClr val="460000"/>
-              </a:solidFill>
-              <a:latin typeface="HY나무L" panose="02030600000101010101" pitchFamily="18" charset="-127"/>
-              <a:ea typeface="HY나무L" panose="02030600000101010101" pitchFamily="18" charset="-127"/>
-            </a:endParaRPr>
-          </a:p>
-          <a:p>
-            <a:endParaRPr lang="en-US" altLang="ko-KR" sz="1900" b="1" dirty="0">
-              <a:solidFill>
-                <a:schemeClr val="bg1"/>
-              </a:solidFill>
-              <a:latin typeface="HY나무L" panose="02030600000101010101" pitchFamily="18" charset="-127"/>
-              <a:ea typeface="HY나무L" panose="02030600000101010101" pitchFamily="18" charset="-127"/>
-            </a:endParaRPr>
-          </a:p>
-          <a:p>
-            <a:endParaRPr lang="en-US" altLang="ko-KR" sz="1900" b="1" dirty="0">
-              <a:solidFill>
-                <a:schemeClr val="bg1"/>
-              </a:solidFill>
-              <a:latin typeface="HY나무L" panose="02030600000101010101" pitchFamily="18" charset="-127"/>
-              <a:ea typeface="HY나무L" panose="02030600000101010101" pitchFamily="18" charset="-127"/>
-            </a:endParaRPr>
-          </a:p>
-          <a:p>
-            <a:r>
-              <a:rPr lang="en-US" altLang="ko-KR" sz="1900" b="1" dirty="0">
-                <a:solidFill>
-                  <a:schemeClr val="bg1"/>
-                </a:solidFill>
-                <a:latin typeface="HY나무L" panose="02030600000101010101" pitchFamily="18" charset="-127"/>
-                <a:ea typeface="HY나무L" panose="02030600000101010101" pitchFamily="18" charset="-127"/>
-              </a:rPr>
-              <a:t> 02 </a:t>
-            </a:r>
-            <a:r>
-              <a:rPr lang="ko-KR" altLang="en-US" sz="1900" b="1" dirty="0">
-                <a:solidFill>
-                  <a:schemeClr val="bg1"/>
-                </a:solidFill>
-                <a:latin typeface="HY나무L" panose="02030600000101010101" pitchFamily="18" charset="-127"/>
-                <a:ea typeface="HY나무L" panose="02030600000101010101" pitchFamily="18" charset="-127"/>
-              </a:rPr>
-              <a:t>데이터분석</a:t>
-            </a:r>
-            <a:endParaRPr lang="en-US" altLang="ko-KR" sz="1900" b="1" dirty="0">
-              <a:solidFill>
-                <a:schemeClr val="bg1"/>
-              </a:solidFill>
-              <a:latin typeface="HY나무L" panose="02030600000101010101" pitchFamily="18" charset="-127"/>
-              <a:ea typeface="HY나무L" panose="02030600000101010101" pitchFamily="18" charset="-127"/>
-            </a:endParaRPr>
-          </a:p>
-          <a:p>
-            <a:endParaRPr lang="en-US" altLang="ko-KR" sz="1900" b="1" dirty="0">
-              <a:solidFill>
-                <a:schemeClr val="bg1">
-                  <a:lumMod val="50000"/>
-                </a:schemeClr>
-              </a:solidFill>
-              <a:latin typeface="HY나무L" panose="02030600000101010101" pitchFamily="18" charset="-127"/>
-              <a:ea typeface="HY나무L" panose="02030600000101010101" pitchFamily="18" charset="-127"/>
-            </a:endParaRPr>
-          </a:p>
-          <a:p>
-            <a:endParaRPr lang="en-US" altLang="ko-KR" sz="1900" b="1" dirty="0">
-              <a:solidFill>
-                <a:schemeClr val="bg1">
-                  <a:lumMod val="50000"/>
-                </a:schemeClr>
-              </a:solidFill>
-              <a:latin typeface="HY나무L" panose="02030600000101010101" pitchFamily="18" charset="-127"/>
-              <a:ea typeface="HY나무L" panose="02030600000101010101" pitchFamily="18" charset="-127"/>
-            </a:endParaRPr>
-          </a:p>
-          <a:p>
-            <a:r>
-              <a:rPr lang="en-US" altLang="ko-KR" sz="1900" b="1" dirty="0">
-                <a:solidFill>
-                  <a:schemeClr val="bg1">
-                    <a:lumMod val="50000"/>
-                  </a:schemeClr>
-                </a:solidFill>
-                <a:latin typeface="HY나무L" panose="02030600000101010101" pitchFamily="18" charset="-127"/>
-                <a:ea typeface="HY나무L" panose="02030600000101010101" pitchFamily="18" charset="-127"/>
-              </a:rPr>
-              <a:t>  </a:t>
-            </a:r>
-            <a:r>
-              <a:rPr lang="en-US" altLang="ko-KR" sz="1900" b="1" dirty="0">
-                <a:solidFill>
-                  <a:srgbClr val="460000"/>
-                </a:solidFill>
-                <a:latin typeface="HY나무L" panose="02030600000101010101" pitchFamily="18" charset="-127"/>
-                <a:ea typeface="HY나무L" panose="02030600000101010101" pitchFamily="18" charset="-127"/>
-              </a:rPr>
-              <a:t>03</a:t>
-            </a:r>
-            <a:r>
-              <a:rPr lang="ko-KR" altLang="en-US" sz="1900" b="1" dirty="0">
-                <a:solidFill>
-                  <a:srgbClr val="460000"/>
-                </a:solidFill>
-                <a:latin typeface="HY나무L" panose="02030600000101010101" pitchFamily="18" charset="-127"/>
-                <a:ea typeface="HY나무L" panose="02030600000101010101" pitchFamily="18" charset="-127"/>
-              </a:rPr>
-              <a:t>한계점</a:t>
-            </a:r>
-          </a:p>
-        </p:txBody>
-      </p:sp>
-      <p:grpSp>
-        <p:nvGrpSpPr>
-          <p:cNvPr id="6" name="그룹 5">
-            <a:extLst>
-              <a:ext uri="{FF2B5EF4-FFF2-40B4-BE49-F238E27FC236}">
-                <a16:creationId xmlns:a16="http://schemas.microsoft.com/office/drawing/2014/main" id="{17EE6A8A-E946-4E89-BD08-199040035D19}"/>
-              </a:ext>
-            </a:extLst>
-          </p:cNvPr>
-          <p:cNvGrpSpPr/>
-          <p:nvPr/>
-        </p:nvGrpSpPr>
-        <p:grpSpPr>
-          <a:xfrm>
-            <a:off x="360589" y="1257300"/>
-            <a:ext cx="8023913" cy="4255633"/>
-            <a:chOff x="360589" y="1257300"/>
-            <a:chExt cx="8023913" cy="4255633"/>
-          </a:xfrm>
-        </p:grpSpPr>
-        <p:pic>
-          <p:nvPicPr>
-            <p:cNvPr id="4" name="그림 3">
-              <a:extLst>
-                <a:ext uri="{FF2B5EF4-FFF2-40B4-BE49-F238E27FC236}">
-                  <a16:creationId xmlns:a16="http://schemas.microsoft.com/office/drawing/2014/main" id="{5F1EBB79-4271-4D27-979D-0999F7983C9F}"/>
-                </a:ext>
-              </a:extLst>
-            </p:cNvPr>
-            <p:cNvPicPr>
-              <a:picLocks noChangeAspect="1"/>
-            </p:cNvPicPr>
-            <p:nvPr/>
-          </p:nvPicPr>
-          <p:blipFill>
-            <a:blip r:embed="rId2">
-              <a:extLst>
-                <a:ext uri="{28A0092B-C50C-407E-A947-70E740481C1C}">
-                  <a14:useLocalDpi xmlns:a14="http://schemas.microsoft.com/office/drawing/2010/main" val="0"/>
-                </a:ext>
-              </a:extLst>
-            </a:blip>
-            <a:stretch>
-              <a:fillRect/>
-            </a:stretch>
-          </p:blipFill>
-          <p:spPr>
-            <a:xfrm>
-              <a:off x="360589" y="1257300"/>
-              <a:ext cx="8023913" cy="4255633"/>
-            </a:xfrm>
-            <a:prstGeom prst="rect">
-              <a:avLst/>
-            </a:prstGeom>
-          </p:spPr>
-        </p:pic>
-        <p:cxnSp>
-          <p:nvCxnSpPr>
-            <p:cNvPr id="20" name="직선 연결선 19">
-              <a:extLst>
-                <a:ext uri="{FF2B5EF4-FFF2-40B4-BE49-F238E27FC236}">
-                  <a16:creationId xmlns:a16="http://schemas.microsoft.com/office/drawing/2014/main" id="{F4C3CD36-57B0-4A81-9FAD-0783C70422F6}"/>
-                </a:ext>
-              </a:extLst>
-            </p:cNvPr>
-            <p:cNvCxnSpPr>
-              <a:cxnSpLocks/>
-            </p:cNvCxnSpPr>
-            <p:nvPr/>
-          </p:nvCxnSpPr>
-          <p:spPr>
-            <a:xfrm flipV="1">
-              <a:off x="5210615" y="1497496"/>
-              <a:ext cx="3045489" cy="3018486"/>
-            </a:xfrm>
-            <a:prstGeom prst="line">
-              <a:avLst/>
-            </a:prstGeom>
-            <a:ln>
-              <a:solidFill>
-                <a:srgbClr val="FF0000"/>
-              </a:solidFill>
-              <a:prstDash val="dash"/>
-            </a:ln>
-          </p:spPr>
-          <p:style>
-            <a:lnRef idx="1">
-              <a:schemeClr val="accent1"/>
-            </a:lnRef>
-            <a:fillRef idx="0">
-              <a:schemeClr val="accent1"/>
-            </a:fillRef>
-            <a:effectRef idx="0">
-              <a:schemeClr val="accent1"/>
-            </a:effectRef>
-            <a:fontRef idx="minor">
-              <a:schemeClr val="tx1"/>
-            </a:fontRef>
-          </p:style>
-        </p:cxnSp>
-      </p:grpSp>
-      <p:sp>
-        <p:nvSpPr>
-          <p:cNvPr id="16" name="TextBox 15">
-            <a:extLst>
-              <a:ext uri="{FF2B5EF4-FFF2-40B4-BE49-F238E27FC236}">
-                <a16:creationId xmlns:a16="http://schemas.microsoft.com/office/drawing/2014/main" id="{1C606CD0-2033-4D45-AE6F-BAA7D2C0D9E7}"/>
-              </a:ext>
-            </a:extLst>
-          </p:cNvPr>
-          <p:cNvSpPr txBox="1"/>
-          <p:nvPr/>
-        </p:nvSpPr>
-        <p:spPr>
-          <a:xfrm>
-            <a:off x="0" y="6563360"/>
-            <a:ext cx="9144000" cy="276999"/>
-          </a:xfrm>
-          <a:prstGeom prst="rect">
-            <a:avLst/>
-          </a:prstGeom>
-          <a:noFill/>
-        </p:spPr>
-        <p:txBody>
-          <a:bodyPr wrap="square" rtlCol="0">
-            <a:spAutoFit/>
-          </a:bodyPr>
-          <a:lstStyle/>
-          <a:p>
-            <a:pPr algn="ctr"/>
-            <a:r>
-              <a:rPr lang="en-US" altLang="ko-KR" sz="1200" dirty="0">
-                <a:latin typeface="a옛날목욕탕B" panose="02020600000000000000" pitchFamily="18" charset="-127"/>
-                <a:ea typeface="a옛날목욕탕B" panose="02020600000000000000" pitchFamily="18" charset="-127"/>
-              </a:rPr>
-              <a:t>10 / 20</a:t>
-            </a:r>
-            <a:endParaRPr lang="ko-KR" altLang="en-US" sz="1200" dirty="0">
-              <a:latin typeface="a옛날목욕탕B" panose="02020600000000000000" pitchFamily="18" charset="-127"/>
-              <a:ea typeface="a옛날목욕탕B" panose="02020600000000000000" pitchFamily="18" charset="-127"/>
-            </a:endParaRPr>
-          </a:p>
-        </p:txBody>
-      </p:sp>
-    </p:spTree>
-    <p:extLst>
-      <p:ext uri="{BB962C8B-B14F-4D97-AF65-F5344CB8AC3E}">
-        <p14:creationId xmlns:p14="http://schemas.microsoft.com/office/powerpoint/2010/main" val="141868868"/>
-      </p:ext>
-    </p:extLst>
-  </p:cSld>
-  <p:clrMapOvr>
-    <a:masterClrMapping/>
-  </p:clrMapOvr>
-</p:sld>
-</file>
-
-<file path=ppt/slides/slide11.xml><?xml version="1.0" encoding="utf-8"?>
-<p:sld xmlns:a="http://schemas.openxmlformats.org/drawingml/2006/main" xmlns:r="http://schemas.openxmlformats.org/officeDocument/2006/relationships" xmlns:p="http://schemas.openxmlformats.org/presentationml/2006/main">
-  <p:cSld>
-    <p:spTree>
-      <p:nvGrpSpPr>
-        <p:cNvPr id="1" name=""/>
-        <p:cNvGrpSpPr/>
-        <p:nvPr/>
-      </p:nvGrpSpPr>
-      <p:grpSpPr>
-        <a:xfrm>
-          <a:off x="0" y="0"/>
-          <a:ext cx="0" cy="0"/>
-          <a:chOff x="0" y="0"/>
-          <a:chExt cx="0" cy="0"/>
-        </a:xfrm>
-      </p:grpSpPr>
-      <p:sp>
-        <p:nvSpPr>
-          <p:cNvPr id="14" name="직사각형 13">
-            <a:extLst>
-              <a:ext uri="{FF2B5EF4-FFF2-40B4-BE49-F238E27FC236}">
-                <a16:creationId xmlns:a16="http://schemas.microsoft.com/office/drawing/2014/main" id="{8F9AEEE3-55FA-4A18-87B3-23A7D4152356}"/>
-              </a:ext>
-            </a:extLst>
-          </p:cNvPr>
-          <p:cNvSpPr/>
-          <p:nvPr/>
-        </p:nvSpPr>
-        <p:spPr>
-          <a:xfrm>
-            <a:off x="0" y="89172"/>
-            <a:ext cx="9144000" cy="6768828"/>
-          </a:xfrm>
-          <a:prstGeom prst="rect">
-            <a:avLst/>
-          </a:prstGeom>
-          <a:solidFill>
-            <a:srgbClr val="F1F1F1"/>
-          </a:solidFill>
-          <a:ln>
-            <a:noFill/>
-          </a:ln>
-        </p:spPr>
-        <p:style>
-          <a:lnRef idx="2">
-            <a:schemeClr val="accent1">
-              <a:shade val="50000"/>
-            </a:schemeClr>
-          </a:lnRef>
-          <a:fillRef idx="1">
-            <a:schemeClr val="accent1"/>
-          </a:fillRef>
-          <a:effectRef idx="0">
-            <a:schemeClr val="accent1"/>
-          </a:effectRef>
-          <a:fontRef idx="minor">
-            <a:schemeClr val="lt1"/>
-          </a:fontRef>
-        </p:style>
-        <p:txBody>
-          <a:bodyPr rtlCol="0" anchor="ctr"/>
-          <a:lstStyle/>
-          <a:p>
-            <a:pPr algn="ctr"/>
-            <a:endParaRPr lang="ko-KR" altLang="en-US" dirty="0"/>
-          </a:p>
-        </p:txBody>
-      </p:sp>
-      <p:sp>
-        <p:nvSpPr>
-          <p:cNvPr id="7" name="직사각형 6"/>
-          <p:cNvSpPr/>
-          <p:nvPr/>
-        </p:nvSpPr>
-        <p:spPr>
-          <a:xfrm>
-            <a:off x="0" y="0"/>
-            <a:ext cx="9144000" cy="45719"/>
-          </a:xfrm>
-          <a:prstGeom prst="rect">
-            <a:avLst/>
-          </a:prstGeom>
-          <a:solidFill>
-            <a:srgbClr val="BB4545"/>
-          </a:solidFill>
-          <a:ln>
-            <a:noFill/>
-          </a:ln>
-        </p:spPr>
-        <p:style>
-          <a:lnRef idx="2">
-            <a:schemeClr val="accent1">
-              <a:shade val="50000"/>
-            </a:schemeClr>
-          </a:lnRef>
-          <a:fillRef idx="1">
-            <a:schemeClr val="accent1"/>
-          </a:fillRef>
-          <a:effectRef idx="0">
-            <a:schemeClr val="accent1"/>
-          </a:effectRef>
-          <a:fontRef idx="minor">
-            <a:schemeClr val="lt1"/>
-          </a:fontRef>
-        </p:style>
-        <p:txBody>
-          <a:bodyPr rtlCol="0" anchor="ctr"/>
-          <a:lstStyle/>
-          <a:p>
-            <a:pPr algn="ctr"/>
-            <a:endParaRPr lang="ko-KR" altLang="en-US">
-              <a:solidFill>
-                <a:srgbClr val="BB4545"/>
-              </a:solidFill>
-            </a:endParaRPr>
-          </a:p>
-        </p:txBody>
-      </p:sp>
-      <p:sp>
-        <p:nvSpPr>
-          <p:cNvPr id="11" name="직사각형 10"/>
-          <p:cNvSpPr/>
-          <p:nvPr/>
-        </p:nvSpPr>
-        <p:spPr>
-          <a:xfrm>
-            <a:off x="-2" y="0"/>
-            <a:ext cx="1664495" cy="45719"/>
-          </a:xfrm>
-          <a:prstGeom prst="rect">
-            <a:avLst/>
-          </a:prstGeom>
-          <a:solidFill>
-            <a:schemeClr val="bg1"/>
-          </a:solidFill>
-          <a:ln>
-            <a:noFill/>
-          </a:ln>
-        </p:spPr>
-        <p:style>
-          <a:lnRef idx="2">
-            <a:schemeClr val="accent1">
-              <a:shade val="50000"/>
-            </a:schemeClr>
-          </a:lnRef>
-          <a:fillRef idx="1">
-            <a:schemeClr val="accent1"/>
-          </a:fillRef>
-          <a:effectRef idx="0">
-            <a:schemeClr val="accent1"/>
-          </a:effectRef>
-          <a:fontRef idx="minor">
-            <a:schemeClr val="lt1"/>
-          </a:fontRef>
-        </p:style>
-        <p:txBody>
-          <a:bodyPr rtlCol="0" anchor="ctr"/>
-          <a:lstStyle/>
-          <a:p>
-            <a:pPr algn="ctr"/>
-            <a:endParaRPr lang="ko-KR" altLang="en-US">
-              <a:solidFill>
-                <a:srgbClr val="3B5AF7"/>
-              </a:solidFill>
-            </a:endParaRPr>
-          </a:p>
-        </p:txBody>
-      </p:sp>
-      <p:sp>
-        <p:nvSpPr>
-          <p:cNvPr id="12" name="직사각형 11"/>
-          <p:cNvSpPr/>
-          <p:nvPr/>
-        </p:nvSpPr>
-        <p:spPr>
-          <a:xfrm>
-            <a:off x="0" y="6517641"/>
-            <a:ext cx="9144000" cy="45719"/>
-          </a:xfrm>
-          <a:prstGeom prst="rect">
-            <a:avLst/>
-          </a:prstGeom>
-          <a:solidFill>
-            <a:srgbClr val="901910"/>
-          </a:solidFill>
-          <a:ln>
-            <a:solidFill>
-              <a:srgbClr val="901910"/>
-            </a:solidFill>
-          </a:ln>
-        </p:spPr>
-        <p:style>
-          <a:lnRef idx="2">
-            <a:schemeClr val="accent1">
-              <a:shade val="50000"/>
-            </a:schemeClr>
-          </a:lnRef>
-          <a:fillRef idx="1">
-            <a:schemeClr val="accent1"/>
-          </a:fillRef>
-          <a:effectRef idx="0">
-            <a:schemeClr val="accent1"/>
-          </a:effectRef>
-          <a:fontRef idx="minor">
-            <a:schemeClr val="lt1"/>
-          </a:fontRef>
-        </p:style>
-        <p:txBody>
-          <a:bodyPr rtlCol="0" anchor="ctr"/>
-          <a:lstStyle/>
-          <a:p>
-            <a:pPr algn="ctr"/>
-            <a:endParaRPr lang="ko-KR" altLang="en-US"/>
-          </a:p>
-        </p:txBody>
-      </p:sp>
-      <p:sp>
-        <p:nvSpPr>
-          <p:cNvPr id="15" name="TextBox 14">
-            <a:extLst>
-              <a:ext uri="{FF2B5EF4-FFF2-40B4-BE49-F238E27FC236}">
-                <a16:creationId xmlns:a16="http://schemas.microsoft.com/office/drawing/2014/main" id="{703DB9DC-E5E2-41D6-8106-F035928DBB81}"/>
-              </a:ext>
-            </a:extLst>
-          </p:cNvPr>
-          <p:cNvSpPr txBox="1"/>
-          <p:nvPr/>
-        </p:nvSpPr>
-        <p:spPr>
-          <a:xfrm>
-            <a:off x="-1" y="89172"/>
             <a:ext cx="5631544" cy="523220"/>
           </a:xfrm>
           <a:prstGeom prst="rect">
@@ -6044,7 +5306,7 @@
                 <a:latin typeface="a옛날목욕탕B" panose="02020600000000000000" pitchFamily="18" charset="-127"/>
                 <a:ea typeface="a옛날목욕탕B" panose="02020600000000000000" pitchFamily="18" charset="-127"/>
               </a:rPr>
-              <a:t>11 / 20</a:t>
+              <a:t>10 / 20</a:t>
             </a:r>
             <a:endParaRPr lang="ko-KR" altLang="en-US" sz="1200" dirty="0">
               <a:latin typeface="a옛날목욕탕B" panose="02020600000000000000" pitchFamily="18" charset="-127"/>
@@ -6334,7 +5596,7 @@
 </p:sld>
 </file>
 
-<file path=ppt/slides/slide12.xml><?xml version="1.0" encoding="utf-8"?>
+<file path=ppt/slides/slide11.xml><?xml version="1.0" encoding="utf-8"?>
 <p:sld xmlns:a="http://schemas.openxmlformats.org/drawingml/2006/main" xmlns:r="http://schemas.openxmlformats.org/officeDocument/2006/relationships" xmlns:p="http://schemas.openxmlformats.org/presentationml/2006/main">
   <p:cSld>
     <p:spTree>
@@ -6898,42 +6160,6 @@
           </a:p>
         </p:txBody>
       </p:sp>
-      <p:pic>
-        <p:nvPicPr>
-          <p:cNvPr id="4" name="그림 3">
-            <a:extLst>
-              <a:ext uri="{FF2B5EF4-FFF2-40B4-BE49-F238E27FC236}">
-                <a16:creationId xmlns:a16="http://schemas.microsoft.com/office/drawing/2014/main" id="{52297C15-646E-4591-B505-DD0632FCC86E}"/>
-              </a:ext>
-            </a:extLst>
-          </p:cNvPr>
-          <p:cNvPicPr>
-            <a:picLocks noChangeAspect="1"/>
-          </p:cNvPicPr>
-          <p:nvPr/>
-        </p:nvPicPr>
-        <p:blipFill>
-          <a:blip r:embed="rId2">
-            <a:extLst>
-              <a:ext uri="{28A0092B-C50C-407E-A947-70E740481C1C}">
-                <a14:useLocalDpi xmlns:a14="http://schemas.microsoft.com/office/drawing/2010/main" val="0"/>
-              </a:ext>
-            </a:extLst>
-          </a:blip>
-          <a:stretch>
-            <a:fillRect/>
-          </a:stretch>
-        </p:blipFill>
-        <p:spPr>
-          <a:xfrm>
-            <a:off x="1988713" y="1335223"/>
-            <a:ext cx="4943475" cy="4276725"/>
-          </a:xfrm>
-          <a:prstGeom prst="rect">
-            <a:avLst/>
-          </a:prstGeom>
-        </p:spPr>
-      </p:pic>
       <p:sp>
         <p:nvSpPr>
           <p:cNvPr id="8" name="사각형: 둥근 모서리 7">
@@ -7000,7 +6226,7 @@
         </p:nvGrpSpPr>
         <p:grpSpPr>
           <a:xfrm>
-            <a:off x="282184" y="1229618"/>
+            <a:off x="206142" y="1229619"/>
             <a:ext cx="8356531" cy="4487933"/>
             <a:chOff x="229214" y="1229619"/>
             <a:chExt cx="8356531" cy="4487933"/>
@@ -7021,7 +6247,7 @@
             <p:nvPr/>
           </p:nvPicPr>
           <p:blipFill>
-            <a:blip r:embed="rId3">
+            <a:blip r:embed="rId2">
               <a:extLst>
                 <a:ext uri="{28A0092B-C50C-407E-A947-70E740481C1C}">
                   <a14:useLocalDpi xmlns:a14="http://schemas.microsoft.com/office/drawing/2010/main" val="0"/>
@@ -7121,7 +6347,7 @@
                 <a:latin typeface="a옛날목욕탕B" panose="02020600000000000000" pitchFamily="18" charset="-127"/>
                 <a:ea typeface="a옛날목욕탕B" panose="02020600000000000000" pitchFamily="18" charset="-127"/>
               </a:rPr>
-              <a:t>12 / 20</a:t>
+              <a:t>11 / 20</a:t>
             </a:r>
             <a:endParaRPr lang="ko-KR" altLang="en-US" sz="1200" dirty="0">
               <a:latin typeface="a옛날목욕탕B" panose="02020600000000000000" pitchFamily="18" charset="-127"/>
@@ -7140,129 +6366,907 @@
   <p:clrMapOvr>
     <a:masterClrMapping/>
   </p:clrMapOvr>
-  <p:timing>
-    <p:tnLst>
-      <p:par>
-        <p:cTn id="1" dur="indefinite" restart="never" nodeType="tmRoot">
-          <p:childTnLst>
-            <p:seq concurrent="1" nextAc="seek">
-              <p:cTn id="2" dur="indefinite" nodeType="mainSeq">
-                <p:childTnLst>
-                  <p:par>
-                    <p:cTn id="3" fill="hold">
-                      <p:stCondLst>
-                        <p:cond delay="indefinite"/>
-                      </p:stCondLst>
-                      <p:childTnLst>
-                        <p:par>
-                          <p:cTn id="4" fill="hold">
-                            <p:stCondLst>
-                              <p:cond delay="0"/>
-                            </p:stCondLst>
-                            <p:childTnLst>
-                              <p:par>
-                                <p:cTn id="5" presetID="1" presetClass="entr" presetSubtype="0" fill="hold" grpId="0" nodeType="clickEffect">
-                                  <p:stCondLst>
-                                    <p:cond delay="0"/>
-                                  </p:stCondLst>
-                                  <p:childTnLst>
-                                    <p:set>
-                                      <p:cBhvr>
-                                        <p:cTn id="6" dur="1" fill="hold">
-                                          <p:stCondLst>
-                                            <p:cond delay="0"/>
-                                          </p:stCondLst>
-                                        </p:cTn>
-                                        <p:tgtEl>
-                                          <p:spTgt spid="8"/>
-                                        </p:tgtEl>
-                                        <p:attrNameLst>
-                                          <p:attrName>style.visibility</p:attrName>
-                                        </p:attrNameLst>
-                                      </p:cBhvr>
-                                      <p:to>
-                                        <p:strVal val="visible"/>
-                                      </p:to>
-                                    </p:set>
-                                  </p:childTnLst>
-                                </p:cTn>
-                              </p:par>
-                            </p:childTnLst>
-                          </p:cTn>
-                        </p:par>
-                      </p:childTnLst>
-                    </p:cTn>
-                  </p:par>
-                  <p:par>
-                    <p:cTn id="7" fill="hold">
-                      <p:stCondLst>
-                        <p:cond delay="indefinite"/>
-                      </p:stCondLst>
-                      <p:childTnLst>
-                        <p:par>
-                          <p:cTn id="8" fill="hold">
-                            <p:stCondLst>
-                              <p:cond delay="0"/>
-                            </p:stCondLst>
-                            <p:childTnLst>
-                              <p:par>
-                                <p:cTn id="9" presetID="1" presetClass="entr" presetSubtype="0" fill="hold" nodeType="clickEffect">
-                                  <p:stCondLst>
-                                    <p:cond delay="0"/>
-                                  </p:stCondLst>
-                                  <p:childTnLst>
-                                    <p:set>
-                                      <p:cBhvr>
-                                        <p:cTn id="10" dur="1" fill="hold">
-                                          <p:stCondLst>
-                                            <p:cond delay="0"/>
-                                          </p:stCondLst>
-                                        </p:cTn>
-                                        <p:tgtEl>
-                                          <p:spTgt spid="21"/>
-                                        </p:tgtEl>
-                                        <p:attrNameLst>
-                                          <p:attrName>style.visibility</p:attrName>
-                                        </p:attrNameLst>
-                                      </p:cBhvr>
-                                      <p:to>
-                                        <p:strVal val="visible"/>
-                                      </p:to>
-                                    </p:set>
-                                  </p:childTnLst>
-                                </p:cTn>
-                              </p:par>
-                            </p:childTnLst>
-                          </p:cTn>
-                        </p:par>
-                      </p:childTnLst>
-                    </p:cTn>
-                  </p:par>
-                </p:childTnLst>
-              </p:cTn>
-              <p:prevCondLst>
-                <p:cond evt="onPrev" delay="0">
-                  <p:tgtEl>
-                    <p:sldTgt/>
-                  </p:tgtEl>
-                </p:cond>
-              </p:prevCondLst>
-              <p:nextCondLst>
-                <p:cond evt="onNext" delay="0">
-                  <p:tgtEl>
-                    <p:sldTgt/>
-                  </p:tgtEl>
-                </p:cond>
-              </p:nextCondLst>
-            </p:seq>
-          </p:childTnLst>
-        </p:cTn>
-      </p:par>
-    </p:tnLst>
-    <p:bldLst>
-      <p:bldP spid="8" grpId="0" animBg="1"/>
-    </p:bldLst>
-  </p:timing>
+</p:sld>
+</file>
+
+<file path=ppt/slides/slide12.xml><?xml version="1.0" encoding="utf-8"?>
+<p:sld xmlns:a="http://schemas.openxmlformats.org/drawingml/2006/main" xmlns:r="http://schemas.openxmlformats.org/officeDocument/2006/relationships" xmlns:p="http://schemas.openxmlformats.org/presentationml/2006/main">
+  <p:cSld>
+    <p:spTree>
+      <p:nvGrpSpPr>
+        <p:cNvPr id="1" name=""/>
+        <p:cNvGrpSpPr/>
+        <p:nvPr/>
+      </p:nvGrpSpPr>
+      <p:grpSpPr>
+        <a:xfrm>
+          <a:off x="0" y="0"/>
+          <a:ext cx="0" cy="0"/>
+          <a:chOff x="0" y="0"/>
+          <a:chExt cx="0" cy="0"/>
+        </a:xfrm>
+      </p:grpSpPr>
+      <p:sp>
+        <p:nvSpPr>
+          <p:cNvPr id="14" name="직사각형 13">
+            <a:extLst>
+              <a:ext uri="{FF2B5EF4-FFF2-40B4-BE49-F238E27FC236}">
+                <a16:creationId xmlns:a16="http://schemas.microsoft.com/office/drawing/2014/main" id="{8F9AEEE3-55FA-4A18-87B3-23A7D4152356}"/>
+              </a:ext>
+            </a:extLst>
+          </p:cNvPr>
+          <p:cNvSpPr/>
+          <p:nvPr/>
+        </p:nvSpPr>
+        <p:spPr>
+          <a:xfrm>
+            <a:off x="0" y="89172"/>
+            <a:ext cx="9144000" cy="6768828"/>
+          </a:xfrm>
+          <a:prstGeom prst="rect">
+            <a:avLst/>
+          </a:prstGeom>
+          <a:solidFill>
+            <a:srgbClr val="F1F1F1"/>
+          </a:solidFill>
+          <a:ln>
+            <a:noFill/>
+          </a:ln>
+        </p:spPr>
+        <p:style>
+          <a:lnRef idx="2">
+            <a:schemeClr val="accent1">
+              <a:shade val="50000"/>
+            </a:schemeClr>
+          </a:lnRef>
+          <a:fillRef idx="1">
+            <a:schemeClr val="accent1"/>
+          </a:fillRef>
+          <a:effectRef idx="0">
+            <a:schemeClr val="accent1"/>
+          </a:effectRef>
+          <a:fontRef idx="minor">
+            <a:schemeClr val="lt1"/>
+          </a:fontRef>
+        </p:style>
+        <p:txBody>
+          <a:bodyPr rtlCol="0" anchor="ctr"/>
+          <a:lstStyle/>
+          <a:p>
+            <a:pPr algn="ctr"/>
+            <a:endParaRPr lang="ko-KR" altLang="en-US" dirty="0"/>
+          </a:p>
+        </p:txBody>
+      </p:sp>
+      <p:sp>
+        <p:nvSpPr>
+          <p:cNvPr id="7" name="직사각형 6"/>
+          <p:cNvSpPr/>
+          <p:nvPr/>
+        </p:nvSpPr>
+        <p:spPr>
+          <a:xfrm>
+            <a:off x="0" y="0"/>
+            <a:ext cx="9144000" cy="45719"/>
+          </a:xfrm>
+          <a:prstGeom prst="rect">
+            <a:avLst/>
+          </a:prstGeom>
+          <a:solidFill>
+            <a:srgbClr val="BB4545"/>
+          </a:solidFill>
+          <a:ln>
+            <a:noFill/>
+          </a:ln>
+        </p:spPr>
+        <p:style>
+          <a:lnRef idx="2">
+            <a:schemeClr val="accent1">
+              <a:shade val="50000"/>
+            </a:schemeClr>
+          </a:lnRef>
+          <a:fillRef idx="1">
+            <a:schemeClr val="accent1"/>
+          </a:fillRef>
+          <a:effectRef idx="0">
+            <a:schemeClr val="accent1"/>
+          </a:effectRef>
+          <a:fontRef idx="minor">
+            <a:schemeClr val="lt1"/>
+          </a:fontRef>
+        </p:style>
+        <p:txBody>
+          <a:bodyPr rtlCol="0" anchor="ctr"/>
+          <a:lstStyle/>
+          <a:p>
+            <a:pPr algn="ctr"/>
+            <a:endParaRPr lang="ko-KR" altLang="en-US">
+              <a:solidFill>
+                <a:srgbClr val="BB4545"/>
+              </a:solidFill>
+            </a:endParaRPr>
+          </a:p>
+        </p:txBody>
+      </p:sp>
+      <p:sp>
+        <p:nvSpPr>
+          <p:cNvPr id="11" name="직사각형 10"/>
+          <p:cNvSpPr/>
+          <p:nvPr/>
+        </p:nvSpPr>
+        <p:spPr>
+          <a:xfrm>
+            <a:off x="-2" y="0"/>
+            <a:ext cx="1664495" cy="45719"/>
+          </a:xfrm>
+          <a:prstGeom prst="rect">
+            <a:avLst/>
+          </a:prstGeom>
+          <a:solidFill>
+            <a:schemeClr val="bg1"/>
+          </a:solidFill>
+          <a:ln>
+            <a:noFill/>
+          </a:ln>
+        </p:spPr>
+        <p:style>
+          <a:lnRef idx="2">
+            <a:schemeClr val="accent1">
+              <a:shade val="50000"/>
+            </a:schemeClr>
+          </a:lnRef>
+          <a:fillRef idx="1">
+            <a:schemeClr val="accent1"/>
+          </a:fillRef>
+          <a:effectRef idx="0">
+            <a:schemeClr val="accent1"/>
+          </a:effectRef>
+          <a:fontRef idx="minor">
+            <a:schemeClr val="lt1"/>
+          </a:fontRef>
+        </p:style>
+        <p:txBody>
+          <a:bodyPr rtlCol="0" anchor="ctr"/>
+          <a:lstStyle/>
+          <a:p>
+            <a:pPr algn="ctr"/>
+            <a:endParaRPr lang="ko-KR" altLang="en-US">
+              <a:solidFill>
+                <a:srgbClr val="3B5AF7"/>
+              </a:solidFill>
+            </a:endParaRPr>
+          </a:p>
+        </p:txBody>
+      </p:sp>
+      <p:sp>
+        <p:nvSpPr>
+          <p:cNvPr id="12" name="직사각형 11"/>
+          <p:cNvSpPr/>
+          <p:nvPr/>
+        </p:nvSpPr>
+        <p:spPr>
+          <a:xfrm>
+            <a:off x="0" y="6517641"/>
+            <a:ext cx="9144000" cy="45719"/>
+          </a:xfrm>
+          <a:prstGeom prst="rect">
+            <a:avLst/>
+          </a:prstGeom>
+          <a:solidFill>
+            <a:srgbClr val="901910"/>
+          </a:solidFill>
+          <a:ln>
+            <a:solidFill>
+              <a:srgbClr val="901910"/>
+            </a:solidFill>
+          </a:ln>
+        </p:spPr>
+        <p:style>
+          <a:lnRef idx="2">
+            <a:schemeClr val="accent1">
+              <a:shade val="50000"/>
+            </a:schemeClr>
+          </a:lnRef>
+          <a:fillRef idx="1">
+            <a:schemeClr val="accent1"/>
+          </a:fillRef>
+          <a:effectRef idx="0">
+            <a:schemeClr val="accent1"/>
+          </a:effectRef>
+          <a:fontRef idx="minor">
+            <a:schemeClr val="lt1"/>
+          </a:fontRef>
+        </p:style>
+        <p:txBody>
+          <a:bodyPr rtlCol="0" anchor="ctr"/>
+          <a:lstStyle/>
+          <a:p>
+            <a:pPr algn="ctr"/>
+            <a:endParaRPr lang="ko-KR" altLang="en-US"/>
+          </a:p>
+        </p:txBody>
+      </p:sp>
+      <p:sp>
+        <p:nvSpPr>
+          <p:cNvPr id="17" name="직사각형 16">
+            <a:extLst>
+              <a:ext uri="{FF2B5EF4-FFF2-40B4-BE49-F238E27FC236}">
+                <a16:creationId xmlns:a16="http://schemas.microsoft.com/office/drawing/2014/main" id="{DD6206AC-F6B2-48CA-9D07-1586EC5E4729}"/>
+              </a:ext>
+            </a:extLst>
+          </p:cNvPr>
+          <p:cNvSpPr/>
+          <p:nvPr/>
+        </p:nvSpPr>
+        <p:spPr>
+          <a:xfrm rot="5400000">
+            <a:off x="5775508" y="3120940"/>
+            <a:ext cx="6329139" cy="407843"/>
+          </a:xfrm>
+          <a:prstGeom prst="rect">
+            <a:avLst/>
+          </a:prstGeom>
+          <a:solidFill>
+            <a:srgbClr val="901910"/>
+          </a:solidFill>
+          <a:ln>
+            <a:noFill/>
+          </a:ln>
+        </p:spPr>
+        <p:style>
+          <a:lnRef idx="2">
+            <a:schemeClr val="accent1">
+              <a:shade val="50000"/>
+            </a:schemeClr>
+          </a:lnRef>
+          <a:fillRef idx="1">
+            <a:schemeClr val="accent1"/>
+          </a:fillRef>
+          <a:effectRef idx="0">
+            <a:schemeClr val="accent1"/>
+          </a:effectRef>
+          <a:fontRef idx="minor">
+            <a:schemeClr val="lt1"/>
+          </a:fontRef>
+        </p:style>
+        <p:txBody>
+          <a:bodyPr rtlCol="0" anchor="ctr"/>
+          <a:lstStyle/>
+          <a:p>
+            <a:pPr algn="ctr"/>
+            <a:endParaRPr lang="ko-KR" altLang="en-US" dirty="0"/>
+          </a:p>
+        </p:txBody>
+      </p:sp>
+      <p:sp>
+        <p:nvSpPr>
+          <p:cNvPr id="59" name="TextBox 58">
+            <a:extLst>
+              <a:ext uri="{FF2B5EF4-FFF2-40B4-BE49-F238E27FC236}">
+                <a16:creationId xmlns:a16="http://schemas.microsoft.com/office/drawing/2014/main" id="{79AEF6C8-0252-4D6C-BAC7-775957E1CDB2}"/>
+              </a:ext>
+            </a:extLst>
+          </p:cNvPr>
+          <p:cNvSpPr txBox="1"/>
+          <p:nvPr/>
+        </p:nvSpPr>
+        <p:spPr>
+          <a:xfrm>
+            <a:off x="6997148" y="6540500"/>
+            <a:ext cx="1815552" cy="317499"/>
+          </a:xfrm>
+          <a:prstGeom prst="rect">
+            <a:avLst/>
+          </a:prstGeom>
+          <a:noFill/>
+        </p:spPr>
+        <p:txBody>
+          <a:bodyPr wrap="square" rtlCol="0">
+            <a:spAutoFit/>
+          </a:bodyPr>
+          <a:lstStyle/>
+          <a:p>
+            <a:pPr algn="r"/>
+            <a:r>
+              <a:rPr lang="en-US" altLang="ko-KR" sz="1400" dirty="0">
+                <a:solidFill>
+                  <a:schemeClr val="bg2">
+                    <a:lumMod val="50000"/>
+                  </a:schemeClr>
+                </a:solidFill>
+                <a:latin typeface="a옛날목욕탕B" panose="02020600000000000000" pitchFamily="18" charset="-127"/>
+                <a:ea typeface="a옛날목욕탕B" panose="02020600000000000000" pitchFamily="18" charset="-127"/>
+              </a:rPr>
+              <a:t>Life Expectancy</a:t>
+            </a:r>
+            <a:endParaRPr lang="ko-KR" altLang="en-US" sz="1400" dirty="0">
+              <a:solidFill>
+                <a:schemeClr val="bg2">
+                  <a:lumMod val="50000"/>
+                </a:schemeClr>
+              </a:solidFill>
+              <a:latin typeface="a옛날목욕탕B" panose="02020600000000000000" pitchFamily="18" charset="-127"/>
+              <a:ea typeface="a옛날목욕탕B" panose="02020600000000000000" pitchFamily="18" charset="-127"/>
+            </a:endParaRPr>
+          </a:p>
+        </p:txBody>
+      </p:sp>
+      <p:sp>
+        <p:nvSpPr>
+          <p:cNvPr id="19" name="TextBox 18">
+            <a:extLst>
+              <a:ext uri="{FF2B5EF4-FFF2-40B4-BE49-F238E27FC236}">
+                <a16:creationId xmlns:a16="http://schemas.microsoft.com/office/drawing/2014/main" id="{6418A3C2-132E-4D20-BAFB-2CF8DDDD29F8}"/>
+              </a:ext>
+            </a:extLst>
+          </p:cNvPr>
+          <p:cNvSpPr txBox="1"/>
+          <p:nvPr/>
+        </p:nvSpPr>
+        <p:spPr>
+          <a:xfrm>
+            <a:off x="8726283" y="337314"/>
+            <a:ext cx="479834" cy="5940088"/>
+          </a:xfrm>
+          <a:prstGeom prst="rect">
+            <a:avLst/>
+          </a:prstGeom>
+          <a:noFill/>
+        </p:spPr>
+        <p:txBody>
+          <a:bodyPr wrap="square" rtlCol="0">
+            <a:spAutoFit/>
+          </a:bodyPr>
+          <a:lstStyle/>
+          <a:p>
+            <a:r>
+              <a:rPr lang="en-US" altLang="ko-KR" sz="1900" b="1" dirty="0">
+                <a:solidFill>
+                  <a:srgbClr val="460000"/>
+                </a:solidFill>
+                <a:latin typeface="HY나무L" panose="02030600000101010101" pitchFamily="18" charset="-127"/>
+                <a:ea typeface="HY나무L" panose="02030600000101010101" pitchFamily="18" charset="-127"/>
+              </a:rPr>
+              <a:t>01 </a:t>
+            </a:r>
+            <a:r>
+              <a:rPr lang="ko-KR" altLang="en-US" sz="1900" b="1" dirty="0" err="1">
+                <a:solidFill>
+                  <a:srgbClr val="460000"/>
+                </a:solidFill>
+                <a:latin typeface="HY나무L" panose="02030600000101010101" pitchFamily="18" charset="-127"/>
+                <a:ea typeface="HY나무L" panose="02030600000101010101" pitchFamily="18" charset="-127"/>
+              </a:rPr>
+              <a:t>전처리</a:t>
+            </a:r>
+            <a:endParaRPr lang="en-US" altLang="ko-KR" sz="1900" b="1" dirty="0">
+              <a:solidFill>
+                <a:srgbClr val="460000"/>
+              </a:solidFill>
+              <a:latin typeface="HY나무L" panose="02030600000101010101" pitchFamily="18" charset="-127"/>
+              <a:ea typeface="HY나무L" panose="02030600000101010101" pitchFamily="18" charset="-127"/>
+            </a:endParaRPr>
+          </a:p>
+          <a:p>
+            <a:endParaRPr lang="en-US" altLang="ko-KR" sz="1900" b="1" dirty="0">
+              <a:solidFill>
+                <a:schemeClr val="bg1"/>
+              </a:solidFill>
+              <a:latin typeface="HY나무L" panose="02030600000101010101" pitchFamily="18" charset="-127"/>
+              <a:ea typeface="HY나무L" panose="02030600000101010101" pitchFamily="18" charset="-127"/>
+            </a:endParaRPr>
+          </a:p>
+          <a:p>
+            <a:endParaRPr lang="en-US" altLang="ko-KR" sz="1900" b="1" dirty="0">
+              <a:solidFill>
+                <a:schemeClr val="bg1"/>
+              </a:solidFill>
+              <a:latin typeface="HY나무L" panose="02030600000101010101" pitchFamily="18" charset="-127"/>
+              <a:ea typeface="HY나무L" panose="02030600000101010101" pitchFamily="18" charset="-127"/>
+            </a:endParaRPr>
+          </a:p>
+          <a:p>
+            <a:r>
+              <a:rPr lang="en-US" altLang="ko-KR" sz="1900" b="1" dirty="0">
+                <a:solidFill>
+                  <a:schemeClr val="bg1"/>
+                </a:solidFill>
+                <a:latin typeface="HY나무L" panose="02030600000101010101" pitchFamily="18" charset="-127"/>
+                <a:ea typeface="HY나무L" panose="02030600000101010101" pitchFamily="18" charset="-127"/>
+              </a:rPr>
+              <a:t> 02 </a:t>
+            </a:r>
+            <a:r>
+              <a:rPr lang="ko-KR" altLang="en-US" sz="1900" b="1" dirty="0">
+                <a:solidFill>
+                  <a:schemeClr val="bg1"/>
+                </a:solidFill>
+                <a:latin typeface="HY나무L" panose="02030600000101010101" pitchFamily="18" charset="-127"/>
+                <a:ea typeface="HY나무L" panose="02030600000101010101" pitchFamily="18" charset="-127"/>
+              </a:rPr>
+              <a:t>데이터분석</a:t>
+            </a:r>
+            <a:endParaRPr lang="en-US" altLang="ko-KR" sz="1900" b="1" dirty="0">
+              <a:solidFill>
+                <a:schemeClr val="bg1"/>
+              </a:solidFill>
+              <a:latin typeface="HY나무L" panose="02030600000101010101" pitchFamily="18" charset="-127"/>
+              <a:ea typeface="HY나무L" panose="02030600000101010101" pitchFamily="18" charset="-127"/>
+            </a:endParaRPr>
+          </a:p>
+          <a:p>
+            <a:endParaRPr lang="en-US" altLang="ko-KR" sz="1900" b="1" dirty="0">
+              <a:solidFill>
+                <a:schemeClr val="bg1">
+                  <a:lumMod val="50000"/>
+                </a:schemeClr>
+              </a:solidFill>
+              <a:latin typeface="HY나무L" panose="02030600000101010101" pitchFamily="18" charset="-127"/>
+              <a:ea typeface="HY나무L" panose="02030600000101010101" pitchFamily="18" charset="-127"/>
+            </a:endParaRPr>
+          </a:p>
+          <a:p>
+            <a:endParaRPr lang="en-US" altLang="ko-KR" sz="1900" b="1" dirty="0">
+              <a:solidFill>
+                <a:schemeClr val="bg1">
+                  <a:lumMod val="50000"/>
+                </a:schemeClr>
+              </a:solidFill>
+              <a:latin typeface="HY나무L" panose="02030600000101010101" pitchFamily="18" charset="-127"/>
+              <a:ea typeface="HY나무L" panose="02030600000101010101" pitchFamily="18" charset="-127"/>
+            </a:endParaRPr>
+          </a:p>
+          <a:p>
+            <a:r>
+              <a:rPr lang="en-US" altLang="ko-KR" sz="1900" b="1" dirty="0">
+                <a:solidFill>
+                  <a:schemeClr val="bg1">
+                    <a:lumMod val="50000"/>
+                  </a:schemeClr>
+                </a:solidFill>
+                <a:latin typeface="HY나무L" panose="02030600000101010101" pitchFamily="18" charset="-127"/>
+                <a:ea typeface="HY나무L" panose="02030600000101010101" pitchFamily="18" charset="-127"/>
+              </a:rPr>
+              <a:t>  </a:t>
+            </a:r>
+            <a:r>
+              <a:rPr lang="en-US" altLang="ko-KR" sz="1900" b="1" dirty="0">
+                <a:solidFill>
+                  <a:srgbClr val="460000"/>
+                </a:solidFill>
+                <a:latin typeface="HY나무L" panose="02030600000101010101" pitchFamily="18" charset="-127"/>
+                <a:ea typeface="HY나무L" panose="02030600000101010101" pitchFamily="18" charset="-127"/>
+              </a:rPr>
+              <a:t>03</a:t>
+            </a:r>
+            <a:r>
+              <a:rPr lang="ko-KR" altLang="en-US" sz="1900" b="1" dirty="0">
+                <a:solidFill>
+                  <a:srgbClr val="460000"/>
+                </a:solidFill>
+                <a:latin typeface="HY나무L" panose="02030600000101010101" pitchFamily="18" charset="-127"/>
+                <a:ea typeface="HY나무L" panose="02030600000101010101" pitchFamily="18" charset="-127"/>
+              </a:rPr>
+              <a:t>한계점</a:t>
+            </a:r>
+          </a:p>
+        </p:txBody>
+      </p:sp>
+      <p:sp>
+        <p:nvSpPr>
+          <p:cNvPr id="16" name="TextBox 15">
+            <a:extLst>
+              <a:ext uri="{FF2B5EF4-FFF2-40B4-BE49-F238E27FC236}">
+                <a16:creationId xmlns:a16="http://schemas.microsoft.com/office/drawing/2014/main" id="{1C606CD0-2033-4D45-AE6F-BAA7D2C0D9E7}"/>
+              </a:ext>
+            </a:extLst>
+          </p:cNvPr>
+          <p:cNvSpPr txBox="1"/>
+          <p:nvPr/>
+        </p:nvSpPr>
+        <p:spPr>
+          <a:xfrm>
+            <a:off x="0" y="6563360"/>
+            <a:ext cx="9144000" cy="276999"/>
+          </a:xfrm>
+          <a:prstGeom prst="rect">
+            <a:avLst/>
+          </a:prstGeom>
+          <a:noFill/>
+        </p:spPr>
+        <p:txBody>
+          <a:bodyPr wrap="square" rtlCol="0">
+            <a:spAutoFit/>
+          </a:bodyPr>
+          <a:lstStyle/>
+          <a:p>
+            <a:pPr algn="ctr"/>
+            <a:r>
+              <a:rPr lang="en-US" altLang="ko-KR" sz="1200" dirty="0">
+                <a:latin typeface="a옛날목욕탕B" panose="02020600000000000000" pitchFamily="18" charset="-127"/>
+                <a:ea typeface="a옛날목욕탕B" panose="02020600000000000000" pitchFamily="18" charset="-127"/>
+              </a:rPr>
+              <a:t>12 / 20</a:t>
+            </a:r>
+            <a:endParaRPr lang="ko-KR" altLang="en-US" sz="1200" dirty="0">
+              <a:latin typeface="a옛날목욕탕B" panose="02020600000000000000" pitchFamily="18" charset="-127"/>
+              <a:ea typeface="a옛날목욕탕B" panose="02020600000000000000" pitchFamily="18" charset="-127"/>
+            </a:endParaRPr>
+          </a:p>
+        </p:txBody>
+      </p:sp>
+      <p:sp>
+        <p:nvSpPr>
+          <p:cNvPr id="18" name="TextBox 17">
+            <a:extLst>
+              <a:ext uri="{FF2B5EF4-FFF2-40B4-BE49-F238E27FC236}">
+                <a16:creationId xmlns:a16="http://schemas.microsoft.com/office/drawing/2014/main" id="{3611DA96-40CF-4395-80E4-14A675B529AF}"/>
+              </a:ext>
+            </a:extLst>
+          </p:cNvPr>
+          <p:cNvSpPr txBox="1"/>
+          <p:nvPr/>
+        </p:nvSpPr>
+        <p:spPr>
+          <a:xfrm>
+            <a:off x="-1" y="89172"/>
+            <a:ext cx="5631544" cy="523220"/>
+          </a:xfrm>
+          <a:prstGeom prst="rect">
+            <a:avLst/>
+          </a:prstGeom>
+          <a:noFill/>
+        </p:spPr>
+        <p:txBody>
+          <a:bodyPr wrap="square" rtlCol="0">
+            <a:spAutoFit/>
+          </a:bodyPr>
+          <a:lstStyle/>
+          <a:p>
+            <a:r>
+              <a:rPr lang="en-US" altLang="ko-KR" sz="2800" dirty="0">
+                <a:solidFill>
+                  <a:srgbClr val="901910"/>
+                </a:solidFill>
+                <a:latin typeface="a옛날목욕탕B" panose="02020600000000000000" pitchFamily="18" charset="-127"/>
+                <a:ea typeface="a옛날목욕탕B" panose="02020600000000000000" pitchFamily="18" charset="-127"/>
+              </a:rPr>
+              <a:t>02</a:t>
+            </a:r>
+            <a:r>
+              <a:rPr lang="en-US" altLang="ko-KR" sz="2800" dirty="0">
+                <a:solidFill>
+                  <a:srgbClr val="2D2E2D"/>
+                </a:solidFill>
+                <a:latin typeface="a옛날목욕탕B" panose="02020600000000000000" pitchFamily="18" charset="-127"/>
+                <a:ea typeface="a옛날목욕탕B" panose="02020600000000000000" pitchFamily="18" charset="-127"/>
+              </a:rPr>
+              <a:t> </a:t>
+            </a:r>
+            <a:r>
+              <a:rPr lang="ko-KR" altLang="en-US" sz="2800" dirty="0">
+                <a:solidFill>
+                  <a:srgbClr val="2D2E2D"/>
+                </a:solidFill>
+                <a:latin typeface="a옛날목욕탕B" panose="02020600000000000000" pitchFamily="18" charset="-127"/>
+                <a:ea typeface="a옛날목욕탕B" panose="02020600000000000000" pitchFamily="18" charset="-127"/>
+              </a:rPr>
+              <a:t>데이터 분석</a:t>
+            </a:r>
+            <a:r>
+              <a:rPr lang="en-US" altLang="ko-KR" sz="2800" dirty="0">
+                <a:solidFill>
+                  <a:srgbClr val="2D2E2D"/>
+                </a:solidFill>
+                <a:latin typeface="a옛날목욕탕B" panose="02020600000000000000" pitchFamily="18" charset="-127"/>
+                <a:ea typeface="a옛날목욕탕B" panose="02020600000000000000" pitchFamily="18" charset="-127"/>
+              </a:rPr>
+              <a:t>_</a:t>
+            </a:r>
+            <a:r>
+              <a:rPr lang="en-US" altLang="ko-KR" sz="2000" dirty="0">
+                <a:solidFill>
+                  <a:srgbClr val="2D2E2D"/>
+                </a:solidFill>
+                <a:latin typeface="a옛날목욕탕B" panose="02020600000000000000" pitchFamily="18" charset="-127"/>
+                <a:ea typeface="a옛날목욕탕B" panose="02020600000000000000" pitchFamily="18" charset="-127"/>
+              </a:rPr>
+              <a:t>Log transformation</a:t>
+            </a:r>
+          </a:p>
+        </p:txBody>
+      </p:sp>
+      <p:pic>
+        <p:nvPicPr>
+          <p:cNvPr id="21" name="그림 20">
+            <a:extLst>
+              <a:ext uri="{FF2B5EF4-FFF2-40B4-BE49-F238E27FC236}">
+                <a16:creationId xmlns:a16="http://schemas.microsoft.com/office/drawing/2014/main" id="{9416A56A-78C1-4736-9584-ABC0A360504D}"/>
+              </a:ext>
+            </a:extLst>
+          </p:cNvPr>
+          <p:cNvPicPr>
+            <a:picLocks noChangeAspect="1"/>
+          </p:cNvPicPr>
+          <p:nvPr/>
+        </p:nvPicPr>
+        <p:blipFill rotWithShape="1">
+          <a:blip r:embed="rId2">
+            <a:extLst>
+              <a:ext uri="{28A0092B-C50C-407E-A947-70E740481C1C}">
+                <a14:useLocalDpi xmlns:a14="http://schemas.microsoft.com/office/drawing/2010/main" val="0"/>
+              </a:ext>
+            </a:extLst>
+          </a:blip>
+          <a:srcRect t="32074" r="6490"/>
+          <a:stretch/>
+        </p:blipFill>
+        <p:spPr>
+          <a:xfrm>
+            <a:off x="4512050" y="1558534"/>
+            <a:ext cx="4091679" cy="4272422"/>
+          </a:xfrm>
+          <a:prstGeom prst="rect">
+            <a:avLst/>
+          </a:prstGeom>
+        </p:spPr>
+      </p:pic>
+      <p:pic>
+        <p:nvPicPr>
+          <p:cNvPr id="22" name="그림 21">
+            <a:extLst>
+              <a:ext uri="{FF2B5EF4-FFF2-40B4-BE49-F238E27FC236}">
+                <a16:creationId xmlns:a16="http://schemas.microsoft.com/office/drawing/2014/main" id="{32164177-BE61-44C5-803C-F2678CCCBB13}"/>
+              </a:ext>
+            </a:extLst>
+          </p:cNvPr>
+          <p:cNvPicPr>
+            <a:picLocks noChangeAspect="1"/>
+          </p:cNvPicPr>
+          <p:nvPr/>
+        </p:nvPicPr>
+        <p:blipFill rotWithShape="1">
+          <a:blip r:embed="rId3">
+            <a:extLst>
+              <a:ext uri="{28A0092B-C50C-407E-A947-70E740481C1C}">
+                <a14:useLocalDpi xmlns:a14="http://schemas.microsoft.com/office/drawing/2010/main" val="0"/>
+              </a:ext>
+            </a:extLst>
+          </a:blip>
+          <a:srcRect t="32128" r="4398"/>
+          <a:stretch/>
+        </p:blipFill>
+        <p:spPr>
+          <a:xfrm>
+            <a:off x="255546" y="1558535"/>
+            <a:ext cx="4091167" cy="4272421"/>
+          </a:xfrm>
+          <a:prstGeom prst="rect">
+            <a:avLst/>
+          </a:prstGeom>
+        </p:spPr>
+      </p:pic>
+      <p:sp>
+        <p:nvSpPr>
+          <p:cNvPr id="23" name="TextBox 22">
+            <a:extLst>
+              <a:ext uri="{FF2B5EF4-FFF2-40B4-BE49-F238E27FC236}">
+                <a16:creationId xmlns:a16="http://schemas.microsoft.com/office/drawing/2014/main" id="{7FFAB74B-C621-4F6F-AED1-54FC6FD658EA}"/>
+              </a:ext>
+            </a:extLst>
+          </p:cNvPr>
+          <p:cNvSpPr txBox="1"/>
+          <p:nvPr/>
+        </p:nvSpPr>
+        <p:spPr>
+          <a:xfrm>
+            <a:off x="731707" y="1045916"/>
+            <a:ext cx="3138843" cy="338554"/>
+          </a:xfrm>
+          <a:prstGeom prst="rect">
+            <a:avLst/>
+          </a:prstGeom>
+          <a:solidFill>
+            <a:schemeClr val="bg1">
+              <a:lumMod val="85000"/>
+            </a:schemeClr>
+          </a:solidFill>
+        </p:spPr>
+        <p:txBody>
+          <a:bodyPr wrap="square" rtlCol="0">
+            <a:spAutoFit/>
+          </a:bodyPr>
+          <a:lstStyle/>
+          <a:p>
+            <a:pPr algn="ctr"/>
+            <a:r>
+              <a:rPr lang="ko-KR" altLang="en-US" sz="1600" dirty="0">
+                <a:latin typeface="a옛날목욕탕L" panose="02020600000000000000" pitchFamily="18" charset="-127"/>
+                <a:ea typeface="a옛날목욕탕L" panose="02020600000000000000" pitchFamily="18" charset="-127"/>
+              </a:rPr>
+              <a:t>기존 </a:t>
+            </a:r>
+            <a:r>
+              <a:rPr lang="en-US" altLang="ko-KR" sz="1600" dirty="0">
+                <a:latin typeface="a옛날목욕탕L" panose="02020600000000000000" pitchFamily="18" charset="-127"/>
+                <a:ea typeface="a옛날목욕탕L" panose="02020600000000000000" pitchFamily="18" charset="-127"/>
+              </a:rPr>
+              <a:t>model</a:t>
+            </a:r>
+            <a:endParaRPr lang="ko-KR" altLang="en-US" sz="1600" dirty="0">
+              <a:latin typeface="a옛날목욕탕L" panose="02020600000000000000" pitchFamily="18" charset="-127"/>
+              <a:ea typeface="a옛날목욕탕L" panose="02020600000000000000" pitchFamily="18" charset="-127"/>
+            </a:endParaRPr>
+          </a:p>
+        </p:txBody>
+      </p:sp>
+      <p:sp>
+        <p:nvSpPr>
+          <p:cNvPr id="24" name="TextBox 23">
+            <a:extLst>
+              <a:ext uri="{FF2B5EF4-FFF2-40B4-BE49-F238E27FC236}">
+                <a16:creationId xmlns:a16="http://schemas.microsoft.com/office/drawing/2014/main" id="{3817865A-0AD4-487A-A401-FC69A110886B}"/>
+              </a:ext>
+            </a:extLst>
+          </p:cNvPr>
+          <p:cNvSpPr txBox="1"/>
+          <p:nvPr/>
+        </p:nvSpPr>
+        <p:spPr>
+          <a:xfrm>
+            <a:off x="4988467" y="1045916"/>
+            <a:ext cx="3138843" cy="338554"/>
+          </a:xfrm>
+          <a:prstGeom prst="rect">
+            <a:avLst/>
+          </a:prstGeom>
+          <a:solidFill>
+            <a:schemeClr val="bg1">
+              <a:lumMod val="85000"/>
+            </a:schemeClr>
+          </a:solidFill>
+        </p:spPr>
+        <p:txBody>
+          <a:bodyPr wrap="square" rtlCol="0">
+            <a:spAutoFit/>
+          </a:bodyPr>
+          <a:lstStyle/>
+          <a:p>
+            <a:pPr algn="ctr"/>
+            <a:r>
+              <a:rPr lang="en-US" altLang="ko-KR" sz="1600" dirty="0">
+                <a:latin typeface="a옛날목욕탕L" panose="02020600000000000000" pitchFamily="18" charset="-127"/>
+                <a:ea typeface="a옛날목욕탕L" panose="02020600000000000000" pitchFamily="18" charset="-127"/>
+              </a:rPr>
+              <a:t>log</a:t>
+            </a:r>
+            <a:r>
+              <a:rPr lang="ko-KR" altLang="en-US" sz="1600" dirty="0">
+                <a:latin typeface="a옛날목욕탕L" panose="02020600000000000000" pitchFamily="18" charset="-127"/>
+                <a:ea typeface="a옛날목욕탕L" panose="02020600000000000000" pitchFamily="18" charset="-127"/>
+              </a:rPr>
+              <a:t> </a:t>
+            </a:r>
+            <a:r>
+              <a:rPr lang="en-US" altLang="ko-KR" sz="1600" dirty="0">
+                <a:latin typeface="a옛날목욕탕L" panose="02020600000000000000" pitchFamily="18" charset="-127"/>
+                <a:ea typeface="a옛날목욕탕L" panose="02020600000000000000" pitchFamily="18" charset="-127"/>
+              </a:rPr>
+              <a:t>transformation</a:t>
+            </a:r>
+            <a:r>
+              <a:rPr lang="ko-KR" altLang="en-US" sz="1600" dirty="0">
+                <a:latin typeface="a옛날목욕탕L" panose="02020600000000000000" pitchFamily="18" charset="-127"/>
+                <a:ea typeface="a옛날목욕탕L" panose="02020600000000000000" pitchFamily="18" charset="-127"/>
+              </a:rPr>
+              <a:t> </a:t>
+            </a:r>
+            <a:r>
+              <a:rPr lang="en-US" altLang="ko-KR" sz="1600" dirty="0">
+                <a:latin typeface="a옛날목욕탕L" panose="02020600000000000000" pitchFamily="18" charset="-127"/>
+                <a:ea typeface="a옛날목욕탕L" panose="02020600000000000000" pitchFamily="18" charset="-127"/>
+              </a:rPr>
+              <a:t>model</a:t>
+            </a:r>
+            <a:endParaRPr lang="ko-KR" altLang="en-US" sz="1600" dirty="0">
+              <a:latin typeface="a옛날목욕탕L" panose="02020600000000000000" pitchFamily="18" charset="-127"/>
+              <a:ea typeface="a옛날목욕탕L" panose="02020600000000000000" pitchFamily="18" charset="-127"/>
+            </a:endParaRPr>
+          </a:p>
+        </p:txBody>
+      </p:sp>
+      <p:cxnSp>
+        <p:nvCxnSpPr>
+          <p:cNvPr id="3" name="직선 연결선 2">
+            <a:extLst>
+              <a:ext uri="{FF2B5EF4-FFF2-40B4-BE49-F238E27FC236}">
+                <a16:creationId xmlns:a16="http://schemas.microsoft.com/office/drawing/2014/main" id="{8BB56E81-4DDF-49CA-A900-9388DB80BBAE}"/>
+              </a:ext>
+            </a:extLst>
+          </p:cNvPr>
+          <p:cNvCxnSpPr/>
+          <p:nvPr/>
+        </p:nvCxnSpPr>
+        <p:spPr>
+          <a:xfrm>
+            <a:off x="255546" y="5579165"/>
+            <a:ext cx="4091167" cy="0"/>
+          </a:xfrm>
+          <a:prstGeom prst="line">
+            <a:avLst/>
+          </a:prstGeom>
+          <a:ln w="28575">
+            <a:solidFill>
+              <a:srgbClr val="C00000"/>
+            </a:solidFill>
+          </a:ln>
+        </p:spPr>
+        <p:style>
+          <a:lnRef idx="1">
+            <a:schemeClr val="accent1"/>
+          </a:lnRef>
+          <a:fillRef idx="0">
+            <a:schemeClr val="accent1"/>
+          </a:fillRef>
+          <a:effectRef idx="0">
+            <a:schemeClr val="accent1"/>
+          </a:effectRef>
+          <a:fontRef idx="minor">
+            <a:schemeClr val="tx1"/>
+          </a:fontRef>
+        </p:style>
+      </p:cxnSp>
+      <p:cxnSp>
+        <p:nvCxnSpPr>
+          <p:cNvPr id="25" name="직선 연결선 24">
+            <a:extLst>
+              <a:ext uri="{FF2B5EF4-FFF2-40B4-BE49-F238E27FC236}">
+                <a16:creationId xmlns:a16="http://schemas.microsoft.com/office/drawing/2014/main" id="{53EFEBB9-CE97-45A7-9A3C-817EE9397CF5}"/>
+              </a:ext>
+            </a:extLst>
+          </p:cNvPr>
+          <p:cNvCxnSpPr/>
+          <p:nvPr/>
+        </p:nvCxnSpPr>
+        <p:spPr>
+          <a:xfrm>
+            <a:off x="4502874" y="5612295"/>
+            <a:ext cx="4091167" cy="0"/>
+          </a:xfrm>
+          <a:prstGeom prst="line">
+            <a:avLst/>
+          </a:prstGeom>
+          <a:ln w="28575">
+            <a:solidFill>
+              <a:srgbClr val="C00000"/>
+            </a:solidFill>
+          </a:ln>
+        </p:spPr>
+        <p:style>
+          <a:lnRef idx="1">
+            <a:schemeClr val="accent1"/>
+          </a:lnRef>
+          <a:fillRef idx="0">
+            <a:schemeClr val="accent1"/>
+          </a:fillRef>
+          <a:effectRef idx="0">
+            <a:schemeClr val="accent1"/>
+          </a:effectRef>
+          <a:fontRef idx="minor">
+            <a:schemeClr val="tx1"/>
+          </a:fontRef>
+        </p:style>
+      </p:cxnSp>
+    </p:spTree>
+    <p:extLst>
+      <p:ext uri="{BB962C8B-B14F-4D97-AF65-F5344CB8AC3E}">
+        <p14:creationId xmlns:p14="http://schemas.microsoft.com/office/powerpoint/2010/main" val="141868868"/>
+      </p:ext>
+    </p:extLst>
+  </p:cSld>
+  <p:clrMapOvr>
+    <a:masterClrMapping/>
+  </p:clrMapOvr>
 </p:sld>
 </file>
 
@@ -30086,48 +30090,113 @@
           </a:p>
         </p:txBody>
       </p:sp>
+      <p:grpSp>
+        <p:nvGrpSpPr>
+          <p:cNvPr id="26" name="그룹 25">
+            <a:extLst>
+              <a:ext uri="{FF2B5EF4-FFF2-40B4-BE49-F238E27FC236}">
+                <a16:creationId xmlns:a16="http://schemas.microsoft.com/office/drawing/2014/main" id="{96953657-923E-4A59-A016-DB36C85F9C4B}"/>
+              </a:ext>
+            </a:extLst>
+          </p:cNvPr>
+          <p:cNvGrpSpPr/>
+          <p:nvPr/>
+        </p:nvGrpSpPr>
+        <p:grpSpPr>
+          <a:xfrm>
+            <a:off x="426849" y="1323560"/>
+            <a:ext cx="8023913" cy="4255633"/>
+            <a:chOff x="360589" y="1257300"/>
+            <a:chExt cx="8023913" cy="4255633"/>
+          </a:xfrm>
+        </p:grpSpPr>
+        <p:pic>
+          <p:nvPicPr>
+            <p:cNvPr id="27" name="그림 26">
+              <a:extLst>
+                <a:ext uri="{FF2B5EF4-FFF2-40B4-BE49-F238E27FC236}">
+                  <a16:creationId xmlns:a16="http://schemas.microsoft.com/office/drawing/2014/main" id="{04187EB0-53FC-4A29-A08F-98BEE79C9705}"/>
+                </a:ext>
+              </a:extLst>
+            </p:cNvPr>
+            <p:cNvPicPr>
+              <a:picLocks noChangeAspect="1"/>
+            </p:cNvPicPr>
+            <p:nvPr/>
+          </p:nvPicPr>
+          <p:blipFill>
+            <a:blip r:embed="rId2">
+              <a:extLst>
+                <a:ext uri="{28A0092B-C50C-407E-A947-70E740481C1C}">
+                  <a14:useLocalDpi xmlns:a14="http://schemas.microsoft.com/office/drawing/2010/main" val="0"/>
+                </a:ext>
+              </a:extLst>
+            </a:blip>
+            <a:stretch>
+              <a:fillRect/>
+            </a:stretch>
+          </p:blipFill>
+          <p:spPr>
+            <a:xfrm>
+              <a:off x="360589" y="1257300"/>
+              <a:ext cx="8023913" cy="4255633"/>
+            </a:xfrm>
+            <a:prstGeom prst="rect">
+              <a:avLst/>
+            </a:prstGeom>
+          </p:spPr>
+        </p:pic>
+        <p:cxnSp>
+          <p:nvCxnSpPr>
+            <p:cNvPr id="28" name="직선 연결선 27">
+              <a:extLst>
+                <a:ext uri="{FF2B5EF4-FFF2-40B4-BE49-F238E27FC236}">
+                  <a16:creationId xmlns:a16="http://schemas.microsoft.com/office/drawing/2014/main" id="{D42B4767-742B-41F0-B7B7-98DE993D0177}"/>
+                </a:ext>
+              </a:extLst>
+            </p:cNvPr>
+            <p:cNvCxnSpPr>
+              <a:cxnSpLocks/>
+            </p:cNvCxnSpPr>
+            <p:nvPr/>
+          </p:nvCxnSpPr>
+          <p:spPr>
+            <a:xfrm flipV="1">
+              <a:off x="5210615" y="1497496"/>
+              <a:ext cx="3045489" cy="3018486"/>
+            </a:xfrm>
+            <a:prstGeom prst="line">
+              <a:avLst/>
+            </a:prstGeom>
+            <a:ln>
+              <a:solidFill>
+                <a:srgbClr val="FF0000"/>
+              </a:solidFill>
+              <a:prstDash val="dash"/>
+            </a:ln>
+          </p:spPr>
+          <p:style>
+            <a:lnRef idx="1">
+              <a:schemeClr val="accent1"/>
+            </a:lnRef>
+            <a:fillRef idx="0">
+              <a:schemeClr val="accent1"/>
+            </a:fillRef>
+            <a:effectRef idx="0">
+              <a:schemeClr val="accent1"/>
+            </a:effectRef>
+            <a:fontRef idx="minor">
+              <a:schemeClr val="tx1"/>
+            </a:fontRef>
+          </p:style>
+        </p:cxnSp>
+      </p:grpSp>
       <p:pic>
         <p:nvPicPr>
           <p:cNvPr id="13" name="그림 12">
             <a:extLst>
               <a:ext uri="{FF2B5EF4-FFF2-40B4-BE49-F238E27FC236}">
                 <a16:creationId xmlns:a16="http://schemas.microsoft.com/office/drawing/2014/main" id="{F9252C4C-D37A-42A4-875F-D779031AC925}"/>
-              </a:ext>
-            </a:extLst>
-          </p:cNvPr>
-          <p:cNvPicPr>
-            <a:picLocks noChangeAspect="1"/>
-          </p:cNvPicPr>
-          <p:nvPr/>
-        </p:nvPicPr>
-        <p:blipFill>
-          <a:blip r:embed="rId2">
-            <a:extLst>
-              <a:ext uri="{28A0092B-C50C-407E-A947-70E740481C1C}">
-                <a14:useLocalDpi xmlns:a14="http://schemas.microsoft.com/office/drawing/2010/main" val="0"/>
-              </a:ext>
-            </a:extLst>
-          </a:blip>
-          <a:stretch>
-            <a:fillRect/>
-          </a:stretch>
-        </p:blipFill>
-        <p:spPr>
-          <a:xfrm>
-            <a:off x="4374806" y="1254678"/>
-            <a:ext cx="4162768" cy="4490824"/>
-          </a:xfrm>
-          <a:prstGeom prst="rect">
-            <a:avLst/>
-          </a:prstGeom>
-        </p:spPr>
-      </p:pic>
-      <p:pic>
-        <p:nvPicPr>
-          <p:cNvPr id="19" name="그림 18">
-            <a:extLst>
-              <a:ext uri="{FF2B5EF4-FFF2-40B4-BE49-F238E27FC236}">
-                <a16:creationId xmlns:a16="http://schemas.microsoft.com/office/drawing/2014/main" id="{8780BB83-9B8D-483F-A5D3-8B950688152B}"/>
               </a:ext>
             </a:extLst>
           </p:cNvPr>
@@ -30150,6 +30219,42 @@
         </p:blipFill>
         <p:spPr>
           <a:xfrm>
+            <a:off x="4374806" y="1254678"/>
+            <a:ext cx="4162768" cy="4490824"/>
+          </a:xfrm>
+          <a:prstGeom prst="rect">
+            <a:avLst/>
+          </a:prstGeom>
+        </p:spPr>
+      </p:pic>
+      <p:pic>
+        <p:nvPicPr>
+          <p:cNvPr id="19" name="그림 18">
+            <a:extLst>
+              <a:ext uri="{FF2B5EF4-FFF2-40B4-BE49-F238E27FC236}">
+                <a16:creationId xmlns:a16="http://schemas.microsoft.com/office/drawing/2014/main" id="{8780BB83-9B8D-483F-A5D3-8B950688152B}"/>
+              </a:ext>
+            </a:extLst>
+          </p:cNvPr>
+          <p:cNvPicPr>
+            <a:picLocks noChangeAspect="1"/>
+          </p:cNvPicPr>
+          <p:nvPr/>
+        </p:nvPicPr>
+        <p:blipFill>
+          <a:blip r:embed="rId4">
+            <a:extLst>
+              <a:ext uri="{28A0092B-C50C-407E-A947-70E740481C1C}">
+                <a14:useLocalDpi xmlns:a14="http://schemas.microsoft.com/office/drawing/2010/main" val="0"/>
+              </a:ext>
+            </a:extLst>
+          </a:blip>
+          <a:stretch>
+            <a:fillRect/>
+          </a:stretch>
+        </p:blipFill>
+        <p:spPr>
+          <a:xfrm>
             <a:off x="285781" y="1254678"/>
             <a:ext cx="4089025" cy="4490824"/>
           </a:xfrm>
@@ -30211,6 +30316,108 @@
   <p:clrMapOvr>
     <a:masterClrMapping/>
   </p:clrMapOvr>
+  <p:timing>
+    <p:tnLst>
+      <p:par>
+        <p:cTn id="1" dur="indefinite" restart="never" nodeType="tmRoot">
+          <p:childTnLst>
+            <p:seq concurrent="1" nextAc="seek">
+              <p:cTn id="2" dur="indefinite" nodeType="mainSeq">
+                <p:childTnLst>
+                  <p:par>
+                    <p:cTn id="3" fill="hold">
+                      <p:stCondLst>
+                        <p:cond delay="indefinite"/>
+                      </p:stCondLst>
+                      <p:childTnLst>
+                        <p:par>
+                          <p:cTn id="4" fill="hold">
+                            <p:stCondLst>
+                              <p:cond delay="0"/>
+                            </p:stCondLst>
+                            <p:childTnLst>
+                              <p:par>
+                                <p:cTn id="5" presetID="1" presetClass="exit" presetSubtype="0" fill="hold" nodeType="clickEffect">
+                                  <p:stCondLst>
+                                    <p:cond delay="0"/>
+                                  </p:stCondLst>
+                                  <p:childTnLst>
+                                    <p:set>
+                                      <p:cBhvr>
+                                        <p:cTn id="6" dur="1" fill="hold">
+                                          <p:stCondLst>
+                                            <p:cond delay="0"/>
+                                          </p:stCondLst>
+                                        </p:cTn>
+                                        <p:tgtEl>
+                                          <p:spTgt spid="13"/>
+                                        </p:tgtEl>
+                                        <p:attrNameLst>
+                                          <p:attrName>style.visibility</p:attrName>
+                                        </p:attrNameLst>
+                                      </p:cBhvr>
+                                      <p:to>
+                                        <p:strVal val="hidden"/>
+                                      </p:to>
+                                    </p:set>
+                                  </p:childTnLst>
+                                </p:cTn>
+                              </p:par>
+                              <p:par>
+                                <p:cTn id="7" presetID="1" presetClass="exit" presetSubtype="0" fill="hold" nodeType="withEffect">
+                                  <p:stCondLst>
+                                    <p:cond delay="0"/>
+                                  </p:stCondLst>
+                                  <p:childTnLst>
+                                    <p:set>
+                                      <p:cBhvr>
+                                        <p:cTn id="8" dur="1" fill="hold">
+                                          <p:stCondLst>
+                                            <p:cond delay="0"/>
+                                          </p:stCondLst>
+                                        </p:cTn>
+                                        <p:tgtEl>
+                                          <p:spTgt spid="19"/>
+                                        </p:tgtEl>
+                                        <p:attrNameLst>
+                                          <p:attrName>style.visibility</p:attrName>
+                                        </p:attrNameLst>
+                                      </p:cBhvr>
+                                      <p:to>
+                                        <p:strVal val="hidden"/>
+                                      </p:to>
+                                    </p:set>
+                                  </p:childTnLst>
+                                </p:cTn>
+                              </p:par>
+                            </p:childTnLst>
+                          </p:cTn>
+                        </p:par>
+                      </p:childTnLst>
+                    </p:cTn>
+                  </p:par>
+                </p:childTnLst>
+              </p:cTn>
+              <p:prevCondLst>
+                <p:cond evt="onPrev" delay="0">
+                  <p:tgtEl>
+                    <p:sldTgt/>
+                  </p:tgtEl>
+                </p:cond>
+              </p:prevCondLst>
+              <p:nextCondLst>
+                <p:cond evt="onNext" delay="0">
+                  <p:tgtEl>
+                    <p:sldTgt/>
+                  </p:tgtEl>
+                </p:cond>
+              </p:nextCondLst>
+            </p:seq>
+          </p:childTnLst>
+        </p:cTn>
+      </p:par>
+    </p:tnLst>
+  </p:timing>
 </p:sld>
 </file>
 

--- a/회귀분석.pptx
+++ b/회귀분석.pptx
@@ -6162,62 +6162,53 @@
       </p:sp>
       <p:sp>
         <p:nvSpPr>
-          <p:cNvPr id="8" name="사각형: 둥근 모서리 7">
+          <p:cNvPr id="16" name="TextBox 15">
             <a:extLst>
               <a:ext uri="{FF2B5EF4-FFF2-40B4-BE49-F238E27FC236}">
-                <a16:creationId xmlns:a16="http://schemas.microsoft.com/office/drawing/2014/main" id="{7A74C74D-7F26-4059-A77C-13BD5789A2C9}"/>
+                <a16:creationId xmlns:a16="http://schemas.microsoft.com/office/drawing/2014/main" id="{D0DD4722-81FD-419A-96DE-2AF79D2D61D5}"/>
               </a:ext>
             </a:extLst>
           </p:cNvPr>
-          <p:cNvSpPr/>
+          <p:cNvSpPr txBox="1"/>
           <p:nvPr/>
         </p:nvSpPr>
         <p:spPr>
           <a:xfrm>
-            <a:off x="1988712" y="5157669"/>
-            <a:ext cx="4562213" cy="463099"/>
-          </a:xfrm>
-          <a:prstGeom prst="roundRect">
+            <a:off x="0" y="6563360"/>
+            <a:ext cx="9144000" cy="276999"/>
+          </a:xfrm>
+          <a:prstGeom prst="rect">
             <a:avLst/>
           </a:prstGeom>
           <a:noFill/>
-          <a:ln w="19050">
-            <a:solidFill>
-              <a:srgbClr val="C00000"/>
-            </a:solidFill>
-          </a:ln>
-        </p:spPr>
-        <p:style>
-          <a:lnRef idx="2">
-            <a:schemeClr val="accent1">
-              <a:shade val="50000"/>
-            </a:schemeClr>
-          </a:lnRef>
-          <a:fillRef idx="1">
-            <a:schemeClr val="accent1"/>
-          </a:fillRef>
-          <a:effectRef idx="0">
-            <a:schemeClr val="accent1"/>
-          </a:effectRef>
-          <a:fontRef idx="minor">
-            <a:schemeClr val="lt1"/>
-          </a:fontRef>
-        </p:style>
-        <p:txBody>
-          <a:bodyPr rtlCol="0" anchor="ctr"/>
+        </p:spPr>
+        <p:txBody>
+          <a:bodyPr wrap="square" rtlCol="0">
+            <a:spAutoFit/>
+          </a:bodyPr>
           <a:lstStyle/>
           <a:p>
             <a:pPr algn="ctr"/>
-            <a:endParaRPr lang="ko-KR" altLang="en-US"/>
+            <a:r>
+              <a:rPr lang="en-US" altLang="ko-KR" sz="1200" dirty="0">
+                <a:latin typeface="a옛날목욕탕B" panose="02020600000000000000" pitchFamily="18" charset="-127"/>
+                <a:ea typeface="a옛날목욕탕B" panose="02020600000000000000" pitchFamily="18" charset="-127"/>
+              </a:rPr>
+              <a:t>11 / 20</a:t>
+            </a:r>
+            <a:endParaRPr lang="ko-KR" altLang="en-US" sz="1200" dirty="0">
+              <a:latin typeface="a옛날목욕탕B" panose="02020600000000000000" pitchFamily="18" charset="-127"/>
+              <a:ea typeface="a옛날목욕탕B" panose="02020600000000000000" pitchFamily="18" charset="-127"/>
+            </a:endParaRPr>
           </a:p>
         </p:txBody>
       </p:sp>
       <p:grpSp>
         <p:nvGrpSpPr>
-          <p:cNvPr id="21" name="그룹 20">
+          <p:cNvPr id="23" name="그룹 22">
             <a:extLst>
               <a:ext uri="{FF2B5EF4-FFF2-40B4-BE49-F238E27FC236}">
-                <a16:creationId xmlns:a16="http://schemas.microsoft.com/office/drawing/2014/main" id="{D44907AF-8A0B-4CD5-8B29-412629B9CF81}"/>
+                <a16:creationId xmlns:a16="http://schemas.microsoft.com/office/drawing/2014/main" id="{E03EB508-9FD1-46FE-AF26-E33106288C6F}"/>
               </a:ext>
             </a:extLst>
           </p:cNvPr>
@@ -6226,54 +6217,119 @@
         </p:nvGrpSpPr>
         <p:grpSpPr>
           <a:xfrm>
-            <a:off x="206142" y="1229619"/>
+            <a:off x="179940" y="1229619"/>
             <a:ext cx="8356531" cy="4487933"/>
-            <a:chOff x="229214" y="1229619"/>
+            <a:chOff x="179940" y="1229619"/>
             <a:chExt cx="8356531" cy="4487933"/>
           </a:xfrm>
         </p:grpSpPr>
-        <p:pic>
-          <p:nvPicPr>
-            <p:cNvPr id="6" name="그림 5">
+        <p:grpSp>
+          <p:nvGrpSpPr>
+            <p:cNvPr id="21" name="그룹 20">
               <a:extLst>
                 <a:ext uri="{FF2B5EF4-FFF2-40B4-BE49-F238E27FC236}">
-                  <a16:creationId xmlns:a16="http://schemas.microsoft.com/office/drawing/2014/main" id="{5CA1BECD-EF52-414C-AED5-679BC4AEB4BD}"/>
+                  <a16:creationId xmlns:a16="http://schemas.microsoft.com/office/drawing/2014/main" id="{D44907AF-8A0B-4CD5-8B29-412629B9CF81}"/>
                 </a:ext>
               </a:extLst>
             </p:cNvPr>
-            <p:cNvPicPr>
-              <a:picLocks noChangeAspect="1"/>
-            </p:cNvPicPr>
+            <p:cNvGrpSpPr/>
             <p:nvPr/>
-          </p:nvPicPr>
-          <p:blipFill>
-            <a:blip r:embed="rId2">
-              <a:extLst>
-                <a:ext uri="{28A0092B-C50C-407E-A947-70E740481C1C}">
-                  <a14:useLocalDpi xmlns:a14="http://schemas.microsoft.com/office/drawing/2010/main" val="0"/>
-                </a:ext>
-              </a:extLst>
-            </a:blip>
-            <a:stretch>
-              <a:fillRect/>
-            </a:stretch>
-          </p:blipFill>
-          <p:spPr>
+          </p:nvGrpSpPr>
+          <p:grpSpPr>
             <a:xfrm>
-              <a:off x="229214" y="1229619"/>
+              <a:off x="179940" y="1229619"/>
               <a:ext cx="8356531" cy="4487933"/>
+              <a:chOff x="229214" y="1229619"/>
+              <a:chExt cx="8356531" cy="4487933"/>
             </a:xfrm>
-            <a:prstGeom prst="rect">
-              <a:avLst/>
-            </a:prstGeom>
-          </p:spPr>
-        </p:pic>
+          </p:grpSpPr>
+          <p:pic>
+            <p:nvPicPr>
+              <p:cNvPr id="6" name="그림 5">
+                <a:extLst>
+                  <a:ext uri="{FF2B5EF4-FFF2-40B4-BE49-F238E27FC236}">
+                    <a16:creationId xmlns:a16="http://schemas.microsoft.com/office/drawing/2014/main" id="{5CA1BECD-EF52-414C-AED5-679BC4AEB4BD}"/>
+                  </a:ext>
+                </a:extLst>
+              </p:cNvPr>
+              <p:cNvPicPr>
+                <a:picLocks noChangeAspect="1"/>
+              </p:cNvPicPr>
+              <p:nvPr/>
+            </p:nvPicPr>
+            <p:blipFill>
+              <a:blip r:embed="rId2">
+                <a:extLst>
+                  <a:ext uri="{28A0092B-C50C-407E-A947-70E740481C1C}">
+                    <a14:useLocalDpi xmlns:a14="http://schemas.microsoft.com/office/drawing/2010/main" val="0"/>
+                  </a:ext>
+                </a:extLst>
+              </a:blip>
+              <a:stretch>
+                <a:fillRect/>
+              </a:stretch>
+            </p:blipFill>
+            <p:spPr>
+              <a:xfrm>
+                <a:off x="229214" y="1229619"/>
+                <a:ext cx="8356531" cy="4487933"/>
+              </a:xfrm>
+              <a:prstGeom prst="rect">
+                <a:avLst/>
+              </a:prstGeom>
+            </p:spPr>
+          </p:pic>
+          <p:cxnSp>
+            <p:nvCxnSpPr>
+              <p:cNvPr id="18" name="직선 연결선 17">
+                <a:extLst>
+                  <a:ext uri="{FF2B5EF4-FFF2-40B4-BE49-F238E27FC236}">
+                    <a16:creationId xmlns:a16="http://schemas.microsoft.com/office/drawing/2014/main" id="{85DE00A6-39BC-4367-BE8D-20DD00AA453F}"/>
+                  </a:ext>
+                </a:extLst>
+              </p:cNvPr>
+              <p:cNvCxnSpPr>
+                <a:cxnSpLocks/>
+              </p:cNvCxnSpPr>
+              <p:nvPr/>
+            </p:nvCxnSpPr>
+            <p:spPr>
+              <a:xfrm flipV="1">
+                <a:off x="5221357" y="1537252"/>
+                <a:ext cx="3074504" cy="3246783"/>
+              </a:xfrm>
+              <a:prstGeom prst="line">
+                <a:avLst/>
+              </a:prstGeom>
+              <a:ln>
+                <a:solidFill>
+                  <a:srgbClr val="FF0000"/>
+                </a:solidFill>
+                <a:prstDash val="dash"/>
+              </a:ln>
+            </p:spPr>
+            <p:style>
+              <a:lnRef idx="1">
+                <a:schemeClr val="accent1"/>
+              </a:lnRef>
+              <a:fillRef idx="0">
+                <a:schemeClr val="accent1"/>
+              </a:fillRef>
+              <a:effectRef idx="0">
+                <a:schemeClr val="accent1"/>
+              </a:effectRef>
+              <a:fontRef idx="minor">
+                <a:schemeClr val="tx1"/>
+              </a:fontRef>
+            </p:style>
+          </p:cxnSp>
+        </p:grpSp>
         <p:cxnSp>
           <p:nvCxnSpPr>
-            <p:cNvPr id="18" name="직선 연결선 17">
+            <p:cNvPr id="22" name="직선 연결선 21">
               <a:extLst>
                 <a:ext uri="{FF2B5EF4-FFF2-40B4-BE49-F238E27FC236}">
-                  <a16:creationId xmlns:a16="http://schemas.microsoft.com/office/drawing/2014/main" id="{85DE00A6-39BC-4367-BE8D-20DD00AA453F}"/>
+                  <a16:creationId xmlns:a16="http://schemas.microsoft.com/office/drawing/2014/main" id="{838F5449-E193-4C4C-ABD5-D705B26A5BD6}"/>
                 </a:ext>
               </a:extLst>
             </p:cNvPr>
@@ -6283,16 +6339,16 @@
             <p:nvPr/>
           </p:nvCxnSpPr>
           <p:spPr>
-            <a:xfrm flipV="1">
-              <a:off x="5221357" y="1537252"/>
-              <a:ext cx="3074504" cy="3246783"/>
+            <a:xfrm>
+              <a:off x="847725" y="3051003"/>
+              <a:ext cx="3263912" cy="0"/>
             </a:xfrm>
             <a:prstGeom prst="line">
               <a:avLst/>
             </a:prstGeom>
-            <a:ln>
+            <a:ln w="9525">
               <a:solidFill>
-                <a:srgbClr val="FF0000"/>
+                <a:schemeClr val="tx1"/>
               </a:solidFill>
               <a:prstDash val="dash"/>
             </a:ln>
@@ -6313,49 +6369,6 @@
           </p:style>
         </p:cxnSp>
       </p:grpSp>
-      <p:sp>
-        <p:nvSpPr>
-          <p:cNvPr id="16" name="TextBox 15">
-            <a:extLst>
-              <a:ext uri="{FF2B5EF4-FFF2-40B4-BE49-F238E27FC236}">
-                <a16:creationId xmlns:a16="http://schemas.microsoft.com/office/drawing/2014/main" id="{D0DD4722-81FD-419A-96DE-2AF79D2D61D5}"/>
-              </a:ext>
-            </a:extLst>
-          </p:cNvPr>
-          <p:cNvSpPr txBox="1"/>
-          <p:nvPr/>
-        </p:nvSpPr>
-        <p:spPr>
-          <a:xfrm>
-            <a:off x="0" y="6563360"/>
-            <a:ext cx="9144000" cy="276999"/>
-          </a:xfrm>
-          <a:prstGeom prst="rect">
-            <a:avLst/>
-          </a:prstGeom>
-          <a:noFill/>
-        </p:spPr>
-        <p:txBody>
-          <a:bodyPr wrap="square" rtlCol="0">
-            <a:spAutoFit/>
-          </a:bodyPr>
-          <a:lstStyle/>
-          <a:p>
-            <a:pPr algn="ctr"/>
-            <a:r>
-              <a:rPr lang="en-US" altLang="ko-KR" sz="1200" dirty="0">
-                <a:latin typeface="a옛날목욕탕B" panose="02020600000000000000" pitchFamily="18" charset="-127"/>
-                <a:ea typeface="a옛날목욕탕B" panose="02020600000000000000" pitchFamily="18" charset="-127"/>
-              </a:rPr>
-              <a:t>11 / 20</a:t>
-            </a:r>
-            <a:endParaRPr lang="ko-KR" altLang="en-US" sz="1200" dirty="0">
-              <a:latin typeface="a옛날목욕탕B" panose="02020600000000000000" pitchFamily="18" charset="-127"/>
-              <a:ea typeface="a옛날목욕탕B" panose="02020600000000000000" pitchFamily="18" charset="-127"/>
-            </a:endParaRPr>
-          </a:p>
-        </p:txBody>
-      </p:sp>
     </p:spTree>
     <p:extLst>
       <p:ext uri="{BB962C8B-B14F-4D97-AF65-F5344CB8AC3E}">
@@ -12904,92 +12917,6 @@
           </a:p>
         </p:txBody>
       </p:sp>
-      <p:cxnSp>
-        <p:nvCxnSpPr>
-          <p:cNvPr id="22" name="직선 연결선 21">
-            <a:extLst>
-              <a:ext uri="{FF2B5EF4-FFF2-40B4-BE49-F238E27FC236}">
-                <a16:creationId xmlns:a16="http://schemas.microsoft.com/office/drawing/2014/main" id="{F957CA18-A2FF-447A-AA1C-D3C70928D112}"/>
-              </a:ext>
-            </a:extLst>
-          </p:cNvPr>
-          <p:cNvCxnSpPr>
-            <a:cxnSpLocks/>
-          </p:cNvCxnSpPr>
-          <p:nvPr/>
-        </p:nvCxnSpPr>
-        <p:spPr>
-          <a:xfrm>
-            <a:off x="1578928" y="6294968"/>
-            <a:ext cx="541418" cy="0"/>
-          </a:xfrm>
-          <a:prstGeom prst="line">
-            <a:avLst/>
-          </a:prstGeom>
-          <a:ln w="28575">
-            <a:solidFill>
-              <a:srgbClr val="C00000"/>
-            </a:solidFill>
-          </a:ln>
-        </p:spPr>
-        <p:style>
-          <a:lnRef idx="1">
-            <a:schemeClr val="accent1"/>
-          </a:lnRef>
-          <a:fillRef idx="0">
-            <a:schemeClr val="accent1"/>
-          </a:fillRef>
-          <a:effectRef idx="0">
-            <a:schemeClr val="accent1"/>
-          </a:effectRef>
-          <a:fontRef idx="minor">
-            <a:schemeClr val="tx1"/>
-          </a:fontRef>
-        </p:style>
-      </p:cxnSp>
-      <p:cxnSp>
-        <p:nvCxnSpPr>
-          <p:cNvPr id="24" name="직선 연결선 23">
-            <a:extLst>
-              <a:ext uri="{FF2B5EF4-FFF2-40B4-BE49-F238E27FC236}">
-                <a16:creationId xmlns:a16="http://schemas.microsoft.com/office/drawing/2014/main" id="{01FFCBAD-3FF5-4747-A6BB-7FB40D2DA20E}"/>
-              </a:ext>
-            </a:extLst>
-          </p:cNvPr>
-          <p:cNvCxnSpPr>
-            <a:cxnSpLocks/>
-          </p:cNvCxnSpPr>
-          <p:nvPr/>
-        </p:nvCxnSpPr>
-        <p:spPr>
-          <a:xfrm>
-            <a:off x="4633140" y="6297465"/>
-            <a:ext cx="541418" cy="0"/>
-          </a:xfrm>
-          <a:prstGeom prst="line">
-            <a:avLst/>
-          </a:prstGeom>
-          <a:ln w="28575">
-            <a:solidFill>
-              <a:srgbClr val="C00000"/>
-            </a:solidFill>
-          </a:ln>
-        </p:spPr>
-        <p:style>
-          <a:lnRef idx="1">
-            <a:schemeClr val="accent1"/>
-          </a:lnRef>
-          <a:fillRef idx="0">
-            <a:schemeClr val="accent1"/>
-          </a:fillRef>
-          <a:effectRef idx="0">
-            <a:schemeClr val="accent1"/>
-          </a:effectRef>
-          <a:fontRef idx="minor">
-            <a:schemeClr val="tx1"/>
-          </a:fontRef>
-        </p:style>
-      </p:cxnSp>
       <p:sp>
         <p:nvSpPr>
           <p:cNvPr id="26" name="TextBox 25">
@@ -13043,124 +12970,6 @@
   <p:clrMapOvr>
     <a:masterClrMapping/>
   </p:clrMapOvr>
-  <p:timing>
-    <p:tnLst>
-      <p:par>
-        <p:cTn id="1" dur="indefinite" restart="never" nodeType="tmRoot">
-          <p:childTnLst>
-            <p:seq concurrent="1" nextAc="seek">
-              <p:cTn id="2" dur="indefinite" nodeType="mainSeq">
-                <p:childTnLst>
-                  <p:par>
-                    <p:cTn id="3" fill="hold">
-                      <p:stCondLst>
-                        <p:cond delay="indefinite"/>
-                      </p:stCondLst>
-                      <p:childTnLst>
-                        <p:par>
-                          <p:cTn id="4" fill="hold">
-                            <p:stCondLst>
-                              <p:cond delay="0"/>
-                            </p:stCondLst>
-                            <p:childTnLst>
-                              <p:par>
-                                <p:cTn id="5" presetID="22" presetClass="entr" presetSubtype="8" fill="hold" nodeType="clickEffect">
-                                  <p:stCondLst>
-                                    <p:cond delay="0"/>
-                                  </p:stCondLst>
-                                  <p:childTnLst>
-                                    <p:set>
-                                      <p:cBhvr>
-                                        <p:cTn id="6" dur="1" fill="hold">
-                                          <p:stCondLst>
-                                            <p:cond delay="0"/>
-                                          </p:stCondLst>
-                                        </p:cTn>
-                                        <p:tgtEl>
-                                          <p:spTgt spid="22"/>
-                                        </p:tgtEl>
-                                        <p:attrNameLst>
-                                          <p:attrName>style.visibility</p:attrName>
-                                        </p:attrNameLst>
-                                      </p:cBhvr>
-                                      <p:to>
-                                        <p:strVal val="visible"/>
-                                      </p:to>
-                                    </p:set>
-                                    <p:animEffect transition="in" filter="wipe(left)">
-                                      <p:cBhvr>
-                                        <p:cTn id="7" dur="250"/>
-                                        <p:tgtEl>
-                                          <p:spTgt spid="22"/>
-                                        </p:tgtEl>
-                                      </p:cBhvr>
-                                    </p:animEffect>
-                                  </p:childTnLst>
-                                </p:cTn>
-                              </p:par>
-                              <p:par>
-                                <p:cTn id="8" presetID="22" presetClass="entr" presetSubtype="8" fill="hold" nodeType="withEffect">
-                                  <p:stCondLst>
-                                    <p:cond delay="0"/>
-                                  </p:stCondLst>
-                                  <p:childTnLst>
-                                    <p:set>
-                                      <p:cBhvr>
-                                        <p:cTn id="9" dur="1" fill="hold">
-                                          <p:stCondLst>
-                                            <p:cond delay="0"/>
-                                          </p:stCondLst>
-                                        </p:cTn>
-                                        <p:tgtEl>
-                                          <p:spTgt spid="24"/>
-                                        </p:tgtEl>
-                                        <p:attrNameLst>
-                                          <p:attrName>style.visibility</p:attrName>
-                                        </p:attrNameLst>
-                                      </p:cBhvr>
-                                      <p:to>
-                                        <p:strVal val="visible"/>
-                                      </p:to>
-                                    </p:set>
-                                    <p:animEffect transition="in" filter="wipe(left)">
-                                      <p:cBhvr>
-                                        <p:cTn id="10" dur="250"/>
-                                        <p:tgtEl>
-                                          <p:spTgt spid="24"/>
-                                        </p:tgtEl>
-                                      </p:cBhvr>
-                                    </p:animEffect>
-                                  </p:childTnLst>
-                                </p:cTn>
-                              </p:par>
-                            </p:childTnLst>
-                          </p:cTn>
-                        </p:par>
-                      </p:childTnLst>
-                    </p:cTn>
-                  </p:par>
-                </p:childTnLst>
-              </p:cTn>
-              <p:prevCondLst>
-                <p:cond evt="onPrev" delay="0">
-                  <p:tgtEl>
-                    <p:sldTgt/>
-                  </p:tgtEl>
-                </p:cond>
-              </p:prevCondLst>
-              <p:nextCondLst>
-                <p:cond evt="onNext" delay="0">
-                  <p:tgtEl>
-                    <p:sldTgt/>
-                  </p:tgtEl>
-                </p:cond>
-              </p:nextCondLst>
-            </p:seq>
-          </p:childTnLst>
-        </p:cTn>
-      </p:par>
-    </p:tnLst>
-  </p:timing>
 </p:sld>
 </file>
 
@@ -28649,12 +28458,166 @@
           </a:prstGeom>
         </p:spPr>
       </p:pic>
+      <p:sp>
+        <p:nvSpPr>
+          <p:cNvPr id="33" name="사각형: 둥근 모서리 32">
+            <a:extLst>
+              <a:ext uri="{FF2B5EF4-FFF2-40B4-BE49-F238E27FC236}">
+                <a16:creationId xmlns:a16="http://schemas.microsoft.com/office/drawing/2014/main" id="{89AFC661-B9D0-4E40-B900-45B844AA034D}"/>
+              </a:ext>
+            </a:extLst>
+          </p:cNvPr>
+          <p:cNvSpPr/>
+          <p:nvPr/>
+        </p:nvSpPr>
+        <p:spPr>
+          <a:xfrm>
+            <a:off x="3560032" y="4836019"/>
+            <a:ext cx="2023936" cy="357587"/>
+          </a:xfrm>
+          <a:prstGeom prst="roundRect">
+            <a:avLst/>
+          </a:prstGeom>
+          <a:noFill/>
+          <a:ln w="28575">
+            <a:solidFill>
+              <a:srgbClr val="901910"/>
+            </a:solidFill>
+          </a:ln>
+        </p:spPr>
+        <p:style>
+          <a:lnRef idx="2">
+            <a:schemeClr val="accent1">
+              <a:shade val="50000"/>
+            </a:schemeClr>
+          </a:lnRef>
+          <a:fillRef idx="1">
+            <a:schemeClr val="accent1"/>
+          </a:fillRef>
+          <a:effectRef idx="0">
+            <a:schemeClr val="accent1"/>
+          </a:effectRef>
+          <a:fontRef idx="minor">
+            <a:schemeClr val="lt1"/>
+          </a:fontRef>
+        </p:style>
+        <p:txBody>
+          <a:bodyPr rtlCol="0" anchor="ctr"/>
+          <a:lstStyle/>
+          <a:p>
+            <a:pPr algn="ctr"/>
+            <a:r>
+              <a:rPr lang="en-US" altLang="ko-KR" dirty="0">
+                <a:solidFill>
+                  <a:srgbClr val="460000"/>
+                </a:solidFill>
+                <a:latin typeface="a옛날목욕탕B" panose="02020600000000000000" pitchFamily="18" charset="-127"/>
+                <a:ea typeface="a옛날목욕탕B" panose="02020600000000000000" pitchFamily="18" charset="-127"/>
+              </a:rPr>
+              <a:t>Independency</a:t>
+            </a:r>
+            <a:endParaRPr lang="ko-KR" altLang="en-US" dirty="0">
+              <a:solidFill>
+                <a:srgbClr val="460000"/>
+              </a:solidFill>
+              <a:latin typeface="a옛날목욕탕B" panose="02020600000000000000" pitchFamily="18" charset="-127"/>
+              <a:ea typeface="a옛날목욕탕B" panose="02020600000000000000" pitchFamily="18" charset="-127"/>
+            </a:endParaRPr>
+          </a:p>
+        </p:txBody>
+      </p:sp>
+      <p:cxnSp>
+        <p:nvCxnSpPr>
+          <p:cNvPr id="34" name="직선 연결선 33">
+            <a:extLst>
+              <a:ext uri="{FF2B5EF4-FFF2-40B4-BE49-F238E27FC236}">
+                <a16:creationId xmlns:a16="http://schemas.microsoft.com/office/drawing/2014/main" id="{99E4E6F1-0709-4FC3-8C60-1E7FABA3CBAD}"/>
+              </a:ext>
+            </a:extLst>
+          </p:cNvPr>
+          <p:cNvCxnSpPr>
+            <a:cxnSpLocks/>
+          </p:cNvCxnSpPr>
+          <p:nvPr/>
+        </p:nvCxnSpPr>
+        <p:spPr>
+          <a:xfrm flipV="1">
+            <a:off x="1809750" y="5976730"/>
+            <a:ext cx="2245415" cy="2003"/>
+          </a:xfrm>
+          <a:prstGeom prst="line">
+            <a:avLst/>
+          </a:prstGeom>
+          <a:ln w="28575">
+            <a:solidFill>
+              <a:srgbClr val="C00000"/>
+            </a:solidFill>
+          </a:ln>
+        </p:spPr>
+        <p:style>
+          <a:lnRef idx="1">
+            <a:schemeClr val="accent1"/>
+          </a:lnRef>
+          <a:fillRef idx="0">
+            <a:schemeClr val="accent1"/>
+          </a:fillRef>
+          <a:effectRef idx="0">
+            <a:schemeClr val="accent1"/>
+          </a:effectRef>
+          <a:fontRef idx="minor">
+            <a:schemeClr val="tx1"/>
+          </a:fontRef>
+        </p:style>
+      </p:cxnSp>
+      <p:sp>
+        <p:nvSpPr>
+          <p:cNvPr id="24" name="TextBox 23">
+            <a:extLst>
+              <a:ext uri="{FF2B5EF4-FFF2-40B4-BE49-F238E27FC236}">
+                <a16:creationId xmlns:a16="http://schemas.microsoft.com/office/drawing/2014/main" id="{0C33A731-958F-4BDC-BC9B-C31DC90149D1}"/>
+              </a:ext>
+            </a:extLst>
+          </p:cNvPr>
+          <p:cNvSpPr txBox="1"/>
+          <p:nvPr/>
+        </p:nvSpPr>
+        <p:spPr>
+          <a:xfrm>
+            <a:off x="0" y="6563360"/>
+            <a:ext cx="9144000" cy="276999"/>
+          </a:xfrm>
+          <a:prstGeom prst="rect">
+            <a:avLst/>
+          </a:prstGeom>
+          <a:noFill/>
+        </p:spPr>
+        <p:txBody>
+          <a:bodyPr wrap="square" rtlCol="0">
+            <a:spAutoFit/>
+          </a:bodyPr>
+          <a:lstStyle/>
+          <a:p>
+            <a:pPr algn="ctr"/>
+            <a:r>
+              <a:rPr lang="en-US" altLang="ko-KR" sz="1200" dirty="0">
+                <a:latin typeface="a옛날목욕탕B" panose="02020600000000000000" pitchFamily="18" charset="-127"/>
+                <a:ea typeface="a옛날목욕탕B" panose="02020600000000000000" pitchFamily="18" charset="-127"/>
+              </a:rPr>
+              <a:t>08 / 20</a:t>
+            </a:r>
+            <a:endParaRPr lang="ko-KR" altLang="en-US" sz="1200" dirty="0">
+              <a:latin typeface="a옛날목욕탕B" panose="02020600000000000000" pitchFamily="18" charset="-127"/>
+              <a:ea typeface="a옛날목욕탕B" panose="02020600000000000000" pitchFamily="18" charset="-127"/>
+            </a:endParaRPr>
+          </a:p>
+        </p:txBody>
+      </p:sp>
       <p:grpSp>
         <p:nvGrpSpPr>
-          <p:cNvPr id="30" name="그룹 29">
+          <p:cNvPr id="9" name="그룹 8">
             <a:extLst>
               <a:ext uri="{FF2B5EF4-FFF2-40B4-BE49-F238E27FC236}">
-                <a16:creationId xmlns:a16="http://schemas.microsoft.com/office/drawing/2014/main" id="{06FAA657-133B-4503-9138-1A63A6D1B8B9}"/>
+                <a16:creationId xmlns:a16="http://schemas.microsoft.com/office/drawing/2014/main" id="{B7CA0A92-50D7-488A-A959-CDEBA0474AAA}"/>
               </a:ext>
             </a:extLst>
           </p:cNvPr>
@@ -28663,73 +28626,136 @@
         </p:nvGrpSpPr>
         <p:grpSpPr>
           <a:xfrm>
-            <a:off x="626046" y="1054630"/>
+            <a:off x="626046" y="1065525"/>
             <a:ext cx="7542093" cy="3775658"/>
-            <a:chOff x="597032" y="1060361"/>
+            <a:chOff x="-6083466" y="1333013"/>
             <a:chExt cx="7542093" cy="3775658"/>
           </a:xfrm>
         </p:grpSpPr>
-        <p:pic>
-          <p:nvPicPr>
-            <p:cNvPr id="25" name="그림 24">
+        <p:grpSp>
+          <p:nvGrpSpPr>
+            <p:cNvPr id="30" name="그룹 29">
               <a:extLst>
                 <a:ext uri="{FF2B5EF4-FFF2-40B4-BE49-F238E27FC236}">
-                  <a16:creationId xmlns:a16="http://schemas.microsoft.com/office/drawing/2014/main" id="{4785EC41-1A97-448D-92CD-73816832B413}"/>
+                  <a16:creationId xmlns:a16="http://schemas.microsoft.com/office/drawing/2014/main" id="{06FAA657-133B-4503-9138-1A63A6D1B8B9}"/>
                 </a:ext>
               </a:extLst>
             </p:cNvPr>
-            <p:cNvPicPr>
-              <a:picLocks noChangeAspect="1"/>
-            </p:cNvPicPr>
+            <p:cNvGrpSpPr/>
             <p:nvPr/>
-          </p:nvPicPr>
-          <p:blipFill>
-            <a:blip r:embed="rId4">
-              <a:extLst>
-                <a:ext uri="{28A0092B-C50C-407E-A947-70E740481C1C}">
-                  <a14:useLocalDpi xmlns:a14="http://schemas.microsoft.com/office/drawing/2010/main" val="0"/>
-                </a:ext>
-              </a:extLst>
-            </a:blip>
-            <a:stretch>
-              <a:fillRect/>
-            </a:stretch>
-          </p:blipFill>
-          <p:spPr>
+          </p:nvGrpSpPr>
+          <p:grpSpPr>
             <a:xfrm>
-              <a:off x="597032" y="1060361"/>
+              <a:off x="-6083466" y="1333013"/>
               <a:ext cx="7542093" cy="3775658"/>
+              <a:chOff x="597032" y="1060361"/>
+              <a:chExt cx="7542093" cy="3775658"/>
             </a:xfrm>
-            <a:prstGeom prst="rect">
-              <a:avLst/>
-            </a:prstGeom>
-          </p:spPr>
-        </p:pic>
+          </p:grpSpPr>
+          <p:pic>
+            <p:nvPicPr>
+              <p:cNvPr id="25" name="그림 24">
+                <a:extLst>
+                  <a:ext uri="{FF2B5EF4-FFF2-40B4-BE49-F238E27FC236}">
+                    <a16:creationId xmlns:a16="http://schemas.microsoft.com/office/drawing/2014/main" id="{4785EC41-1A97-448D-92CD-73816832B413}"/>
+                  </a:ext>
+                </a:extLst>
+              </p:cNvPr>
+              <p:cNvPicPr>
+                <a:picLocks noChangeAspect="1"/>
+              </p:cNvPicPr>
+              <p:nvPr/>
+            </p:nvPicPr>
+            <p:blipFill>
+              <a:blip r:embed="rId4">
+                <a:extLst>
+                  <a:ext uri="{28A0092B-C50C-407E-A947-70E740481C1C}">
+                    <a14:useLocalDpi xmlns:a14="http://schemas.microsoft.com/office/drawing/2010/main" val="0"/>
+                  </a:ext>
+                </a:extLst>
+              </a:blip>
+              <a:stretch>
+                <a:fillRect/>
+              </a:stretch>
+            </p:blipFill>
+            <p:spPr>
+              <a:xfrm>
+                <a:off x="597032" y="1060361"/>
+                <a:ext cx="7542093" cy="3775658"/>
+              </a:xfrm>
+              <a:prstGeom prst="rect">
+                <a:avLst/>
+              </a:prstGeom>
+            </p:spPr>
+          </p:pic>
+          <p:cxnSp>
+            <p:nvCxnSpPr>
+              <p:cNvPr id="28" name="직선 연결선 27">
+                <a:extLst>
+                  <a:ext uri="{FF2B5EF4-FFF2-40B4-BE49-F238E27FC236}">
+                    <a16:creationId xmlns:a16="http://schemas.microsoft.com/office/drawing/2014/main" id="{501D6225-24C4-451E-87F1-7679A824F13D}"/>
+                  </a:ext>
+                </a:extLst>
+              </p:cNvPr>
+              <p:cNvCxnSpPr>
+                <a:cxnSpLocks/>
+              </p:cNvCxnSpPr>
+              <p:nvPr/>
+            </p:nvCxnSpPr>
+            <p:spPr>
+              <a:xfrm flipV="1">
+                <a:off x="5088835" y="1378226"/>
+                <a:ext cx="2929544" cy="2478158"/>
+              </a:xfrm>
+              <a:prstGeom prst="line">
+                <a:avLst/>
+              </a:prstGeom>
+              <a:ln>
+                <a:solidFill>
+                  <a:srgbClr val="FF0000"/>
+                </a:solidFill>
+                <a:prstDash val="dash"/>
+              </a:ln>
+            </p:spPr>
+            <p:style>
+              <a:lnRef idx="1">
+                <a:schemeClr val="accent1"/>
+              </a:lnRef>
+              <a:fillRef idx="0">
+                <a:schemeClr val="accent1"/>
+              </a:fillRef>
+              <a:effectRef idx="0">
+                <a:schemeClr val="accent1"/>
+              </a:effectRef>
+              <a:fontRef idx="minor">
+                <a:schemeClr val="tx1"/>
+              </a:fontRef>
+            </p:style>
+          </p:cxnSp>
+        </p:grpSp>
         <p:cxnSp>
           <p:nvCxnSpPr>
-            <p:cNvPr id="28" name="직선 연결선 27">
+            <p:cNvPr id="8" name="직선 연결선 7">
               <a:extLst>
                 <a:ext uri="{FF2B5EF4-FFF2-40B4-BE49-F238E27FC236}">
-                  <a16:creationId xmlns:a16="http://schemas.microsoft.com/office/drawing/2014/main" id="{501D6225-24C4-451E-87F1-7679A824F13D}"/>
+                  <a16:creationId xmlns:a16="http://schemas.microsoft.com/office/drawing/2014/main" id="{DF26825C-BF1E-4710-8F56-8C8AD9724326}"/>
                 </a:ext>
               </a:extLst>
             </p:cNvPr>
-            <p:cNvCxnSpPr>
-              <a:cxnSpLocks/>
-            </p:cNvCxnSpPr>
+            <p:cNvCxnSpPr/>
             <p:nvPr/>
           </p:nvCxnSpPr>
           <p:spPr>
-            <a:xfrm flipV="1">
-              <a:off x="5088835" y="1378226"/>
-              <a:ext cx="2929544" cy="2478158"/>
+            <a:xfrm>
+              <a:off x="-5500048" y="2794616"/>
+              <a:ext cx="2968848" cy="0"/>
             </a:xfrm>
             <a:prstGeom prst="line">
               <a:avLst/>
             </a:prstGeom>
-            <a:ln>
+            <a:ln w="9525">
               <a:solidFill>
-                <a:srgbClr val="FF0000"/>
+                <a:schemeClr val="tx1"/>
               </a:solidFill>
               <a:prstDash val="dash"/>
             </a:ln>
@@ -28752,10 +28778,10 @@
       </p:grpSp>
       <p:sp>
         <p:nvSpPr>
-          <p:cNvPr id="33" name="사각형: 둥근 모서리 32">
+          <p:cNvPr id="32" name="사각형: 둥근 모서리 31">
             <a:extLst>
               <a:ext uri="{FF2B5EF4-FFF2-40B4-BE49-F238E27FC236}">
-                <a16:creationId xmlns:a16="http://schemas.microsoft.com/office/drawing/2014/main" id="{89AFC661-B9D0-4E40-B900-45B844AA034D}"/>
+                <a16:creationId xmlns:a16="http://schemas.microsoft.com/office/drawing/2014/main" id="{50F03F21-7E8B-4662-B5DD-0B2E059F5528}"/>
               </a:ext>
             </a:extLst>
           </p:cNvPr>
@@ -28764,8 +28790,8 @@
         </p:nvSpPr>
         <p:spPr>
           <a:xfrm>
-            <a:off x="3560032" y="4836019"/>
-            <a:ext cx="2023936" cy="357587"/>
+            <a:off x="1327593" y="701557"/>
+            <a:ext cx="2666716" cy="357587"/>
           </a:xfrm>
           <a:prstGeom prst="roundRect">
             <a:avLst/>
@@ -28806,7 +28832,7 @@
                 <a:latin typeface="a옛날목욕탕B" panose="02020600000000000000" pitchFamily="18" charset="-127"/>
                 <a:ea typeface="a옛날목욕탕B" panose="02020600000000000000" pitchFamily="18" charset="-127"/>
               </a:rPr>
-              <a:t>Independency</a:t>
+              <a:t>Heteroscedasticity</a:t>
             </a:r>
             <a:endParaRPr lang="ko-KR" altLang="en-US" dirty="0">
               <a:solidFill>
@@ -28818,55 +28844,12 @@
           </a:p>
         </p:txBody>
       </p:sp>
-      <p:cxnSp>
-        <p:nvCxnSpPr>
-          <p:cNvPr id="34" name="직선 연결선 33">
+      <p:sp>
+        <p:nvSpPr>
+          <p:cNvPr id="26" name="사각형: 둥근 모서리 25">
             <a:extLst>
               <a:ext uri="{FF2B5EF4-FFF2-40B4-BE49-F238E27FC236}">
-                <a16:creationId xmlns:a16="http://schemas.microsoft.com/office/drawing/2014/main" id="{99E4E6F1-0709-4FC3-8C60-1E7FABA3CBAD}"/>
-              </a:ext>
-            </a:extLst>
-          </p:cNvPr>
-          <p:cNvCxnSpPr>
-            <a:cxnSpLocks/>
-          </p:cNvCxnSpPr>
-          <p:nvPr/>
-        </p:nvCxnSpPr>
-        <p:spPr>
-          <a:xfrm flipV="1">
-            <a:off x="1809750" y="5976730"/>
-            <a:ext cx="2245415" cy="2003"/>
-          </a:xfrm>
-          <a:prstGeom prst="line">
-            <a:avLst/>
-          </a:prstGeom>
-          <a:ln w="28575">
-            <a:solidFill>
-              <a:srgbClr val="C00000"/>
-            </a:solidFill>
-          </a:ln>
-        </p:spPr>
-        <p:style>
-          <a:lnRef idx="1">
-            <a:schemeClr val="accent1"/>
-          </a:lnRef>
-          <a:fillRef idx="0">
-            <a:schemeClr val="accent1"/>
-          </a:fillRef>
-          <a:effectRef idx="0">
-            <a:schemeClr val="accent1"/>
-          </a:effectRef>
-          <a:fontRef idx="minor">
-            <a:schemeClr val="tx1"/>
-          </a:fontRef>
-        </p:style>
-      </p:cxnSp>
-      <p:sp>
-        <p:nvSpPr>
-          <p:cNvPr id="32" name="사각형: 둥근 모서리 31">
-            <a:extLst>
-              <a:ext uri="{FF2B5EF4-FFF2-40B4-BE49-F238E27FC236}">
-                <a16:creationId xmlns:a16="http://schemas.microsoft.com/office/drawing/2014/main" id="{50F03F21-7E8B-4662-B5DD-0B2E059F5528}"/>
+                <a16:creationId xmlns:a16="http://schemas.microsoft.com/office/drawing/2014/main" id="{5745A8B0-DB73-4F2A-AD19-10CE505C5CAF}"/>
               </a:ext>
             </a:extLst>
           </p:cNvPr>
@@ -28875,8 +28858,8 @@
         </p:nvSpPr>
         <p:spPr>
           <a:xfrm>
-            <a:off x="1327593" y="701557"/>
-            <a:ext cx="2666716" cy="357587"/>
+            <a:off x="5847954" y="701558"/>
+            <a:ext cx="1487606" cy="357587"/>
           </a:xfrm>
           <a:prstGeom prst="roundRect">
             <a:avLst/>
@@ -28917,123 +28900,12 @@
                 <a:latin typeface="a옛날목욕탕B" panose="02020600000000000000" pitchFamily="18" charset="-127"/>
                 <a:ea typeface="a옛날목욕탕B" panose="02020600000000000000" pitchFamily="18" charset="-127"/>
               </a:rPr>
-              <a:t>Heteroscedasticity</a:t>
+              <a:t>Normality</a:t>
             </a:r>
             <a:endParaRPr lang="ko-KR" altLang="en-US" dirty="0">
               <a:solidFill>
                 <a:srgbClr val="460000"/>
               </a:solidFill>
-              <a:latin typeface="a옛날목욕탕B" panose="02020600000000000000" pitchFamily="18" charset="-127"/>
-              <a:ea typeface="a옛날목욕탕B" panose="02020600000000000000" pitchFamily="18" charset="-127"/>
-            </a:endParaRPr>
-          </a:p>
-        </p:txBody>
-      </p:sp>
-      <p:sp>
-        <p:nvSpPr>
-          <p:cNvPr id="26" name="사각형: 둥근 모서리 25">
-            <a:extLst>
-              <a:ext uri="{FF2B5EF4-FFF2-40B4-BE49-F238E27FC236}">
-                <a16:creationId xmlns:a16="http://schemas.microsoft.com/office/drawing/2014/main" id="{5745A8B0-DB73-4F2A-AD19-10CE505C5CAF}"/>
-              </a:ext>
-            </a:extLst>
-          </p:cNvPr>
-          <p:cNvSpPr/>
-          <p:nvPr/>
-        </p:nvSpPr>
-        <p:spPr>
-          <a:xfrm>
-            <a:off x="5847954" y="701558"/>
-            <a:ext cx="1487606" cy="357587"/>
-          </a:xfrm>
-          <a:prstGeom prst="roundRect">
-            <a:avLst/>
-          </a:prstGeom>
-          <a:noFill/>
-          <a:ln w="28575">
-            <a:solidFill>
-              <a:srgbClr val="901910"/>
-            </a:solidFill>
-          </a:ln>
-        </p:spPr>
-        <p:style>
-          <a:lnRef idx="2">
-            <a:schemeClr val="accent1">
-              <a:shade val="50000"/>
-            </a:schemeClr>
-          </a:lnRef>
-          <a:fillRef idx="1">
-            <a:schemeClr val="accent1"/>
-          </a:fillRef>
-          <a:effectRef idx="0">
-            <a:schemeClr val="accent1"/>
-          </a:effectRef>
-          <a:fontRef idx="minor">
-            <a:schemeClr val="lt1"/>
-          </a:fontRef>
-        </p:style>
-        <p:txBody>
-          <a:bodyPr rtlCol="0" anchor="ctr"/>
-          <a:lstStyle/>
-          <a:p>
-            <a:pPr algn="ctr"/>
-            <a:r>
-              <a:rPr lang="en-US" altLang="ko-KR" dirty="0">
-                <a:solidFill>
-                  <a:srgbClr val="460000"/>
-                </a:solidFill>
-                <a:latin typeface="a옛날목욕탕B" panose="02020600000000000000" pitchFamily="18" charset="-127"/>
-                <a:ea typeface="a옛날목욕탕B" panose="02020600000000000000" pitchFamily="18" charset="-127"/>
-              </a:rPr>
-              <a:t>Normality</a:t>
-            </a:r>
-            <a:endParaRPr lang="ko-KR" altLang="en-US" dirty="0">
-              <a:solidFill>
-                <a:srgbClr val="460000"/>
-              </a:solidFill>
-              <a:latin typeface="a옛날목욕탕B" panose="02020600000000000000" pitchFamily="18" charset="-127"/>
-              <a:ea typeface="a옛날목욕탕B" panose="02020600000000000000" pitchFamily="18" charset="-127"/>
-            </a:endParaRPr>
-          </a:p>
-        </p:txBody>
-      </p:sp>
-      <p:sp>
-        <p:nvSpPr>
-          <p:cNvPr id="24" name="TextBox 23">
-            <a:extLst>
-              <a:ext uri="{FF2B5EF4-FFF2-40B4-BE49-F238E27FC236}">
-                <a16:creationId xmlns:a16="http://schemas.microsoft.com/office/drawing/2014/main" id="{0C33A731-958F-4BDC-BC9B-C31DC90149D1}"/>
-              </a:ext>
-            </a:extLst>
-          </p:cNvPr>
-          <p:cNvSpPr txBox="1"/>
-          <p:nvPr/>
-        </p:nvSpPr>
-        <p:spPr>
-          <a:xfrm>
-            <a:off x="0" y="6563360"/>
-            <a:ext cx="9144000" cy="276999"/>
-          </a:xfrm>
-          <a:prstGeom prst="rect">
-            <a:avLst/>
-          </a:prstGeom>
-          <a:noFill/>
-        </p:spPr>
-        <p:txBody>
-          <a:bodyPr wrap="square" rtlCol="0">
-            <a:spAutoFit/>
-          </a:bodyPr>
-          <a:lstStyle/>
-          <a:p>
-            <a:pPr algn="ctr"/>
-            <a:r>
-              <a:rPr lang="en-US" altLang="ko-KR" sz="1200" dirty="0">
-                <a:latin typeface="a옛날목욕탕B" panose="02020600000000000000" pitchFamily="18" charset="-127"/>
-                <a:ea typeface="a옛날목욕탕B" panose="02020600000000000000" pitchFamily="18" charset="-127"/>
-              </a:rPr>
-              <a:t>08 / 20</a:t>
-            </a:r>
-            <a:endParaRPr lang="ko-KR" altLang="en-US" sz="1200" dirty="0">
               <a:latin typeface="a옛날목욕탕B" panose="02020600000000000000" pitchFamily="18" charset="-127"/>
               <a:ea typeface="a옛날목욕탕B" panose="02020600000000000000" pitchFamily="18" charset="-127"/>
             </a:endParaRPr>
@@ -29117,46 +28989,24 @@
                                   </p:childTnLst>
                                 </p:cTn>
                               </p:par>
-                              <p:par>
-                                <p:cTn id="9" presetID="42" presetClass="path" presetSubtype="0" accel="50000" decel="50000" fill="hold" nodeType="withEffect">
-                                  <p:stCondLst>
-                                    <p:cond delay="0"/>
-                                  </p:stCondLst>
-                                  <p:childTnLst>
-                                    <p:animMotion origin="layout" path="M 8.33333E-7 4.81481E-6 L 0.00139 0.06458 " pathEditMode="relative" rAng="0" ptsTypes="AA">
-                                      <p:cBhvr>
-                                        <p:cTn id="10" dur="10" fill="hold"/>
-                                        <p:tgtEl>
-                                          <p:spTgt spid="30"/>
-                                        </p:tgtEl>
-                                        <p:attrNameLst>
-                                          <p:attrName>ppt_x</p:attrName>
-                                          <p:attrName>ppt_y</p:attrName>
-                                        </p:attrNameLst>
-                                      </p:cBhvr>
-                                      <p:rCtr x="69" y="3218"/>
-                                    </p:animMotion>
-                                  </p:childTnLst>
-                                </p:cTn>
-                              </p:par>
                             </p:childTnLst>
                           </p:cTn>
                         </p:par>
                         <p:par>
-                          <p:cTn id="11" fill="hold">
+                          <p:cTn id="9" fill="hold">
                             <p:stCondLst>
                               <p:cond delay="10"/>
                             </p:stCondLst>
                             <p:childTnLst>
                               <p:par>
-                                <p:cTn id="12" presetID="1" presetClass="entr" presetSubtype="0" fill="hold" grpId="2" nodeType="afterEffect">
+                                <p:cTn id="10" presetID="1" presetClass="entr" presetSubtype="0" fill="hold" grpId="2" nodeType="afterEffect">
                                   <p:stCondLst>
                                     <p:cond delay="0"/>
                                   </p:stCondLst>
                                   <p:childTnLst>
                                     <p:set>
                                       <p:cBhvr>
-                                        <p:cTn id="13" dur="1" fill="hold">
+                                        <p:cTn id="11" dur="1" fill="hold">
                                           <p:stCondLst>
                                             <p:cond delay="0"/>
                                           </p:stCondLst>
@@ -29179,20 +29029,20 @@
                           </p:cTn>
                         </p:par>
                         <p:par>
-                          <p:cTn id="14" fill="hold">
+                          <p:cTn id="12" fill="hold">
                             <p:stCondLst>
                               <p:cond delay="10"/>
                             </p:stCondLst>
                             <p:childTnLst>
                               <p:par>
-                                <p:cTn id="15" presetID="1" presetClass="entr" presetSubtype="0" fill="hold" grpId="2" nodeType="afterEffect">
+                                <p:cTn id="13" presetID="1" presetClass="entr" presetSubtype="0" fill="hold" grpId="2" nodeType="afterEffect">
                                   <p:stCondLst>
                                     <p:cond delay="0"/>
                                   </p:stCondLst>
                                   <p:childTnLst>
                                     <p:set>
                                       <p:cBhvr>
-                                        <p:cTn id="16" dur="1" fill="hold">
+                                        <p:cTn id="14" dur="1" fill="hold">
                                           <p:stCondLst>
                                             <p:cond delay="0"/>
                                           </p:stCondLst>
@@ -29214,66 +29064,30 @@
                             </p:childTnLst>
                           </p:cTn>
                         </p:par>
+                      </p:childTnLst>
+                    </p:cTn>
+                  </p:par>
+                  <p:par>
+                    <p:cTn id="15" fill="hold">
+                      <p:stCondLst>
+                        <p:cond delay="indefinite"/>
+                      </p:stCondLst>
+                      <p:childTnLst>
                         <p:par>
-                          <p:cTn id="17" fill="hold">
+                          <p:cTn id="16" fill="hold">
                             <p:stCondLst>
-                              <p:cond delay="10"/>
+                              <p:cond delay="0"/>
                             </p:stCondLst>
                             <p:childTnLst>
                               <p:par>
-                                <p:cTn id="18" presetID="1" presetClass="entr" presetSubtype="0" fill="hold" nodeType="afterEffect">
+                                <p:cTn id="17" presetID="1" presetClass="exit" presetSubtype="0" fill="hold" grpId="0" nodeType="clickEffect">
                                   <p:stCondLst>
                                     <p:cond delay="0"/>
                                   </p:stCondLst>
                                   <p:childTnLst>
                                     <p:set>
                                       <p:cBhvr>
-                                        <p:cTn id="19" dur="1" fill="hold">
-                                          <p:stCondLst>
-                                            <p:cond delay="0"/>
-                                          </p:stCondLst>
-                                        </p:cTn>
-                                        <p:tgtEl>
-                                          <p:spTgt spid="30"/>
-                                        </p:tgtEl>
-                                        <p:attrNameLst>
-                                          <p:attrName>style.visibility</p:attrName>
-                                        </p:attrNameLst>
-                                      </p:cBhvr>
-                                      <p:to>
-                                        <p:strVal val="visible"/>
-                                      </p:to>
-                                    </p:set>
-                                  </p:childTnLst>
-                                </p:cTn>
-                              </p:par>
-                            </p:childTnLst>
-                          </p:cTn>
-                        </p:par>
-                      </p:childTnLst>
-                    </p:cTn>
-                  </p:par>
-                  <p:par>
-                    <p:cTn id="20" fill="hold">
-                      <p:stCondLst>
-                        <p:cond delay="indefinite"/>
-                      </p:stCondLst>
-                      <p:childTnLst>
-                        <p:par>
-                          <p:cTn id="21" fill="hold">
-                            <p:stCondLst>
-                              <p:cond delay="0"/>
-                            </p:stCondLst>
-                            <p:childTnLst>
-                              <p:par>
-                                <p:cTn id="22" presetID="1" presetClass="exit" presetSubtype="0" fill="hold" grpId="0" nodeType="clickEffect">
-                                  <p:stCondLst>
-                                    <p:cond delay="0"/>
-                                  </p:stCondLst>
-                                  <p:childTnLst>
-                                    <p:set>
-                                      <p:cBhvr>
-                                        <p:cTn id="23" dur="1" fill="hold">
+                                        <p:cTn id="18" dur="1" fill="hold">
                                           <p:stCondLst>
                                             <p:cond delay="0"/>
                                           </p:stCondLst>
@@ -29293,14 +29107,14 @@
                                 </p:cTn>
                               </p:par>
                               <p:par>
-                                <p:cTn id="24" presetID="1" presetClass="exit" presetSubtype="0" fill="hold" grpId="0" nodeType="withEffect">
+                                <p:cTn id="19" presetID="1" presetClass="exit" presetSubtype="0" fill="hold" grpId="0" nodeType="withEffect">
                                   <p:stCondLst>
                                     <p:cond delay="0"/>
                                   </p:stCondLst>
                                   <p:childTnLst>
                                     <p:set>
                                       <p:cBhvr>
-                                        <p:cTn id="25" dur="1" fill="hold">
+                                        <p:cTn id="20" dur="1" fill="hold">
                                           <p:stCondLst>
                                             <p:cond delay="0"/>
                                           </p:stCondLst>
@@ -29319,51 +29133,24 @@
                                   </p:childTnLst>
                                 </p:cTn>
                               </p:par>
+                            </p:childTnLst>
+                          </p:cTn>
+                        </p:par>
+                        <p:par>
+                          <p:cTn id="21" fill="hold">
+                            <p:stCondLst>
+                              <p:cond delay="0"/>
+                            </p:stCondLst>
+                            <p:childTnLst>
                               <p:par>
-                                <p:cTn id="26" presetID="1" presetClass="exit" presetSubtype="0" fill="hold" nodeType="withEffect">
+                                <p:cTn id="22" presetID="10" presetClass="entr" presetSubtype="0" fill="hold" nodeType="afterEffect">
                                   <p:stCondLst>
                                     <p:cond delay="0"/>
                                   </p:stCondLst>
                                   <p:childTnLst>
                                     <p:set>
                                       <p:cBhvr>
-                                        <p:cTn id="27" dur="1" fill="hold">
-                                          <p:stCondLst>
-                                            <p:cond delay="0"/>
-                                          </p:stCondLst>
-                                        </p:cTn>
-                                        <p:tgtEl>
-                                          <p:spTgt spid="30"/>
-                                        </p:tgtEl>
-                                        <p:attrNameLst>
-                                          <p:attrName>style.visibility</p:attrName>
-                                        </p:attrNameLst>
-                                      </p:cBhvr>
-                                      <p:to>
-                                        <p:strVal val="hidden"/>
-                                      </p:to>
-                                    </p:set>
-                                  </p:childTnLst>
-                                </p:cTn>
-                              </p:par>
-                            </p:childTnLst>
-                          </p:cTn>
-                        </p:par>
-                        <p:par>
-                          <p:cTn id="28" fill="hold">
-                            <p:stCondLst>
-                              <p:cond delay="0"/>
-                            </p:stCondLst>
-                            <p:childTnLst>
-                              <p:par>
-                                <p:cTn id="29" presetID="10" presetClass="entr" presetSubtype="0" fill="hold" nodeType="afterEffect">
-                                  <p:stCondLst>
-                                    <p:cond delay="0"/>
-                                  </p:stCondLst>
-                                  <p:childTnLst>
-                                    <p:set>
-                                      <p:cBhvr>
-                                        <p:cTn id="30" dur="1" fill="hold">
+                                        <p:cTn id="23" dur="1" fill="hold">
                                           <p:stCondLst>
                                             <p:cond delay="0"/>
                                           </p:stCondLst>
@@ -29381,7 +29168,7 @@
                                     </p:set>
                                     <p:animEffect transition="in" filter="fade">
                                       <p:cBhvr>
-                                        <p:cTn id="31" dur="250"/>
+                                        <p:cTn id="24" dur="250"/>
                                         <p:tgtEl>
                                           <p:spTgt spid="34"/>
                                         </p:tgtEl>
@@ -29391,14 +29178,14 @@
                                 </p:cTn>
                               </p:par>
                               <p:par>
-                                <p:cTn id="32" presetID="10" presetClass="entr" presetSubtype="0" fill="hold" nodeType="withEffect">
+                                <p:cTn id="25" presetID="10" presetClass="entr" presetSubtype="0" fill="hold" nodeType="withEffect">
                                   <p:stCondLst>
                                     <p:cond delay="0"/>
                                   </p:stCondLst>
                                   <p:childTnLst>
                                     <p:set>
                                       <p:cBhvr>
-                                        <p:cTn id="33" dur="1" fill="hold">
+                                        <p:cTn id="26" dur="1" fill="hold">
                                           <p:stCondLst>
                                             <p:cond delay="0"/>
                                           </p:stCondLst>
@@ -29416,7 +29203,7 @@
                                     </p:set>
                                     <p:animEffect transition="in" filter="fade">
                                       <p:cBhvr>
-                                        <p:cTn id="34" dur="250"/>
+                                        <p:cTn id="27" dur="250"/>
                                         <p:tgtEl>
                                           <p:spTgt spid="19"/>
                                         </p:tgtEl>
@@ -29426,14 +29213,14 @@
                                 </p:cTn>
                               </p:par>
                               <p:par>
-                                <p:cTn id="35" presetID="1" presetClass="entr" presetSubtype="0" fill="hold" grpId="0" nodeType="withEffect">
+                                <p:cTn id="28" presetID="1" presetClass="entr" presetSubtype="0" fill="hold" grpId="0" nodeType="withEffect">
                                   <p:stCondLst>
                                     <p:cond delay="0"/>
                                   </p:stCondLst>
                                   <p:childTnLst>
                                     <p:set>
                                       <p:cBhvr>
-                                        <p:cTn id="36" dur="1" fill="hold">
+                                        <p:cTn id="29" dur="1" fill="hold">
                                           <p:stCondLst>
                                             <p:cond delay="0"/>
                                           </p:stCondLst>
@@ -29453,14 +29240,14 @@
                                 </p:cTn>
                               </p:par>
                               <p:par>
-                                <p:cTn id="37" presetID="1" presetClass="entr" presetSubtype="0" fill="hold" nodeType="withEffect">
+                                <p:cTn id="30" presetID="1" presetClass="entr" presetSubtype="0" fill="hold" nodeType="withEffect">
                                   <p:stCondLst>
                                     <p:cond delay="0"/>
                                   </p:stCondLst>
                                   <p:childTnLst>
                                     <p:set>
                                       <p:cBhvr>
-                                        <p:cTn id="38" dur="1" fill="hold">
+                                        <p:cTn id="31" dur="1" fill="hold">
                                           <p:stCondLst>
                                             <p:cond delay="0"/>
                                           </p:stCondLst>
@@ -30092,10 +29879,10 @@
       </p:sp>
       <p:grpSp>
         <p:nvGrpSpPr>
-          <p:cNvPr id="26" name="그룹 25">
+          <p:cNvPr id="3" name="그룹 2">
             <a:extLst>
               <a:ext uri="{FF2B5EF4-FFF2-40B4-BE49-F238E27FC236}">
-                <a16:creationId xmlns:a16="http://schemas.microsoft.com/office/drawing/2014/main" id="{96953657-923E-4A59-A016-DB36C85F9C4B}"/>
+                <a16:creationId xmlns:a16="http://schemas.microsoft.com/office/drawing/2014/main" id="{A801FCA4-8190-4700-9A0E-BC782E3AD540}"/>
               </a:ext>
             </a:extLst>
           </p:cNvPr>
@@ -30106,52 +29893,117 @@
           <a:xfrm>
             <a:off x="426849" y="1323560"/>
             <a:ext cx="8023913" cy="4255633"/>
-            <a:chOff x="360589" y="1257300"/>
+            <a:chOff x="426849" y="1323560"/>
             <a:chExt cx="8023913" cy="4255633"/>
           </a:xfrm>
         </p:grpSpPr>
-        <p:pic>
-          <p:nvPicPr>
-            <p:cNvPr id="27" name="그림 26">
+        <p:grpSp>
+          <p:nvGrpSpPr>
+            <p:cNvPr id="26" name="그룹 25">
               <a:extLst>
                 <a:ext uri="{FF2B5EF4-FFF2-40B4-BE49-F238E27FC236}">
-                  <a16:creationId xmlns:a16="http://schemas.microsoft.com/office/drawing/2014/main" id="{04187EB0-53FC-4A29-A08F-98BEE79C9705}"/>
+                  <a16:creationId xmlns:a16="http://schemas.microsoft.com/office/drawing/2014/main" id="{96953657-923E-4A59-A016-DB36C85F9C4B}"/>
                 </a:ext>
               </a:extLst>
             </p:cNvPr>
-            <p:cNvPicPr>
-              <a:picLocks noChangeAspect="1"/>
-            </p:cNvPicPr>
+            <p:cNvGrpSpPr/>
             <p:nvPr/>
-          </p:nvPicPr>
-          <p:blipFill>
-            <a:blip r:embed="rId2">
-              <a:extLst>
-                <a:ext uri="{28A0092B-C50C-407E-A947-70E740481C1C}">
-                  <a14:useLocalDpi xmlns:a14="http://schemas.microsoft.com/office/drawing/2010/main" val="0"/>
-                </a:ext>
-              </a:extLst>
-            </a:blip>
-            <a:stretch>
-              <a:fillRect/>
-            </a:stretch>
-          </p:blipFill>
-          <p:spPr>
+          </p:nvGrpSpPr>
+          <p:grpSpPr>
             <a:xfrm>
-              <a:off x="360589" y="1257300"/>
+              <a:off x="426849" y="1323560"/>
               <a:ext cx="8023913" cy="4255633"/>
+              <a:chOff x="360589" y="1257300"/>
+              <a:chExt cx="8023913" cy="4255633"/>
             </a:xfrm>
-            <a:prstGeom prst="rect">
-              <a:avLst/>
-            </a:prstGeom>
-          </p:spPr>
-        </p:pic>
+          </p:grpSpPr>
+          <p:pic>
+            <p:nvPicPr>
+              <p:cNvPr id="27" name="그림 26">
+                <a:extLst>
+                  <a:ext uri="{FF2B5EF4-FFF2-40B4-BE49-F238E27FC236}">
+                    <a16:creationId xmlns:a16="http://schemas.microsoft.com/office/drawing/2014/main" id="{04187EB0-53FC-4A29-A08F-98BEE79C9705}"/>
+                  </a:ext>
+                </a:extLst>
+              </p:cNvPr>
+              <p:cNvPicPr>
+                <a:picLocks noChangeAspect="1"/>
+              </p:cNvPicPr>
+              <p:nvPr/>
+            </p:nvPicPr>
+            <p:blipFill>
+              <a:blip r:embed="rId2">
+                <a:extLst>
+                  <a:ext uri="{28A0092B-C50C-407E-A947-70E740481C1C}">
+                    <a14:useLocalDpi xmlns:a14="http://schemas.microsoft.com/office/drawing/2010/main" val="0"/>
+                  </a:ext>
+                </a:extLst>
+              </a:blip>
+              <a:stretch>
+                <a:fillRect/>
+              </a:stretch>
+            </p:blipFill>
+            <p:spPr>
+              <a:xfrm>
+                <a:off x="360589" y="1257300"/>
+                <a:ext cx="8023913" cy="4255633"/>
+              </a:xfrm>
+              <a:prstGeom prst="rect">
+                <a:avLst/>
+              </a:prstGeom>
+            </p:spPr>
+          </p:pic>
+          <p:cxnSp>
+            <p:nvCxnSpPr>
+              <p:cNvPr id="28" name="직선 연결선 27">
+                <a:extLst>
+                  <a:ext uri="{FF2B5EF4-FFF2-40B4-BE49-F238E27FC236}">
+                    <a16:creationId xmlns:a16="http://schemas.microsoft.com/office/drawing/2014/main" id="{D42B4767-742B-41F0-B7B7-98DE993D0177}"/>
+                  </a:ext>
+                </a:extLst>
+              </p:cNvPr>
+              <p:cNvCxnSpPr>
+                <a:cxnSpLocks/>
+              </p:cNvCxnSpPr>
+              <p:nvPr/>
+            </p:nvCxnSpPr>
+            <p:spPr>
+              <a:xfrm flipV="1">
+                <a:off x="5210615" y="1497496"/>
+                <a:ext cx="3045489" cy="3018486"/>
+              </a:xfrm>
+              <a:prstGeom prst="line">
+                <a:avLst/>
+              </a:prstGeom>
+              <a:ln>
+                <a:solidFill>
+                  <a:srgbClr val="FF0000"/>
+                </a:solidFill>
+                <a:prstDash val="dash"/>
+              </a:ln>
+            </p:spPr>
+            <p:style>
+              <a:lnRef idx="1">
+                <a:schemeClr val="accent1"/>
+              </a:lnRef>
+              <a:fillRef idx="0">
+                <a:schemeClr val="accent1"/>
+              </a:fillRef>
+              <a:effectRef idx="0">
+                <a:schemeClr val="accent1"/>
+              </a:effectRef>
+              <a:fontRef idx="minor">
+                <a:schemeClr val="tx1"/>
+              </a:fontRef>
+            </p:style>
+          </p:cxnSp>
+        </p:grpSp>
         <p:cxnSp>
           <p:nvCxnSpPr>
-            <p:cNvPr id="28" name="직선 연결선 27">
+            <p:cNvPr id="29" name="직선 연결선 28">
               <a:extLst>
                 <a:ext uri="{FF2B5EF4-FFF2-40B4-BE49-F238E27FC236}">
-                  <a16:creationId xmlns:a16="http://schemas.microsoft.com/office/drawing/2014/main" id="{D42B4767-742B-41F0-B7B7-98DE993D0177}"/>
+                  <a16:creationId xmlns:a16="http://schemas.microsoft.com/office/drawing/2014/main" id="{D3A4A9F7-B982-45C1-A1A9-6F6570287C20}"/>
                 </a:ext>
               </a:extLst>
             </p:cNvPr>
@@ -30161,16 +30013,16 @@
             <p:nvPr/>
           </p:nvCxnSpPr>
           <p:spPr>
-            <a:xfrm flipV="1">
-              <a:off x="5210615" y="1497496"/>
-              <a:ext cx="3045489" cy="3018486"/>
+            <a:xfrm>
+              <a:off x="1057064" y="2987503"/>
+              <a:ext cx="3181561" cy="0"/>
             </a:xfrm>
             <a:prstGeom prst="line">
               <a:avLst/>
             </a:prstGeom>
-            <a:ln>
+            <a:ln w="9525">
               <a:solidFill>
-                <a:srgbClr val="FF0000"/>
+                <a:schemeClr val="tx1"/>
               </a:solidFill>
               <a:prstDash val="dash"/>
             </a:ln>
@@ -30219,7 +30071,7 @@
         </p:blipFill>
         <p:spPr>
           <a:xfrm>
-            <a:off x="4374806" y="1254678"/>
+            <a:off x="4331207" y="1319604"/>
             <a:ext cx="4162768" cy="4490824"/>
           </a:xfrm>
           <a:prstGeom prst="rect">
@@ -30255,7 +30107,7 @@
         </p:blipFill>
         <p:spPr>
           <a:xfrm>
-            <a:off x="285781" y="1254678"/>
+            <a:off x="242182" y="1319604"/>
             <a:ext cx="4089025" cy="4490824"/>
           </a:xfrm>
           <a:prstGeom prst="rect">

--- a/회귀분석.pptx
+++ b/회귀분석.pptx
@@ -33,42 +33,42 @@
   <p:notesSz cx="6858000" cy="9144000"/>
   <p:embeddedFontLst>
     <p:embeddedFont>
-      <p:font typeface="Calibri Light" panose="020F0302020204030204" pitchFamily="34" charset="0"/>
+      <p:font typeface="Cambria Math" panose="02040503050406030204" pitchFamily="18" charset="0"/>
       <p:regular r:id="rId23"/>
-      <p:italic r:id="rId24"/>
+    </p:embeddedFont>
+    <p:embeddedFont>
+      <p:font typeface="Calibri" panose="020F0502020204030204" pitchFamily="34" charset="0"/>
+      <p:regular r:id="rId24"/>
+      <p:bold r:id="rId25"/>
+      <p:italic r:id="rId26"/>
+      <p:boldItalic r:id="rId27"/>
+    </p:embeddedFont>
+    <p:embeddedFont>
+      <p:font typeface="D2Coding" panose="020B0609020101020101" pitchFamily="49" charset="-127"/>
+      <p:regular r:id="rId28"/>
+      <p:bold r:id="rId29"/>
     </p:embeddedFont>
     <p:embeddedFont>
       <p:font typeface="HY나무L" panose="02030600000101010101" pitchFamily="18" charset="-127"/>
-      <p:regular r:id="rId25"/>
+      <p:regular r:id="rId30"/>
+    </p:embeddedFont>
+    <p:embeddedFont>
+      <p:font typeface="맑은 고딕" panose="020B0503020000020004" pitchFamily="50" charset="-127"/>
+      <p:regular r:id="rId31"/>
+      <p:bold r:id="rId32"/>
+    </p:embeddedFont>
+    <p:embeddedFont>
+      <p:font typeface="a옛날목욕탕B" panose="02020600000000000000" pitchFamily="18" charset="-127"/>
+      <p:regular r:id="rId33"/>
     </p:embeddedFont>
     <p:embeddedFont>
       <p:font typeface="a옛날목욕탕L" panose="02020600000000000000" pitchFamily="18" charset="-127"/>
-      <p:regular r:id="rId26"/>
+      <p:regular r:id="rId34"/>
     </p:embeddedFont>
     <p:embeddedFont>
-      <p:font typeface="a옛날목욕탕B" panose="02020600000000000000" pitchFamily="18" charset="-127"/>
-      <p:regular r:id="rId27"/>
-    </p:embeddedFont>
-    <p:embeddedFont>
-      <p:font typeface="Cambria Math" panose="02040503050406030204" pitchFamily="18" charset="0"/>
-      <p:regular r:id="rId28"/>
-    </p:embeddedFont>
-    <p:embeddedFont>
-      <p:font typeface="Calibri" panose="020F0502020204030204" pitchFamily="34" charset="0"/>
-      <p:regular r:id="rId29"/>
-      <p:bold r:id="rId30"/>
-      <p:italic r:id="rId31"/>
-      <p:boldItalic r:id="rId32"/>
-    </p:embeddedFont>
-    <p:embeddedFont>
-      <p:font typeface="D2Coding" panose="020B0609020101020101" pitchFamily="49" charset="-127"/>
-      <p:regular r:id="rId33"/>
-      <p:bold r:id="rId34"/>
-    </p:embeddedFont>
-    <p:embeddedFont>
-      <p:font typeface="맑은 고딕" panose="020B0503020000020004" pitchFamily="50" charset="-127"/>
+      <p:font typeface="Calibri Light" panose="020F0302020204030204" pitchFamily="34" charset="0"/>
       <p:regular r:id="rId35"/>
-      <p:bold r:id="rId36"/>
+      <p:italic r:id="rId36"/>
     </p:embeddedFont>
   </p:embeddedFontLst>
   <p:defaultTextStyle>
@@ -16046,7 +16046,7 @@
                             </p:stCondLst>
                             <p:childTnLst>
                               <p:par>
-                                <p:cTn id="5" presetID="1" presetClass="entr" presetSubtype="0" fill="hold" grpId="0" nodeType="clickEffect">
+                                <p:cTn id="5" presetID="1" presetClass="entr" presetSubtype="0" fill="hold" nodeType="clickEffect">
                                   <p:stCondLst>
                                     <p:cond delay="0"/>
                                   </p:stCondLst>
@@ -16054,96 +16054,6 @@
                                     <p:set>
                                       <p:cBhvr>
                                         <p:cTn id="6" dur="1" fill="hold">
-                                          <p:stCondLst>
-                                            <p:cond delay="0"/>
-                                          </p:stCondLst>
-                                        </p:cTn>
-                                        <p:tgtEl>
-                                          <p:spTgt spid="21"/>
-                                        </p:tgtEl>
-                                        <p:attrNameLst>
-                                          <p:attrName>style.visibility</p:attrName>
-                                        </p:attrNameLst>
-                                      </p:cBhvr>
-                                      <p:to>
-                                        <p:strVal val="visible"/>
-                                      </p:to>
-                                    </p:set>
-                                  </p:childTnLst>
-                                </p:cTn>
-                              </p:par>
-                            </p:childTnLst>
-                          </p:cTn>
-                        </p:par>
-                      </p:childTnLst>
-                    </p:cTn>
-                  </p:par>
-                  <p:par>
-                    <p:cTn id="7" fill="hold">
-                      <p:stCondLst>
-                        <p:cond delay="indefinite"/>
-                      </p:stCondLst>
-                      <p:childTnLst>
-                        <p:par>
-                          <p:cTn id="8" fill="hold">
-                            <p:stCondLst>
-                              <p:cond delay="0"/>
-                            </p:stCondLst>
-                            <p:childTnLst>
-                              <p:par>
-                                <p:cTn id="9" presetID="1" presetClass="entr" presetSubtype="0" fill="hold" grpId="0" nodeType="clickEffect">
-                                  <p:stCondLst>
-                                    <p:cond delay="0"/>
-                                  </p:stCondLst>
-                                  <p:childTnLst>
-                                    <p:set>
-                                      <p:cBhvr>
-                                        <p:cTn id="10" dur="1" fill="hold">
-                                          <p:stCondLst>
-                                            <p:cond delay="0"/>
-                                          </p:stCondLst>
-                                        </p:cTn>
-                                        <p:tgtEl>
-                                          <p:spTgt spid="22"/>
-                                        </p:tgtEl>
-                                        <p:attrNameLst>
-                                          <p:attrName>style.visibility</p:attrName>
-                                        </p:attrNameLst>
-                                      </p:cBhvr>
-                                      <p:to>
-                                        <p:strVal val="visible"/>
-                                      </p:to>
-                                    </p:set>
-                                  </p:childTnLst>
-                                </p:cTn>
-                              </p:par>
-                            </p:childTnLst>
-                          </p:cTn>
-                        </p:par>
-                      </p:childTnLst>
-                    </p:cTn>
-                  </p:par>
-                  <p:par>
-                    <p:cTn id="11" fill="hold">
-                      <p:stCondLst>
-                        <p:cond delay="indefinite"/>
-                      </p:stCondLst>
-                      <p:childTnLst>
-                        <p:par>
-                          <p:cTn id="12" fill="hold">
-                            <p:stCondLst>
-                              <p:cond delay="0"/>
-                            </p:stCondLst>
-                            <p:childTnLst>
-                              <p:par>
-                                <p:cTn id="13" presetID="1" presetClass="entr" presetSubtype="0" fill="hold" nodeType="clickEffect">
-                                  <p:stCondLst>
-                                    <p:cond delay="0"/>
-                                  </p:stCondLst>
-                                  <p:childTnLst>
-                                    <p:set>
-                                      <p:cBhvr>
-                                        <p:cTn id="14" dur="1" fill="hold">
                                           <p:stCondLst>
                                             <p:cond delay="0"/>
                                           </p:stCondLst>
@@ -16163,14 +16073,14 @@
                                 </p:cTn>
                               </p:par>
                               <p:par>
-                                <p:cTn id="15" presetID="1" presetClass="entr" presetSubtype="0" fill="hold" nodeType="withEffect">
+                                <p:cTn id="7" presetID="1" presetClass="entr" presetSubtype="0" fill="hold" nodeType="withEffect">
                                   <p:stCondLst>
                                     <p:cond delay="0"/>
                                   </p:stCondLst>
                                   <p:childTnLst>
                                     <p:set>
                                       <p:cBhvr>
-                                        <p:cTn id="16" dur="1" fill="hold">
+                                        <p:cTn id="8" dur="1" fill="hold">
                                           <p:stCondLst>
                                             <p:cond delay="0"/>
                                           </p:stCondLst>
@@ -16196,53 +16106,26 @@
                     </p:cTn>
                   </p:par>
                   <p:par>
-                    <p:cTn id="17" fill="hold">
+                    <p:cTn id="9" fill="hold">
                       <p:stCondLst>
                         <p:cond delay="indefinite"/>
                       </p:stCondLst>
                       <p:childTnLst>
                         <p:par>
-                          <p:cTn id="18" fill="hold">
+                          <p:cTn id="10" fill="hold">
                             <p:stCondLst>
                               <p:cond delay="0"/>
                             </p:stCondLst>
                             <p:childTnLst>
                               <p:par>
-                                <p:cTn id="19" presetID="1" presetClass="entr" presetSubtype="0" fill="hold" grpId="0" nodeType="clickEffect">
+                                <p:cTn id="11" presetID="1" presetClass="exit" presetSubtype="0" fill="hold" nodeType="clickEffect">
                                   <p:stCondLst>
                                     <p:cond delay="0"/>
                                   </p:stCondLst>
                                   <p:childTnLst>
                                     <p:set>
                                       <p:cBhvr>
-                                        <p:cTn id="20" dur="1" fill="hold">
-                                          <p:stCondLst>
-                                            <p:cond delay="0"/>
-                                          </p:stCondLst>
-                                        </p:cTn>
-                                        <p:tgtEl>
-                                          <p:spTgt spid="24"/>
-                                        </p:tgtEl>
-                                        <p:attrNameLst>
-                                          <p:attrName>style.visibility</p:attrName>
-                                        </p:attrNameLst>
-                                      </p:cBhvr>
-                                      <p:to>
-                                        <p:strVal val="visible"/>
-                                      </p:to>
-                                    </p:set>
-                                  </p:childTnLst>
-                                </p:cTn>
-                              </p:par>
-                              <p:par>
-                                <p:cTn id="21" presetID="1" presetClass="exit" presetSubtype="0" fill="hold" nodeType="withEffect">
-                                  <p:stCondLst>
-                                    <p:cond delay="0"/>
-                                  </p:stCondLst>
-                                  <p:childTnLst>
-                                    <p:set>
-                                      <p:cBhvr>
-                                        <p:cTn id="22" dur="1" fill="hold">
+                                        <p:cTn id="12" dur="1" fill="hold">
                                           <p:stCondLst>
                                             <p:cond delay="0"/>
                                           </p:stCondLst>
@@ -16262,14 +16145,14 @@
                                 </p:cTn>
                               </p:par>
                               <p:par>
-                                <p:cTn id="23" presetID="1" presetClass="exit" presetSubtype="0" fill="hold" nodeType="withEffect">
+                                <p:cTn id="13" presetID="1" presetClass="exit" presetSubtype="0" fill="hold" nodeType="withEffect">
                                   <p:stCondLst>
                                     <p:cond delay="0"/>
                                   </p:stCondLst>
                                   <p:childTnLst>
                                     <p:set>
                                       <p:cBhvr>
-                                        <p:cTn id="24" dur="1" fill="hold">
+                                        <p:cTn id="14" dur="1" fill="hold">
                                           <p:stCondLst>
                                             <p:cond delay="0"/>
                                           </p:stCondLst>
@@ -16295,98 +16178,26 @@
                     </p:cTn>
                   </p:par>
                   <p:par>
-                    <p:cTn id="25" fill="hold">
+                    <p:cTn id="15" fill="hold">
                       <p:stCondLst>
                         <p:cond delay="indefinite"/>
                       </p:stCondLst>
                       <p:childTnLst>
                         <p:par>
-                          <p:cTn id="26" fill="hold">
+                          <p:cTn id="16" fill="hold">
                             <p:stCondLst>
                               <p:cond delay="0"/>
                             </p:stCondLst>
                             <p:childTnLst>
                               <p:par>
-                                <p:cTn id="27" presetID="1" presetClass="entr" presetSubtype="0" fill="hold" grpId="0" nodeType="clickEffect">
-                                  <p:stCondLst>
-                                    <p:cond delay="0"/>
-                                  </p:stCondLst>
-                                  <p:childTnLst>
-                                    <p:set>
-                                      <p:cBhvr>
-                                        <p:cTn id="28" dur="1" fill="hold">
-                                          <p:stCondLst>
-                                            <p:cond delay="0"/>
-                                          </p:stCondLst>
-                                        </p:cTn>
-                                        <p:tgtEl>
-                                          <p:spTgt spid="25"/>
-                                        </p:tgtEl>
-                                        <p:attrNameLst>
-                                          <p:attrName>style.visibility</p:attrName>
-                                        </p:attrNameLst>
-                                      </p:cBhvr>
-                                      <p:to>
-                                        <p:strVal val="visible"/>
-                                      </p:to>
-                                    </p:set>
-                                  </p:childTnLst>
-                                </p:cTn>
-                              </p:par>
-                            </p:childTnLst>
-                          </p:cTn>
-                        </p:par>
-                      </p:childTnLst>
-                    </p:cTn>
-                  </p:par>
-                  <p:par>
-                    <p:cTn id="29" fill="hold">
-                      <p:stCondLst>
-                        <p:cond delay="indefinite"/>
-                      </p:stCondLst>
-                      <p:childTnLst>
-                        <p:par>
-                          <p:cTn id="30" fill="hold">
-                            <p:stCondLst>
-                              <p:cond delay="0"/>
-                            </p:stCondLst>
-                            <p:childTnLst>
-                              <p:par>
-                                <p:cTn id="31" presetID="1" presetClass="entr" presetSubtype="0" fill="hold" grpId="0" nodeType="clickEffect">
-                                  <p:stCondLst>
-                                    <p:cond delay="0"/>
-                                  </p:stCondLst>
-                                  <p:childTnLst>
-                                    <p:set>
-                                      <p:cBhvr>
-                                        <p:cTn id="32" dur="1" fill="hold">
-                                          <p:stCondLst>
-                                            <p:cond delay="0"/>
-                                          </p:stCondLst>
-                                        </p:cTn>
-                                        <p:tgtEl>
-                                          <p:spTgt spid="26"/>
-                                        </p:tgtEl>
-                                        <p:attrNameLst>
-                                          <p:attrName>style.visibility</p:attrName>
-                                        </p:attrNameLst>
-                                      </p:cBhvr>
-                                      <p:to>
-                                        <p:strVal val="visible"/>
-                                      </p:to>
-                                    </p:set>
-                                  </p:childTnLst>
-                                </p:cTn>
-                              </p:par>
-                              <p:par>
-                                <p:cTn id="33" presetID="63" presetClass="path" presetSubtype="0" accel="50000" decel="50000" fill="hold" nodeType="withEffect">
+                                <p:cTn id="17" presetID="63" presetClass="path" presetSubtype="0" accel="50000" decel="50000" fill="hold" nodeType="clickEffect">
                                   <p:stCondLst>
                                     <p:cond delay="0"/>
                                   </p:stCondLst>
                                   <p:childTnLst>
                                     <p:animMotion origin="layout" path="M 4.72222E-6 4.07407E-6 L 0.92673 -0.00139 " pathEditMode="relative" rAng="0" ptsTypes="AA">
                                       <p:cBhvr>
-                                        <p:cTn id="34" dur="10" fill="hold"/>
+                                        <p:cTn id="18" dur="10" fill="hold"/>
                                         <p:tgtEl>
                                           <p:spTgt spid="8"/>
                                         </p:tgtEl>
@@ -16407,26 +16218,26 @@
                     </p:cTn>
                   </p:par>
                   <p:par>
-                    <p:cTn id="35" fill="hold">
+                    <p:cTn id="19" fill="hold">
                       <p:stCondLst>
                         <p:cond delay="indefinite"/>
                       </p:stCondLst>
                       <p:childTnLst>
                         <p:par>
-                          <p:cTn id="36" fill="hold">
+                          <p:cTn id="20" fill="hold">
                             <p:stCondLst>
                               <p:cond delay="0"/>
                             </p:stCondLst>
                             <p:childTnLst>
                               <p:par>
-                                <p:cTn id="37" presetID="1" presetClass="exit" presetSubtype="0" fill="hold" nodeType="clickEffect">
+                                <p:cTn id="21" presetID="1" presetClass="exit" presetSubtype="0" fill="hold" nodeType="clickEffect">
                                   <p:stCondLst>
                                     <p:cond delay="0"/>
                                   </p:stCondLst>
                                   <p:childTnLst>
                                     <p:set>
                                       <p:cBhvr>
-                                        <p:cTn id="38" dur="1" fill="hold">
+                                        <p:cTn id="22" dur="1" fill="hold">
                                           <p:stCondLst>
                                             <p:cond delay="0"/>
                                           </p:stCondLst>
@@ -16452,26 +16263,26 @@
                     </p:cTn>
                   </p:par>
                   <p:par>
-                    <p:cTn id="39" fill="hold">
+                    <p:cTn id="23" fill="hold">
                       <p:stCondLst>
                         <p:cond delay="indefinite"/>
                       </p:stCondLst>
                       <p:childTnLst>
                         <p:par>
-                          <p:cTn id="40" fill="hold">
+                          <p:cTn id="24" fill="hold">
                             <p:stCondLst>
                               <p:cond delay="0"/>
                             </p:stCondLst>
                             <p:childTnLst>
                               <p:par>
-                                <p:cTn id="41" presetID="1" presetClass="entr" presetSubtype="0" fill="hold" nodeType="clickEffect">
+                                <p:cTn id="25" presetID="1" presetClass="entr" presetSubtype="0" fill="hold" nodeType="clickEffect">
                                   <p:stCondLst>
                                     <p:cond delay="0"/>
                                   </p:stCondLst>
                                   <p:childTnLst>
                                     <p:set>
                                       <p:cBhvr>
-                                        <p:cTn id="42" dur="1" fill="hold">
+                                        <p:cTn id="26" dur="1" fill="hold">
                                           <p:stCondLst>
                                             <p:cond delay="0"/>
                                           </p:stCondLst>
@@ -16491,14 +16302,14 @@
                                 </p:cTn>
                               </p:par>
                               <p:par>
-                                <p:cTn id="43" presetID="63" presetClass="path" presetSubtype="0" accel="50000" decel="50000" fill="hold" nodeType="withEffect">
+                                <p:cTn id="27" presetID="63" presetClass="path" presetSubtype="0" accel="50000" decel="50000" fill="hold" nodeType="withEffect">
                                   <p:stCondLst>
                                     <p:cond delay="0"/>
                                   </p:stCondLst>
                                   <p:childTnLst>
                                     <p:animMotion origin="layout" path="M 2.22222E-6 1.48148E-6 L 0.62361 -0.00093 " pathEditMode="relative" rAng="0" ptsTypes="AA">
                                       <p:cBhvr>
-                                        <p:cTn id="44" dur="10" fill="hold"/>
+                                        <p:cTn id="28" dur="10" fill="hold"/>
                                         <p:tgtEl>
                                           <p:spTgt spid="94"/>
                                         </p:tgtEl>
@@ -16519,26 +16330,26 @@
                     </p:cTn>
                   </p:par>
                   <p:par>
-                    <p:cTn id="45" fill="hold">
+                    <p:cTn id="29" fill="hold">
                       <p:stCondLst>
                         <p:cond delay="indefinite"/>
                       </p:stCondLst>
                       <p:childTnLst>
                         <p:par>
-                          <p:cTn id="46" fill="hold">
+                          <p:cTn id="30" fill="hold">
                             <p:stCondLst>
                               <p:cond delay="0"/>
                             </p:stCondLst>
                             <p:childTnLst>
                               <p:par>
-                                <p:cTn id="47" presetID="1" presetClass="exit" presetSubtype="0" fill="hold" nodeType="clickEffect">
+                                <p:cTn id="31" presetID="1" presetClass="exit" presetSubtype="0" fill="hold" nodeType="clickEffect">
                                   <p:stCondLst>
                                     <p:cond delay="0"/>
                                   </p:stCondLst>
                                   <p:childTnLst>
                                     <p:set>
                                       <p:cBhvr>
-                                        <p:cTn id="48" dur="1" fill="hold">
+                                        <p:cTn id="32" dur="1" fill="hold">
                                           <p:stCondLst>
                                             <p:cond delay="0"/>
                                           </p:stCondLst>
@@ -16558,14 +16369,14 @@
                                 </p:cTn>
                               </p:par>
                               <p:par>
-                                <p:cTn id="49" presetID="1" presetClass="exit" presetSubtype="0" fill="hold" nodeType="withEffect">
+                                <p:cTn id="33" presetID="1" presetClass="exit" presetSubtype="0" fill="hold" nodeType="withEffect">
                                   <p:stCondLst>
                                     <p:cond delay="0"/>
                                   </p:stCondLst>
                                   <p:childTnLst>
                                     <p:set>
                                       <p:cBhvr>
-                                        <p:cTn id="50" dur="1" fill="hold">
+                                        <p:cTn id="34" dur="1" fill="hold">
                                           <p:stCondLst>
                                             <p:cond delay="0"/>
                                           </p:stCondLst>
@@ -16579,33 +16390,6 @@
                                       </p:cBhvr>
                                       <p:to>
                                         <p:strVal val="hidden"/>
-                                      </p:to>
-                                    </p:set>
-                                  </p:childTnLst>
-                                </p:cTn>
-                              </p:par>
-                              <p:par>
-                                <p:cTn id="51" presetID="1" presetClass="entr" presetSubtype="0" fill="hold" grpId="0" nodeType="withEffect">
-                                  <p:stCondLst>
-                                    <p:cond delay="0"/>
-                                  </p:stCondLst>
-                                  <p:childTnLst>
-                                    <p:set>
-                                      <p:cBhvr>
-                                        <p:cTn id="52" dur="1" fill="hold">
-                                          <p:stCondLst>
-                                            <p:cond delay="0"/>
-                                          </p:stCondLst>
-                                        </p:cTn>
-                                        <p:tgtEl>
-                                          <p:spTgt spid="27"/>
-                                        </p:tgtEl>
-                                        <p:attrNameLst>
-                                          <p:attrName>style.visibility</p:attrName>
-                                        </p:attrNameLst>
-                                      </p:cBhvr>
-                                      <p:to>
-                                        <p:strVal val="visible"/>
                                       </p:to>
                                     </p:set>
                                   </p:childTnLst>
@@ -16638,14 +16422,6 @@
         </p:cTn>
       </p:par>
     </p:tnLst>
-    <p:bldLst>
-      <p:bldP spid="21" grpId="0"/>
-      <p:bldP spid="22" grpId="0"/>
-      <p:bldP spid="24" grpId="0"/>
-      <p:bldP spid="25" grpId="0"/>
-      <p:bldP spid="26" grpId="0"/>
-      <p:bldP spid="27" grpId="0"/>
-    </p:bldLst>
   </p:timing>
 </p:sld>
 </file>
@@ -18640,8 +18416,8 @@
           </a:p>
         </p:txBody>
       </p:sp>
-      <mc:AlternateContent xmlns:mc="http://schemas.openxmlformats.org/markup-compatibility/2006">
-        <mc:Choice xmlns:a14="http://schemas.microsoft.com/office/drawing/2010/main" Requires="a14">
+      <mc:AlternateContent xmlns:mc="http://schemas.openxmlformats.org/markup-compatibility/2006" xmlns:a14="http://schemas.microsoft.com/office/drawing/2010/main">
+        <mc:Choice Requires="a14">
           <p:sp>
             <p:nvSpPr>
               <p:cNvPr id="16" name="TextBox 15">
@@ -19378,7 +19154,7 @@
             </p:txBody>
           </p:sp>
         </mc:Choice>
-        <mc:Fallback>
+        <mc:Fallback xmlns="">
           <p:sp>
             <p:nvSpPr>
               <p:cNvPr id="16" name="TextBox 15">
@@ -28989,24 +28765,46 @@
                                   </p:childTnLst>
                                 </p:cTn>
                               </p:par>
+                              <p:par>
+                                <p:cTn id="9" presetID="42" presetClass="path" presetSubtype="0" accel="50000" decel="50000" fill="hold" nodeType="withEffect">
+                                  <p:stCondLst>
+                                    <p:cond delay="0"/>
+                                  </p:stCondLst>
+                                  <p:childTnLst>
+                                    <p:animMotion origin="layout" path="M 8.33333E-7 4.44444E-6 L 0.00156 0.0655 " pathEditMode="relative" rAng="0" ptsTypes="AA">
+                                      <p:cBhvr>
+                                        <p:cTn id="10" dur="10" fill="hold"/>
+                                        <p:tgtEl>
+                                          <p:spTgt spid="9"/>
+                                        </p:tgtEl>
+                                        <p:attrNameLst>
+                                          <p:attrName>ppt_x</p:attrName>
+                                          <p:attrName>ppt_y</p:attrName>
+                                        </p:attrNameLst>
+                                      </p:cBhvr>
+                                      <p:rCtr x="69" y="3264"/>
+                                    </p:animMotion>
+                                  </p:childTnLst>
+                                </p:cTn>
+                              </p:par>
                             </p:childTnLst>
                           </p:cTn>
                         </p:par>
                         <p:par>
-                          <p:cTn id="9" fill="hold">
+                          <p:cTn id="11" fill="hold">
                             <p:stCondLst>
                               <p:cond delay="10"/>
                             </p:stCondLst>
                             <p:childTnLst>
                               <p:par>
-                                <p:cTn id="10" presetID="1" presetClass="entr" presetSubtype="0" fill="hold" grpId="2" nodeType="afterEffect">
+                                <p:cTn id="12" presetID="1" presetClass="entr" presetSubtype="0" fill="hold" grpId="2" nodeType="afterEffect">
                                   <p:stCondLst>
                                     <p:cond delay="0"/>
                                   </p:stCondLst>
                                   <p:childTnLst>
                                     <p:set>
                                       <p:cBhvr>
-                                        <p:cTn id="11" dur="1" fill="hold">
+                                        <p:cTn id="13" dur="1" fill="hold">
                                           <p:stCondLst>
                                             <p:cond delay="0"/>
                                           </p:stCondLst>
@@ -29029,26 +28827,53 @@
                           </p:cTn>
                         </p:par>
                         <p:par>
-                          <p:cTn id="12" fill="hold">
+                          <p:cTn id="14" fill="hold">
                             <p:stCondLst>
                               <p:cond delay="10"/>
                             </p:stCondLst>
                             <p:childTnLst>
                               <p:par>
-                                <p:cTn id="13" presetID="1" presetClass="entr" presetSubtype="0" fill="hold" grpId="2" nodeType="afterEffect">
+                                <p:cTn id="15" presetID="1" presetClass="entr" presetSubtype="0" fill="hold" grpId="2" nodeType="afterEffect">
                                   <p:stCondLst>
                                     <p:cond delay="0"/>
                                   </p:stCondLst>
                                   <p:childTnLst>
                                     <p:set>
                                       <p:cBhvr>
-                                        <p:cTn id="14" dur="1" fill="hold">
+                                        <p:cTn id="16" dur="1" fill="hold">
                                           <p:stCondLst>
                                             <p:cond delay="0"/>
                                           </p:stCondLst>
                                         </p:cTn>
                                         <p:tgtEl>
                                           <p:spTgt spid="26"/>
+                                        </p:tgtEl>
+                                        <p:attrNameLst>
+                                          <p:attrName>style.visibility</p:attrName>
+                                        </p:attrNameLst>
+                                      </p:cBhvr>
+                                      <p:to>
+                                        <p:strVal val="visible"/>
+                                      </p:to>
+                                    </p:set>
+                                  </p:childTnLst>
+                                </p:cTn>
+                              </p:par>
+                              <p:par>
+                                <p:cTn id="17" presetID="1" presetClass="entr" presetSubtype="0" fill="hold" nodeType="withEffect">
+                                  <p:stCondLst>
+                                    <p:cond delay="0"/>
+                                  </p:stCondLst>
+                                  <p:childTnLst>
+                                    <p:set>
+                                      <p:cBhvr>
+                                        <p:cTn id="18" dur="1" fill="hold">
+                                          <p:stCondLst>
+                                            <p:cond delay="0"/>
+                                          </p:stCondLst>
+                                        </p:cTn>
+                                        <p:tgtEl>
+                                          <p:spTgt spid="9"/>
                                         </p:tgtEl>
                                         <p:attrNameLst>
                                           <p:attrName>style.visibility</p:attrName>
@@ -29068,26 +28893,26 @@
                     </p:cTn>
                   </p:par>
                   <p:par>
-                    <p:cTn id="15" fill="hold">
+                    <p:cTn id="19" fill="hold">
                       <p:stCondLst>
                         <p:cond delay="indefinite"/>
                       </p:stCondLst>
                       <p:childTnLst>
                         <p:par>
-                          <p:cTn id="16" fill="hold">
+                          <p:cTn id="20" fill="hold">
                             <p:stCondLst>
                               <p:cond delay="0"/>
                             </p:stCondLst>
                             <p:childTnLst>
                               <p:par>
-                                <p:cTn id="17" presetID="1" presetClass="exit" presetSubtype="0" fill="hold" grpId="0" nodeType="clickEffect">
+                                <p:cTn id="21" presetID="1" presetClass="exit" presetSubtype="0" fill="hold" grpId="0" nodeType="clickEffect">
                                   <p:stCondLst>
                                     <p:cond delay="0"/>
                                   </p:stCondLst>
                                   <p:childTnLst>
                                     <p:set>
                                       <p:cBhvr>
-                                        <p:cTn id="18" dur="1" fill="hold">
+                                        <p:cTn id="22" dur="1" fill="hold">
                                           <p:stCondLst>
                                             <p:cond delay="0"/>
                                           </p:stCondLst>
@@ -29107,14 +28932,14 @@
                                 </p:cTn>
                               </p:par>
                               <p:par>
-                                <p:cTn id="19" presetID="1" presetClass="exit" presetSubtype="0" fill="hold" grpId="0" nodeType="withEffect">
+                                <p:cTn id="23" presetID="1" presetClass="exit" presetSubtype="0" fill="hold" grpId="0" nodeType="withEffect">
                                   <p:stCondLst>
                                     <p:cond delay="0"/>
                                   </p:stCondLst>
                                   <p:childTnLst>
                                     <p:set>
                                       <p:cBhvr>
-                                        <p:cTn id="20" dur="1" fill="hold">
+                                        <p:cTn id="24" dur="1" fill="hold">
                                           <p:stCondLst>
                                             <p:cond delay="0"/>
                                           </p:stCondLst>
@@ -29133,24 +28958,51 @@
                                   </p:childTnLst>
                                 </p:cTn>
                               </p:par>
-                            </p:childTnLst>
-                          </p:cTn>
-                        </p:par>
-                        <p:par>
-                          <p:cTn id="21" fill="hold">
-                            <p:stCondLst>
-                              <p:cond delay="0"/>
-                            </p:stCondLst>
-                            <p:childTnLst>
                               <p:par>
-                                <p:cTn id="22" presetID="10" presetClass="entr" presetSubtype="0" fill="hold" nodeType="afterEffect">
+                                <p:cTn id="25" presetID="1" presetClass="exit" presetSubtype="0" fill="hold" nodeType="withEffect">
                                   <p:stCondLst>
                                     <p:cond delay="0"/>
                                   </p:stCondLst>
                                   <p:childTnLst>
                                     <p:set>
                                       <p:cBhvr>
-                                        <p:cTn id="23" dur="1" fill="hold">
+                                        <p:cTn id="26" dur="1" fill="hold">
+                                          <p:stCondLst>
+                                            <p:cond delay="0"/>
+                                          </p:stCondLst>
+                                        </p:cTn>
+                                        <p:tgtEl>
+                                          <p:spTgt spid="9"/>
+                                        </p:tgtEl>
+                                        <p:attrNameLst>
+                                          <p:attrName>style.visibility</p:attrName>
+                                        </p:attrNameLst>
+                                      </p:cBhvr>
+                                      <p:to>
+                                        <p:strVal val="hidden"/>
+                                      </p:to>
+                                    </p:set>
+                                  </p:childTnLst>
+                                </p:cTn>
+                              </p:par>
+                            </p:childTnLst>
+                          </p:cTn>
+                        </p:par>
+                        <p:par>
+                          <p:cTn id="27" fill="hold">
+                            <p:stCondLst>
+                              <p:cond delay="0"/>
+                            </p:stCondLst>
+                            <p:childTnLst>
+                              <p:par>
+                                <p:cTn id="28" presetID="10" presetClass="entr" presetSubtype="0" fill="hold" nodeType="afterEffect">
+                                  <p:stCondLst>
+                                    <p:cond delay="0"/>
+                                  </p:stCondLst>
+                                  <p:childTnLst>
+                                    <p:set>
+                                      <p:cBhvr>
+                                        <p:cTn id="29" dur="1" fill="hold">
                                           <p:stCondLst>
                                             <p:cond delay="0"/>
                                           </p:stCondLst>
@@ -29168,7 +29020,7 @@
                                     </p:set>
                                     <p:animEffect transition="in" filter="fade">
                                       <p:cBhvr>
-                                        <p:cTn id="24" dur="250"/>
+                                        <p:cTn id="30" dur="250"/>
                                         <p:tgtEl>
                                           <p:spTgt spid="34"/>
                                         </p:tgtEl>
@@ -29178,14 +29030,14 @@
                                 </p:cTn>
                               </p:par>
                               <p:par>
-                                <p:cTn id="25" presetID="10" presetClass="entr" presetSubtype="0" fill="hold" nodeType="withEffect">
+                                <p:cTn id="31" presetID="10" presetClass="entr" presetSubtype="0" fill="hold" nodeType="withEffect">
                                   <p:stCondLst>
                                     <p:cond delay="0"/>
                                   </p:stCondLst>
                                   <p:childTnLst>
                                     <p:set>
                                       <p:cBhvr>
-                                        <p:cTn id="26" dur="1" fill="hold">
+                                        <p:cTn id="32" dur="1" fill="hold">
                                           <p:stCondLst>
                                             <p:cond delay="0"/>
                                           </p:stCondLst>
@@ -29203,7 +29055,7 @@
                                     </p:set>
                                     <p:animEffect transition="in" filter="fade">
                                       <p:cBhvr>
-                                        <p:cTn id="27" dur="250"/>
+                                        <p:cTn id="33" dur="250"/>
                                         <p:tgtEl>
                                           <p:spTgt spid="19"/>
                                         </p:tgtEl>
@@ -29213,14 +29065,14 @@
                                 </p:cTn>
                               </p:par>
                               <p:par>
-                                <p:cTn id="28" presetID="1" presetClass="entr" presetSubtype="0" fill="hold" grpId="0" nodeType="withEffect">
+                                <p:cTn id="34" presetID="1" presetClass="entr" presetSubtype="0" fill="hold" grpId="0" nodeType="withEffect">
                                   <p:stCondLst>
                                     <p:cond delay="0"/>
                                   </p:stCondLst>
                                   <p:childTnLst>
                                     <p:set>
                                       <p:cBhvr>
-                                        <p:cTn id="29" dur="1" fill="hold">
+                                        <p:cTn id="35" dur="1" fill="hold">
                                           <p:stCondLst>
                                             <p:cond delay="0"/>
                                           </p:stCondLst>
@@ -29240,14 +29092,14 @@
                                 </p:cTn>
                               </p:par>
                               <p:par>
-                                <p:cTn id="30" presetID="1" presetClass="entr" presetSubtype="0" fill="hold" nodeType="withEffect">
+                                <p:cTn id="36" presetID="1" presetClass="entr" presetSubtype="0" fill="hold" nodeType="withEffect">
                                   <p:stCondLst>
                                     <p:cond delay="0"/>
                                   </p:stCondLst>
                                   <p:childTnLst>
                                     <p:set>
                                       <p:cBhvr>
-                                        <p:cTn id="31" dur="1" fill="hold">
+                                        <p:cTn id="37" dur="1" fill="hold">
                                           <p:stCondLst>
                                             <p:cond delay="0"/>
                                           </p:stCondLst>

--- a/회귀분석.pptx
+++ b/회귀분석.pptx
@@ -33,42 +33,42 @@
   <p:notesSz cx="6858000" cy="9144000"/>
   <p:embeddedFontLst>
     <p:embeddedFont>
-      <p:font typeface="Cambria Math" panose="02040503050406030204" pitchFamily="18" charset="0"/>
+      <p:font typeface="a옛날목욕탕L" panose="02020600000000000000" pitchFamily="18" charset="-127"/>
       <p:regular r:id="rId23"/>
     </p:embeddedFont>
     <p:embeddedFont>
+      <p:font typeface="Cambria Math" panose="02040503050406030204" pitchFamily="18" charset="0"/>
+      <p:regular r:id="rId24"/>
+    </p:embeddedFont>
+    <p:embeddedFont>
       <p:font typeface="Calibri" panose="020F0502020204030204" pitchFamily="34" charset="0"/>
-      <p:regular r:id="rId24"/>
-      <p:bold r:id="rId25"/>
-      <p:italic r:id="rId26"/>
-      <p:boldItalic r:id="rId27"/>
+      <p:regular r:id="rId25"/>
+      <p:bold r:id="rId26"/>
+      <p:italic r:id="rId27"/>
+      <p:boldItalic r:id="rId28"/>
+    </p:embeddedFont>
+    <p:embeddedFont>
+      <p:font typeface="맑은 고딕" panose="020B0503020000020004" pitchFamily="50" charset="-127"/>
+      <p:regular r:id="rId29"/>
+      <p:bold r:id="rId30"/>
     </p:embeddedFont>
     <p:embeddedFont>
       <p:font typeface="D2Coding" panose="020B0609020101020101" pitchFamily="49" charset="-127"/>
-      <p:regular r:id="rId28"/>
-      <p:bold r:id="rId29"/>
-    </p:embeddedFont>
-    <p:embeddedFont>
-      <p:font typeface="HY나무L" panose="02030600000101010101" pitchFamily="18" charset="-127"/>
-      <p:regular r:id="rId30"/>
-    </p:embeddedFont>
-    <p:embeddedFont>
-      <p:font typeface="맑은 고딕" panose="020B0503020000020004" pitchFamily="50" charset="-127"/>
       <p:regular r:id="rId31"/>
       <p:bold r:id="rId32"/>
     </p:embeddedFont>
     <p:embeddedFont>
-      <p:font typeface="a옛날목욕탕B" panose="02020600000000000000" pitchFamily="18" charset="-127"/>
+      <p:font typeface="Calibri Light" panose="020F0302020204030204" pitchFamily="34" charset="0"/>
       <p:regular r:id="rId33"/>
+      <p:italic r:id="rId34"/>
     </p:embeddedFont>
     <p:embeddedFont>
-      <p:font typeface="a옛날목욕탕L" panose="02020600000000000000" pitchFamily="18" charset="-127"/>
-      <p:regular r:id="rId34"/>
+      <p:font typeface="HY나무L" panose="02030600000101010101" pitchFamily="18" charset="-127"/>
+      <p:regular r:id="rId35"/>
     </p:embeddedFont>
     <p:embeddedFont>
-      <p:font typeface="Calibri Light" panose="020F0302020204030204" pitchFamily="34" charset="0"/>
-      <p:regular r:id="rId35"/>
-      <p:italic r:id="rId36"/>
+      <p:font typeface="a옛날목욕탕B" panose="02020600000000000000" pitchFamily="18" charset="-127"/>
+      <p:regular r:id="rId36"/>
     </p:embeddedFont>
   </p:embeddedFontLst>
   <p:defaultTextStyle>
@@ -260,7 +260,7 @@
           <a:p>
             <a:fld id="{2A4E46DD-D013-4E33-BAB2-00903CD576EF}" type="datetimeFigureOut">
               <a:rPr lang="ko-KR" altLang="en-US" smtClean="0"/>
-              <a:t>2017-12-02</a:t>
+              <a:t>2017-12-04</a:t>
             </a:fld>
             <a:endParaRPr lang="ko-KR" altLang="en-US"/>
           </a:p>
@@ -658,7 +658,7 @@
           <a:p>
             <a:fld id="{D13D84E8-490A-494C-A51B-3CB29F6E8F28}" type="datetime1">
               <a:rPr lang="ko-KR" altLang="en-US" smtClean="0"/>
-              <a:t>2017-12-02</a:t>
+              <a:t>2017-12-04</a:t>
             </a:fld>
             <a:endParaRPr lang="ko-KR" altLang="en-US"/>
           </a:p>
@@ -828,7 +828,7 @@
           <a:p>
             <a:fld id="{E8C1B339-AE9E-480A-8A86-D74EE189DCB2}" type="datetime1">
               <a:rPr lang="ko-KR" altLang="en-US" smtClean="0"/>
-              <a:t>2017-12-02</a:t>
+              <a:t>2017-12-04</a:t>
             </a:fld>
             <a:endParaRPr lang="ko-KR" altLang="en-US"/>
           </a:p>
@@ -1008,7 +1008,7 @@
           <a:p>
             <a:fld id="{4E098F8C-B03F-4494-AB2D-C58B812ECF2A}" type="datetime1">
               <a:rPr lang="ko-KR" altLang="en-US" smtClean="0"/>
-              <a:t>2017-12-02</a:t>
+              <a:t>2017-12-04</a:t>
             </a:fld>
             <a:endParaRPr lang="ko-KR" altLang="en-US"/>
           </a:p>
@@ -1178,7 +1178,7 @@
           <a:p>
             <a:fld id="{746A297D-CFF4-41B5-B1F5-1F4384898086}" type="datetime1">
               <a:rPr lang="ko-KR" altLang="en-US" smtClean="0"/>
-              <a:t>2017-12-02</a:t>
+              <a:t>2017-12-04</a:t>
             </a:fld>
             <a:endParaRPr lang="ko-KR" altLang="en-US"/>
           </a:p>
@@ -1422,7 +1422,7 @@
           <a:p>
             <a:fld id="{6D84917B-AFF3-46AA-9768-7370E59B614A}" type="datetime1">
               <a:rPr lang="ko-KR" altLang="en-US" smtClean="0"/>
-              <a:t>2017-12-02</a:t>
+              <a:t>2017-12-04</a:t>
             </a:fld>
             <a:endParaRPr lang="ko-KR" altLang="en-US"/>
           </a:p>
@@ -1654,7 +1654,7 @@
           <a:p>
             <a:fld id="{C9DF45AA-934E-4632-9D6F-10AA2DCFDAC3}" type="datetime1">
               <a:rPr lang="ko-KR" altLang="en-US" smtClean="0"/>
-              <a:t>2017-12-02</a:t>
+              <a:t>2017-12-04</a:t>
             </a:fld>
             <a:endParaRPr lang="ko-KR" altLang="en-US"/>
           </a:p>
@@ -2021,7 +2021,7 @@
           <a:p>
             <a:fld id="{73C7E3EB-C9B8-4C92-83F6-8F9CFB049C64}" type="datetime1">
               <a:rPr lang="ko-KR" altLang="en-US" smtClean="0"/>
-              <a:t>2017-12-02</a:t>
+              <a:t>2017-12-04</a:t>
             </a:fld>
             <a:endParaRPr lang="ko-KR" altLang="en-US"/>
           </a:p>
@@ -2139,7 +2139,7 @@
           <a:p>
             <a:fld id="{6C2034E9-3C43-4CAA-A83E-795D384A1525}" type="datetime1">
               <a:rPr lang="ko-KR" altLang="en-US" smtClean="0"/>
-              <a:t>2017-12-02</a:t>
+              <a:t>2017-12-04</a:t>
             </a:fld>
             <a:endParaRPr lang="ko-KR" altLang="en-US"/>
           </a:p>
@@ -2234,7 +2234,7 @@
           <a:p>
             <a:fld id="{8ECF140B-51D7-4AC2-87F2-873E0FD6587C}" type="datetime1">
               <a:rPr lang="ko-KR" altLang="en-US" smtClean="0"/>
-              <a:t>2017-12-02</a:t>
+              <a:t>2017-12-04</a:t>
             </a:fld>
             <a:endParaRPr lang="ko-KR" altLang="en-US"/>
           </a:p>
@@ -2511,7 +2511,7 @@
           <a:p>
             <a:fld id="{F07A9845-E692-4FF1-A001-5F82D764B7BB}" type="datetime1">
               <a:rPr lang="ko-KR" altLang="en-US" smtClean="0"/>
-              <a:t>2017-12-02</a:t>
+              <a:t>2017-12-04</a:t>
             </a:fld>
             <a:endParaRPr lang="ko-KR" altLang="en-US"/>
           </a:p>
@@ -2768,7 +2768,7 @@
           <a:p>
             <a:fld id="{2AF59435-18FE-46C7-8D2E-E9CFB224D3D7}" type="datetime1">
               <a:rPr lang="ko-KR" altLang="en-US" smtClean="0"/>
-              <a:t>2017-12-02</a:t>
+              <a:t>2017-12-04</a:t>
             </a:fld>
             <a:endParaRPr lang="ko-KR" altLang="en-US"/>
           </a:p>
@@ -2981,7 +2981,7 @@
           <a:p>
             <a:fld id="{F75A63E4-12D2-40E2-B744-7484FF47405B}" type="datetime1">
               <a:rPr lang="ko-KR" altLang="en-US" smtClean="0"/>
-              <a:t>2017-12-02</a:t>
+              <a:t>2017-12-04</a:t>
             </a:fld>
             <a:endParaRPr lang="ko-KR" altLang="en-US"/>
           </a:p>
@@ -15746,41 +15746,6 @@
       </p:grpSp>
       <p:pic>
         <p:nvPicPr>
-          <p:cNvPr id="5" name="그림 4">
-            <a:extLst>
-              <a:ext uri="{FF2B5EF4-FFF2-40B4-BE49-F238E27FC236}">
-                <a16:creationId xmlns:a16="http://schemas.microsoft.com/office/drawing/2014/main" id="{E791EC89-ED7B-4D1F-BFF9-DF153F39CFCC}"/>
-              </a:ext>
-            </a:extLst>
-          </p:cNvPr>
-          <p:cNvPicPr>
-            <a:picLocks noChangeAspect="1"/>
-          </p:cNvPicPr>
-          <p:nvPr/>
-        </p:nvPicPr>
-        <p:blipFill rotWithShape="1">
-          <a:blip r:embed="rId4">
-            <a:extLst>
-              <a:ext uri="{28A0092B-C50C-407E-A947-70E740481C1C}">
-                <a14:useLocalDpi xmlns:a14="http://schemas.microsoft.com/office/drawing/2010/main" val="0"/>
-              </a:ext>
-            </a:extLst>
-          </a:blip>
-          <a:srcRect l="51159" t="3637"/>
-          <a:stretch/>
-        </p:blipFill>
-        <p:spPr>
-          <a:xfrm>
-            <a:off x="4894485" y="727265"/>
-            <a:ext cx="3476770" cy="3701179"/>
-          </a:xfrm>
-          <a:prstGeom prst="rect">
-            <a:avLst/>
-          </a:prstGeom>
-        </p:spPr>
-      </p:pic>
-      <p:pic>
-        <p:nvPicPr>
           <p:cNvPr id="8" name="그림 7">
             <a:extLst>
               <a:ext uri="{FF2B5EF4-FFF2-40B4-BE49-F238E27FC236}">
@@ -15794,7 +15759,7 @@
           <p:nvPr/>
         </p:nvPicPr>
         <p:blipFill>
-          <a:blip r:embed="rId5">
+          <a:blip r:embed="rId4">
             <a:extLst>
               <a:ext uri="{28A0092B-C50C-407E-A947-70E740481C1C}">
                 <a14:useLocalDpi xmlns:a14="http://schemas.microsoft.com/office/drawing/2010/main" val="0"/>
@@ -15815,50 +15780,6 @@
           </a:prstGeom>
         </p:spPr>
       </p:pic>
-      <p:cxnSp>
-        <p:nvCxnSpPr>
-          <p:cNvPr id="36" name="직선 화살표 연결선 35">
-            <a:extLst>
-              <a:ext uri="{FF2B5EF4-FFF2-40B4-BE49-F238E27FC236}">
-                <a16:creationId xmlns:a16="http://schemas.microsoft.com/office/drawing/2014/main" id="{79490BF1-1028-4829-B6A8-F92DF0551224}"/>
-              </a:ext>
-            </a:extLst>
-          </p:cNvPr>
-          <p:cNvCxnSpPr>
-            <a:cxnSpLocks/>
-          </p:cNvCxnSpPr>
-          <p:nvPr/>
-        </p:nvCxnSpPr>
-        <p:spPr>
-          <a:xfrm>
-            <a:off x="4490113" y="2333767"/>
-            <a:ext cx="405410" cy="0"/>
-          </a:xfrm>
-          <a:prstGeom prst="straightConnector1">
-            <a:avLst/>
-          </a:prstGeom>
-          <a:ln w="38100">
-            <a:solidFill>
-              <a:srgbClr val="C00000"/>
-            </a:solidFill>
-            <a:tailEnd type="triangle"/>
-          </a:ln>
-        </p:spPr>
-        <p:style>
-          <a:lnRef idx="1">
-            <a:schemeClr val="accent1"/>
-          </a:lnRef>
-          <a:fillRef idx="0">
-            <a:schemeClr val="accent1"/>
-          </a:fillRef>
-          <a:effectRef idx="0">
-            <a:schemeClr val="accent1"/>
-          </a:effectRef>
-          <a:fontRef idx="minor">
-            <a:schemeClr val="tx1"/>
-          </a:fontRef>
-        </p:style>
-      </p:cxnSp>
       <p:grpSp>
         <p:nvGrpSpPr>
           <p:cNvPr id="94" name="그룹 93">
@@ -15873,7 +15794,7 @@
         </p:nvGrpSpPr>
         <p:grpSpPr>
           <a:xfrm>
-            <a:off x="-1202521" y="2504305"/>
+            <a:off x="4490113" y="2483914"/>
             <a:ext cx="1196979" cy="2531449"/>
             <a:chOff x="-1208616" y="2540141"/>
             <a:chExt cx="1196979" cy="2531449"/>
@@ -16046,158 +15967,14 @@
                             </p:stCondLst>
                             <p:childTnLst>
                               <p:par>
-                                <p:cTn id="5" presetID="1" presetClass="entr" presetSubtype="0" fill="hold" nodeType="clickEffect">
-                                  <p:stCondLst>
-                                    <p:cond delay="0"/>
-                                  </p:stCondLst>
-                                  <p:childTnLst>
-                                    <p:set>
-                                      <p:cBhvr>
-                                        <p:cTn id="6" dur="1" fill="hold">
-                                          <p:stCondLst>
-                                            <p:cond delay="0"/>
-                                          </p:stCondLst>
-                                        </p:cTn>
-                                        <p:tgtEl>
-                                          <p:spTgt spid="5"/>
-                                        </p:tgtEl>
-                                        <p:attrNameLst>
-                                          <p:attrName>style.visibility</p:attrName>
-                                        </p:attrNameLst>
-                                      </p:cBhvr>
-                                      <p:to>
-                                        <p:strVal val="visible"/>
-                                      </p:to>
-                                    </p:set>
-                                  </p:childTnLst>
-                                </p:cTn>
-                              </p:par>
-                              <p:par>
-                                <p:cTn id="7" presetID="1" presetClass="entr" presetSubtype="0" fill="hold" nodeType="withEffect">
-                                  <p:stCondLst>
-                                    <p:cond delay="0"/>
-                                  </p:stCondLst>
-                                  <p:childTnLst>
-                                    <p:set>
-                                      <p:cBhvr>
-                                        <p:cTn id="8" dur="1" fill="hold">
-                                          <p:stCondLst>
-                                            <p:cond delay="0"/>
-                                          </p:stCondLst>
-                                        </p:cTn>
-                                        <p:tgtEl>
-                                          <p:spTgt spid="36"/>
-                                        </p:tgtEl>
-                                        <p:attrNameLst>
-                                          <p:attrName>style.visibility</p:attrName>
-                                        </p:attrNameLst>
-                                      </p:cBhvr>
-                                      <p:to>
-                                        <p:strVal val="visible"/>
-                                      </p:to>
-                                    </p:set>
-                                  </p:childTnLst>
-                                </p:cTn>
-                              </p:par>
-                            </p:childTnLst>
-                          </p:cTn>
-                        </p:par>
-                      </p:childTnLst>
-                    </p:cTn>
-                  </p:par>
-                  <p:par>
-                    <p:cTn id="9" fill="hold">
-                      <p:stCondLst>
-                        <p:cond delay="indefinite"/>
-                      </p:stCondLst>
-                      <p:childTnLst>
-                        <p:par>
-                          <p:cTn id="10" fill="hold">
-                            <p:stCondLst>
-                              <p:cond delay="0"/>
-                            </p:stCondLst>
-                            <p:childTnLst>
-                              <p:par>
-                                <p:cTn id="11" presetID="1" presetClass="exit" presetSubtype="0" fill="hold" nodeType="clickEffect">
-                                  <p:stCondLst>
-                                    <p:cond delay="0"/>
-                                  </p:stCondLst>
-                                  <p:childTnLst>
-                                    <p:set>
-                                      <p:cBhvr>
-                                        <p:cTn id="12" dur="1" fill="hold">
-                                          <p:stCondLst>
-                                            <p:cond delay="0"/>
-                                          </p:stCondLst>
-                                        </p:cTn>
-                                        <p:tgtEl>
-                                          <p:spTgt spid="5"/>
-                                        </p:tgtEl>
-                                        <p:attrNameLst>
-                                          <p:attrName>style.visibility</p:attrName>
-                                        </p:attrNameLst>
-                                      </p:cBhvr>
-                                      <p:to>
-                                        <p:strVal val="hidden"/>
-                                      </p:to>
-                                    </p:set>
-                                  </p:childTnLst>
-                                </p:cTn>
-                              </p:par>
-                              <p:par>
-                                <p:cTn id="13" presetID="1" presetClass="exit" presetSubtype="0" fill="hold" nodeType="withEffect">
-                                  <p:stCondLst>
-                                    <p:cond delay="0"/>
-                                  </p:stCondLst>
-                                  <p:childTnLst>
-                                    <p:set>
-                                      <p:cBhvr>
-                                        <p:cTn id="14" dur="1" fill="hold">
-                                          <p:stCondLst>
-                                            <p:cond delay="0"/>
-                                          </p:stCondLst>
-                                        </p:cTn>
-                                        <p:tgtEl>
-                                          <p:spTgt spid="36"/>
-                                        </p:tgtEl>
-                                        <p:attrNameLst>
-                                          <p:attrName>style.visibility</p:attrName>
-                                        </p:attrNameLst>
-                                      </p:cBhvr>
-                                      <p:to>
-                                        <p:strVal val="hidden"/>
-                                      </p:to>
-                                    </p:set>
-                                  </p:childTnLst>
-                                </p:cTn>
-                              </p:par>
-                            </p:childTnLst>
-                          </p:cTn>
-                        </p:par>
-                      </p:childTnLst>
-                    </p:cTn>
-                  </p:par>
-                  <p:par>
-                    <p:cTn id="15" fill="hold">
-                      <p:stCondLst>
-                        <p:cond delay="indefinite"/>
-                      </p:stCondLst>
-                      <p:childTnLst>
-                        <p:par>
-                          <p:cTn id="16" fill="hold">
-                            <p:stCondLst>
-                              <p:cond delay="0"/>
-                            </p:stCondLst>
-                            <p:childTnLst>
-                              <p:par>
-                                <p:cTn id="17" presetID="63" presetClass="path" presetSubtype="0" accel="50000" decel="50000" fill="hold" nodeType="clickEffect">
+                                <p:cTn id="5" presetID="63" presetClass="path" presetSubtype="0" accel="50000" decel="50000" fill="hold" nodeType="clickEffect">
                                   <p:stCondLst>
                                     <p:cond delay="0"/>
                                   </p:stCondLst>
                                   <p:childTnLst>
                                     <p:animMotion origin="layout" path="M 4.72222E-6 4.07407E-6 L 0.92673 -0.00139 " pathEditMode="relative" rAng="0" ptsTypes="AA">
                                       <p:cBhvr>
-                                        <p:cTn id="18" dur="10" fill="hold"/>
+                                        <p:cTn id="6" dur="10" fill="hold"/>
                                         <p:tgtEl>
                                           <p:spTgt spid="8"/>
                                         </p:tgtEl>
@@ -16218,26 +15995,26 @@
                     </p:cTn>
                   </p:par>
                   <p:par>
-                    <p:cTn id="19" fill="hold">
+                    <p:cTn id="7" fill="hold">
                       <p:stCondLst>
                         <p:cond delay="indefinite"/>
                       </p:stCondLst>
                       <p:childTnLst>
                         <p:par>
-                          <p:cTn id="20" fill="hold">
+                          <p:cTn id="8" fill="hold">
                             <p:stCondLst>
                               <p:cond delay="0"/>
                             </p:stCondLst>
                             <p:childTnLst>
                               <p:par>
-                                <p:cTn id="21" presetID="1" presetClass="exit" presetSubtype="0" fill="hold" nodeType="clickEffect">
+                                <p:cTn id="9" presetID="1" presetClass="exit" presetSubtype="0" fill="hold" nodeType="clickEffect">
                                   <p:stCondLst>
                                     <p:cond delay="0"/>
                                   </p:stCondLst>
                                   <p:childTnLst>
                                     <p:set>
                                       <p:cBhvr>
-                                        <p:cTn id="22" dur="1" fill="hold">
+                                        <p:cTn id="10" dur="1" fill="hold">
                                           <p:stCondLst>
                                             <p:cond delay="0"/>
                                           </p:stCondLst>
@@ -16263,26 +16040,26 @@
                     </p:cTn>
                   </p:par>
                   <p:par>
-                    <p:cTn id="23" fill="hold">
+                    <p:cTn id="11" fill="hold">
                       <p:stCondLst>
                         <p:cond delay="indefinite"/>
                       </p:stCondLst>
                       <p:childTnLst>
                         <p:par>
-                          <p:cTn id="24" fill="hold">
+                          <p:cTn id="12" fill="hold">
                             <p:stCondLst>
                               <p:cond delay="0"/>
                             </p:stCondLst>
                             <p:childTnLst>
                               <p:par>
-                                <p:cTn id="25" presetID="1" presetClass="entr" presetSubtype="0" fill="hold" nodeType="clickEffect">
+                                <p:cTn id="13" presetID="1" presetClass="entr" presetSubtype="0" fill="hold" nodeType="clickEffect">
                                   <p:stCondLst>
                                     <p:cond delay="0"/>
                                   </p:stCondLst>
                                   <p:childTnLst>
                                     <p:set>
                                       <p:cBhvr>
-                                        <p:cTn id="26" dur="1" fill="hold">
+                                        <p:cTn id="14" dur="1" fill="hold">
                                           <p:stCondLst>
                                             <p:cond delay="0"/>
                                           </p:stCondLst>
@@ -16302,24 +16079,29 @@
                                 </p:cTn>
                               </p:par>
                               <p:par>
-                                <p:cTn id="27" presetID="63" presetClass="path" presetSubtype="0" accel="50000" decel="50000" fill="hold" nodeType="withEffect">
+                                <p:cTn id="15" presetID="1" presetClass="entr" presetSubtype="0" fill="hold" nodeType="withEffect">
                                   <p:stCondLst>
                                     <p:cond delay="0"/>
                                   </p:stCondLst>
                                   <p:childTnLst>
-                                    <p:animMotion origin="layout" path="M 2.22222E-6 1.48148E-6 L 0.62361 -0.00093 " pathEditMode="relative" rAng="0" ptsTypes="AA">
+                                    <p:set>
                                       <p:cBhvr>
-                                        <p:cTn id="28" dur="10" fill="hold"/>
+                                        <p:cTn id="16" dur="1" fill="hold">
+                                          <p:stCondLst>
+                                            <p:cond delay="0"/>
+                                          </p:stCondLst>
+                                        </p:cTn>
                                         <p:tgtEl>
                                           <p:spTgt spid="94"/>
                                         </p:tgtEl>
                                         <p:attrNameLst>
-                                          <p:attrName>ppt_x</p:attrName>
-                                          <p:attrName>ppt_y</p:attrName>
+                                          <p:attrName>style.visibility</p:attrName>
                                         </p:attrNameLst>
                                       </p:cBhvr>
-                                      <p:rCtr x="31181" y="-46"/>
-                                    </p:animMotion>
+                                      <p:to>
+                                        <p:strVal val="visible"/>
+                                      </p:to>
+                                    </p:set>
                                   </p:childTnLst>
                                 </p:cTn>
                               </p:par>
@@ -16330,26 +16112,26 @@
                     </p:cTn>
                   </p:par>
                   <p:par>
-                    <p:cTn id="29" fill="hold">
+                    <p:cTn id="17" fill="hold">
                       <p:stCondLst>
                         <p:cond delay="indefinite"/>
                       </p:stCondLst>
                       <p:childTnLst>
                         <p:par>
-                          <p:cTn id="30" fill="hold">
+                          <p:cTn id="18" fill="hold">
                             <p:stCondLst>
                               <p:cond delay="0"/>
                             </p:stCondLst>
                             <p:childTnLst>
                               <p:par>
-                                <p:cTn id="31" presetID="1" presetClass="exit" presetSubtype="0" fill="hold" nodeType="clickEffect">
+                                <p:cTn id="19" presetID="1" presetClass="exit" presetSubtype="0" fill="hold" nodeType="clickEffect">
                                   <p:stCondLst>
                                     <p:cond delay="0"/>
                                   </p:stCondLst>
                                   <p:childTnLst>
                                     <p:set>
                                       <p:cBhvr>
-                                        <p:cTn id="32" dur="1" fill="hold">
+                                        <p:cTn id="20" dur="1" fill="hold">
                                           <p:stCondLst>
                                             <p:cond delay="0"/>
                                           </p:stCondLst>
@@ -16369,14 +16151,14 @@
                                 </p:cTn>
                               </p:par>
                               <p:par>
-                                <p:cTn id="33" presetID="1" presetClass="exit" presetSubtype="0" fill="hold" nodeType="withEffect">
+                                <p:cTn id="21" presetID="1" presetClass="exit" presetSubtype="0" fill="hold" nodeType="withEffect">
                                   <p:stCondLst>
                                     <p:cond delay="0"/>
                                   </p:stCondLst>
                                   <p:childTnLst>
                                     <p:set>
                                       <p:cBhvr>
-                                        <p:cTn id="34" dur="1" fill="hold">
+                                        <p:cTn id="22" dur="1" fill="hold">
                                           <p:stCondLst>
                                             <p:cond delay="0"/>
                                           </p:stCondLst>

--- a/회귀분석.pptx
+++ b/회귀분석.pptx
@@ -33,42 +33,42 @@
   <p:notesSz cx="6858000" cy="9144000"/>
   <p:embeddedFontLst>
     <p:embeddedFont>
+      <p:font typeface="D2Coding" panose="020B0609020101020101" pitchFamily="49" charset="-127"/>
+      <p:regular r:id="rId23"/>
+      <p:bold r:id="rId24"/>
+    </p:embeddedFont>
+    <p:embeddedFont>
       <p:font typeface="a옛날목욕탕L" panose="02020600000000000000" pitchFamily="18" charset="-127"/>
-      <p:regular r:id="rId23"/>
+      <p:regular r:id="rId25"/>
+    </p:embeddedFont>
+    <p:embeddedFont>
+      <p:font typeface="HY나무L" panose="02030600000101010101" pitchFamily="18" charset="-127"/>
+      <p:regular r:id="rId26"/>
     </p:embeddedFont>
     <p:embeddedFont>
       <p:font typeface="Cambria Math" panose="02040503050406030204" pitchFamily="18" charset="0"/>
-      <p:regular r:id="rId24"/>
+      <p:regular r:id="rId27"/>
     </p:embeddedFont>
     <p:embeddedFont>
       <p:font typeface="Calibri" panose="020F0502020204030204" pitchFamily="34" charset="0"/>
-      <p:regular r:id="rId25"/>
-      <p:bold r:id="rId26"/>
-      <p:italic r:id="rId27"/>
-      <p:boldItalic r:id="rId28"/>
+      <p:regular r:id="rId28"/>
+      <p:bold r:id="rId29"/>
+      <p:italic r:id="rId30"/>
+      <p:boldItalic r:id="rId31"/>
     </p:embeddedFont>
     <p:embeddedFont>
       <p:font typeface="맑은 고딕" panose="020B0503020000020004" pitchFamily="50" charset="-127"/>
-      <p:regular r:id="rId29"/>
-      <p:bold r:id="rId30"/>
+      <p:regular r:id="rId32"/>
+      <p:bold r:id="rId33"/>
     </p:embeddedFont>
     <p:embeddedFont>
-      <p:font typeface="D2Coding" panose="020B0609020101020101" pitchFamily="49" charset="-127"/>
-      <p:regular r:id="rId31"/>
-      <p:bold r:id="rId32"/>
+      <p:font typeface="a옛날목욕탕B" panose="02020600000000000000" pitchFamily="18" charset="-127"/>
+      <p:regular r:id="rId34"/>
     </p:embeddedFont>
     <p:embeddedFont>
       <p:font typeface="Calibri Light" panose="020F0302020204030204" pitchFamily="34" charset="0"/>
-      <p:regular r:id="rId33"/>
-      <p:italic r:id="rId34"/>
-    </p:embeddedFont>
-    <p:embeddedFont>
-      <p:font typeface="HY나무L" panose="02030600000101010101" pitchFamily="18" charset="-127"/>
       <p:regular r:id="rId35"/>
-    </p:embeddedFont>
-    <p:embeddedFont>
-      <p:font typeface="a옛날목욕탕B" panose="02020600000000000000" pitchFamily="18" charset="-127"/>
-      <p:regular r:id="rId36"/>
+      <p:italic r:id="rId36"/>
     </p:embeddedFont>
   </p:embeddedFontLst>
   <p:defaultTextStyle>
@@ -5514,33 +5514,15 @@
                                   </p:childTnLst>
                                 </p:cTn>
                               </p:par>
-                            </p:childTnLst>
-                          </p:cTn>
-                        </p:par>
-                      </p:childTnLst>
-                    </p:cTn>
-                  </p:par>
-                  <p:par>
-                    <p:cTn id="19" fill="hold">
-                      <p:stCondLst>
-                        <p:cond delay="indefinite"/>
-                      </p:stCondLst>
-                      <p:childTnLst>
-                        <p:par>
-                          <p:cTn id="20" fill="hold">
-                            <p:stCondLst>
-                              <p:cond delay="0"/>
-                            </p:stCondLst>
-                            <p:childTnLst>
                               <p:par>
-                                <p:cTn id="21" presetID="1" presetClass="entr" presetSubtype="0" fill="hold" nodeType="clickEffect">
+                                <p:cTn id="19" presetID="1" presetClass="entr" presetSubtype="0" fill="hold" nodeType="withEffect">
                                   <p:stCondLst>
                                     <p:cond delay="0"/>
                                   </p:stCondLst>
                                   <p:childTnLst>
                                     <p:set>
                                       <p:cBhvr>
-                                        <p:cTn id="22" dur="1" fill="hold">
+                                        <p:cTn id="20" dur="1" fill="hold">
                                           <p:stCondLst>
                                             <p:cond delay="0"/>
                                           </p:stCondLst>

--- a/회귀분석.pptx
+++ b/회귀분석.pptx
@@ -33,42 +33,42 @@
   <p:notesSz cx="6858000" cy="9144000"/>
   <p:embeddedFontLst>
     <p:embeddedFont>
+      <p:font typeface="a옛날목욕탕B" panose="02020600000000000000" pitchFamily="18" charset="-127"/>
+      <p:regular r:id="rId23"/>
+    </p:embeddedFont>
+    <p:embeddedFont>
+      <p:font typeface="Cambria Math" panose="02040503050406030204" pitchFamily="18" charset="0"/>
+      <p:regular r:id="rId24"/>
+    </p:embeddedFont>
+    <p:embeddedFont>
+      <p:font typeface="Calibri" panose="020F0502020204030204" pitchFamily="34" charset="0"/>
+      <p:regular r:id="rId25"/>
+      <p:bold r:id="rId26"/>
+      <p:italic r:id="rId27"/>
+      <p:boldItalic r:id="rId28"/>
+    </p:embeddedFont>
+    <p:embeddedFont>
       <p:font typeface="D2Coding" panose="020B0609020101020101" pitchFamily="49" charset="-127"/>
-      <p:regular r:id="rId23"/>
-      <p:bold r:id="rId24"/>
+      <p:regular r:id="rId29"/>
+      <p:bold r:id="rId30"/>
+    </p:embeddedFont>
+    <p:embeddedFont>
+      <p:font typeface="맑은 고딕" panose="020B0503020000020004" pitchFamily="50" charset="-127"/>
+      <p:regular r:id="rId31"/>
+      <p:bold r:id="rId32"/>
+    </p:embeddedFont>
+    <p:embeddedFont>
+      <p:font typeface="HY나무L" panose="02030600000101010101" pitchFamily="18" charset="-127"/>
+      <p:regular r:id="rId33"/>
+    </p:embeddedFont>
+    <p:embeddedFont>
+      <p:font typeface="Calibri Light" panose="020F0302020204030204" pitchFamily="34" charset="0"/>
+      <p:regular r:id="rId34"/>
+      <p:italic r:id="rId35"/>
     </p:embeddedFont>
     <p:embeddedFont>
       <p:font typeface="a옛날목욕탕L" panose="02020600000000000000" pitchFamily="18" charset="-127"/>
-      <p:regular r:id="rId25"/>
-    </p:embeddedFont>
-    <p:embeddedFont>
-      <p:font typeface="HY나무L" panose="02030600000101010101" pitchFamily="18" charset="-127"/>
-      <p:regular r:id="rId26"/>
-    </p:embeddedFont>
-    <p:embeddedFont>
-      <p:font typeface="Cambria Math" panose="02040503050406030204" pitchFamily="18" charset="0"/>
-      <p:regular r:id="rId27"/>
-    </p:embeddedFont>
-    <p:embeddedFont>
-      <p:font typeface="Calibri" panose="020F0502020204030204" pitchFamily="34" charset="0"/>
-      <p:regular r:id="rId28"/>
-      <p:bold r:id="rId29"/>
-      <p:italic r:id="rId30"/>
-      <p:boldItalic r:id="rId31"/>
-    </p:embeddedFont>
-    <p:embeddedFont>
-      <p:font typeface="맑은 고딕" panose="020B0503020000020004" pitchFamily="50" charset="-127"/>
-      <p:regular r:id="rId32"/>
-      <p:bold r:id="rId33"/>
-    </p:embeddedFont>
-    <p:embeddedFont>
-      <p:font typeface="a옛날목욕탕B" panose="02020600000000000000" pitchFamily="18" charset="-127"/>
-      <p:regular r:id="rId34"/>
-    </p:embeddedFont>
-    <p:embeddedFont>
-      <p:font typeface="Calibri Light" panose="020F0302020204030204" pitchFamily="34" charset="0"/>
-      <p:regular r:id="rId35"/>
-      <p:italic r:id="rId36"/>
+      <p:regular r:id="rId36"/>
     </p:embeddedFont>
   </p:embeddedFontLst>
   <p:defaultTextStyle>
@@ -12261,7 +12261,7 @@
                 <a:latin typeface="a옛날목욕탕B" panose="02020600000000000000" pitchFamily="18" charset="-127"/>
                 <a:ea typeface="a옛날목욕탕B" panose="02020600000000000000" pitchFamily="18" charset="-127"/>
               </a:rPr>
-              <a:t>Multiple collinearity</a:t>
+              <a:t>Multicollinearity</a:t>
             </a:r>
           </a:p>
         </p:txBody>
@@ -16780,7 +16780,7 @@
                 <a:latin typeface="a옛날목욕탕B" panose="02020600000000000000" pitchFamily="18" charset="-127"/>
                 <a:ea typeface="a옛날목욕탕B" panose="02020600000000000000" pitchFamily="18" charset="-127"/>
               </a:rPr>
-              <a:t>Multiple collinearity</a:t>
+              <a:t>Multicollinearity</a:t>
             </a:r>
           </a:p>
           <a:p>
